--- a/介紹.pptx
+++ b/介紹.pptx
@@ -5,7 +5,7 @@
     <p:sldMasterId id="2147483648" r:id="rId1"/>
   </p:sldMasterIdLst>
   <p:notesMasterIdLst>
-    <p:notesMasterId r:id="rId22"/>
+    <p:notesMasterId r:id="rId29"/>
   </p:notesMasterIdLst>
   <p:sldIdLst>
     <p:sldId id="8719" r:id="rId2"/>
@@ -18,21 +18,28 @@
     <p:sldId id="258" r:id="rId9"/>
     <p:sldId id="2007577436" r:id="rId10"/>
     <p:sldId id="1249" r:id="rId11"/>
-    <p:sldId id="1251" r:id="rId12"/>
-    <p:sldId id="2007577439" r:id="rId13"/>
-    <p:sldId id="264" r:id="rId14"/>
-    <p:sldId id="2007577440" r:id="rId15"/>
-    <p:sldId id="2007577442" r:id="rId16"/>
-    <p:sldId id="2007577443" r:id="rId17"/>
-    <p:sldId id="2007577444" r:id="rId18"/>
-    <p:sldId id="2007577445" r:id="rId19"/>
-    <p:sldId id="2007577448" r:id="rId20"/>
-    <p:sldId id="2007577446" r:id="rId21"/>
+    <p:sldId id="2007577452" r:id="rId12"/>
+    <p:sldId id="2007577453" r:id="rId13"/>
+    <p:sldId id="2007577439" r:id="rId14"/>
+    <p:sldId id="264" r:id="rId15"/>
+    <p:sldId id="2007577440" r:id="rId16"/>
+    <p:sldId id="2007577442" r:id="rId17"/>
+    <p:sldId id="2007577443" r:id="rId18"/>
+    <p:sldId id="2007577454" r:id="rId19"/>
+    <p:sldId id="2007577455" r:id="rId20"/>
+    <p:sldId id="2007577456" r:id="rId21"/>
+    <p:sldId id="2007577457" r:id="rId22"/>
+    <p:sldId id="2007577458" r:id="rId23"/>
+    <p:sldId id="2007577459" r:id="rId24"/>
+    <p:sldId id="2007577444" r:id="rId25"/>
+    <p:sldId id="2007577460" r:id="rId26"/>
+    <p:sldId id="1251" r:id="rId27"/>
+    <p:sldId id="2007577446" r:id="rId28"/>
   </p:sldIdLst>
   <p:sldSz cx="12192000" cy="6858000"/>
   <p:notesSz cx="6858000" cy="9144000"/>
   <p:custDataLst>
-    <p:tags r:id="rId23"/>
+    <p:tags r:id="rId30"/>
   </p:custDataLst>
   <p:defaultTextStyle>
     <a:defPPr>
@@ -6124,7 +6131,7 @@
           <a:p>
             <a:fld id="{31AB3913-C932-4079-999E-C1EC6324BAF9}" type="datetimeFigureOut">
               <a:rPr lang="zh-CN" altLang="en-US" smtClean="0"/>
-              <a:t>2020/4/29</a:t>
+              <a:t>2020/6/17</a:t>
             </a:fld>
             <a:endParaRPr lang="zh-CN" altLang="en-US"/>
           </a:p>
@@ -6682,78 +6689,19 @@
           <a:bodyPr/>
           <a:lstStyle/>
           <a:p>
-            <a:pPr marL="0" marR="0" lvl="0" indent="0" algn="r" defTabSz="914400" rtl="0" eaLnBrk="1" fontAlgn="auto" latinLnBrk="0" hangingPunct="1">
-              <a:lnSpc>
-                <a:spcPct val="100000"/>
-              </a:lnSpc>
-              <a:spcBef>
-                <a:spcPts val="0"/>
-              </a:spcBef>
-              <a:spcAft>
-                <a:spcPts val="0"/>
-              </a:spcAft>
-              <a:buClrTx/>
-              <a:buSzTx/>
-              <a:buFontTx/>
-              <a:buNone/>
-              <a:tabLst/>
-              <a:defRPr/>
-            </a:pPr>
-            <a:fld id="{896B96F7-238A-436E-8798-5DD8D861D65B}" type="slidenum">
-              <a:rPr kumimoji="0" lang="zh-CN" altLang="en-US" sz="1200" b="0" i="0" u="none" strike="noStrike" kern="1200" cap="none" spc="0" normalizeH="0" baseline="0" noProof="0" smtClean="0">
-                <a:ln>
-                  <a:noFill/>
-                </a:ln>
-                <a:solidFill>
-                  <a:prstClr val="black"/>
-                </a:solidFill>
-                <a:effectLst/>
-                <a:uLnTx/>
-                <a:uFillTx/>
-                <a:latin typeface="等线" panose="020F0502020204030204"/>
-                <a:ea typeface="等线" panose="02010600030101010101" pitchFamily="2" charset="-122"/>
-                <a:cs typeface="+mn-cs"/>
-              </a:rPr>
-              <a:pPr marL="0" marR="0" lvl="0" indent="0" algn="r" defTabSz="914400" rtl="0" eaLnBrk="1" fontAlgn="auto" latinLnBrk="0" hangingPunct="1">
-                <a:lnSpc>
-                  <a:spcPct val="100000"/>
-                </a:lnSpc>
-                <a:spcBef>
-                  <a:spcPts val="0"/>
-                </a:spcBef>
-                <a:spcAft>
-                  <a:spcPts val="0"/>
-                </a:spcAft>
-                <a:buClrTx/>
-                <a:buSzTx/>
-                <a:buFontTx/>
-                <a:buNone/>
-                <a:tabLst/>
-                <a:defRPr/>
-              </a:pPr>
+            <a:fld id="{33D914D7-F920-4CFC-9A44-0A24832BAFAD}" type="slidenum">
+              <a:rPr lang="zh-CN" altLang="en-US" smtClean="0"/>
+              <a:pPr/>
               <a:t>11</a:t>
             </a:fld>
-            <a:endParaRPr kumimoji="0" lang="zh-CN" altLang="en-US" sz="1200" b="0" i="0" u="none" strike="noStrike" kern="1200" cap="none" spc="0" normalizeH="0" baseline="0" noProof="0">
-              <a:ln>
-                <a:noFill/>
-              </a:ln>
-              <a:solidFill>
-                <a:prstClr val="black"/>
-              </a:solidFill>
-              <a:effectLst/>
-              <a:uLnTx/>
-              <a:uFillTx/>
-              <a:latin typeface="等线" panose="020F0502020204030204"/>
-              <a:ea typeface="等线" panose="02010600030101010101" pitchFamily="2" charset="-122"/>
-              <a:cs typeface="+mn-cs"/>
-            </a:endParaRPr>
+            <a:endParaRPr lang="zh-CN" altLang="en-US"/>
           </a:p>
         </p:txBody>
       </p:sp>
     </p:spTree>
     <p:extLst>
       <p:ext uri="{BB962C8B-B14F-4D97-AF65-F5344CB8AC3E}">
-        <p14:creationId xmlns:p14="http://schemas.microsoft.com/office/powerpoint/2010/main" val="3465460899"/>
+        <p14:creationId xmlns:p14="http://schemas.microsoft.com/office/powerpoint/2010/main" val="1624286219"/>
       </p:ext>
     </p:extLst>
   </p:cSld>
@@ -6764,6 +6712,91 @@
 </file>
 
 <file path=ppt/notesSlides/notesSlide12.xml><?xml version="1.0" encoding="utf-8"?>
+<p:notes xmlns:a="http://schemas.openxmlformats.org/drawingml/2006/main" xmlns:r="http://schemas.openxmlformats.org/officeDocument/2006/relationships" xmlns:p="http://schemas.openxmlformats.org/presentationml/2006/main">
+  <p:cSld>
+    <p:spTree>
+      <p:nvGrpSpPr>
+        <p:cNvPr id="1" name=""/>
+        <p:cNvGrpSpPr/>
+        <p:nvPr/>
+      </p:nvGrpSpPr>
+      <p:grpSpPr>
+        <a:xfrm>
+          <a:off x="0" y="0"/>
+          <a:ext cx="0" cy="0"/>
+          <a:chOff x="0" y="0"/>
+          <a:chExt cx="0" cy="0"/>
+        </a:xfrm>
+      </p:grpSpPr>
+      <p:sp>
+        <p:nvSpPr>
+          <p:cNvPr id="2" name="幻灯片图像占位符 1"/>
+          <p:cNvSpPr>
+            <a:spLocks noGrp="1" noRot="1" noChangeAspect="1"/>
+          </p:cNvSpPr>
+          <p:nvPr>
+            <p:ph type="sldImg"/>
+          </p:nvPr>
+        </p:nvSpPr>
+        <p:spPr/>
+      </p:sp>
+      <p:sp>
+        <p:nvSpPr>
+          <p:cNvPr id="3" name="备注占位符 2"/>
+          <p:cNvSpPr>
+            <a:spLocks noGrp="1"/>
+          </p:cNvSpPr>
+          <p:nvPr>
+            <p:ph type="body" idx="1"/>
+          </p:nvPr>
+        </p:nvSpPr>
+        <p:spPr/>
+        <p:txBody>
+          <a:bodyPr/>
+          <a:lstStyle/>
+          <a:p>
+            <a:endParaRPr lang="zh-CN" altLang="en-US"/>
+          </a:p>
+        </p:txBody>
+      </p:sp>
+      <p:sp>
+        <p:nvSpPr>
+          <p:cNvPr id="4" name="灯片编号占位符 3"/>
+          <p:cNvSpPr>
+            <a:spLocks noGrp="1"/>
+          </p:cNvSpPr>
+          <p:nvPr>
+            <p:ph type="sldNum" sz="quarter" idx="10"/>
+          </p:nvPr>
+        </p:nvSpPr>
+        <p:spPr/>
+        <p:txBody>
+          <a:bodyPr/>
+          <a:lstStyle/>
+          <a:p>
+            <a:fld id="{33D914D7-F920-4CFC-9A44-0A24832BAFAD}" type="slidenum">
+              <a:rPr lang="zh-CN" altLang="en-US" smtClean="0"/>
+              <a:pPr/>
+              <a:t>12</a:t>
+            </a:fld>
+            <a:endParaRPr lang="zh-CN" altLang="en-US"/>
+          </a:p>
+        </p:txBody>
+      </p:sp>
+    </p:spTree>
+    <p:extLst>
+      <p:ext uri="{BB962C8B-B14F-4D97-AF65-F5344CB8AC3E}">
+        <p14:creationId xmlns:p14="http://schemas.microsoft.com/office/powerpoint/2010/main" val="4219207381"/>
+      </p:ext>
+    </p:extLst>
+  </p:cSld>
+  <p:clrMapOvr>
+    <a:masterClrMapping/>
+  </p:clrMapOvr>
+</p:notes>
+</file>
+
+<file path=ppt/notesSlides/notesSlide13.xml><?xml version="1.0" encoding="utf-8"?>
 <p:notes xmlns:a="http://schemas.openxmlformats.org/drawingml/2006/main" xmlns:r="http://schemas.openxmlformats.org/officeDocument/2006/relationships" xmlns:p="http://schemas.openxmlformats.org/presentationml/2006/main">
   <p:cSld>
     <p:spTree>
@@ -6875,7 +6908,7 @@
                 <a:tabLst/>
                 <a:defRPr/>
               </a:pPr>
-              <a:t>12</a:t>
+              <a:t>13</a:t>
             </a:fld>
             <a:endParaRPr kumimoji="0" lang="zh-CN" altLang="en-US" sz="1200" b="0" i="0" u="none" strike="noStrike" kern="1200" cap="none" spc="0" normalizeH="0" baseline="0" noProof="0">
               <a:ln>
@@ -6898,91 +6931,6 @@
     <p:extLst>
       <p:ext uri="{BB962C8B-B14F-4D97-AF65-F5344CB8AC3E}">
         <p14:creationId xmlns:p14="http://schemas.microsoft.com/office/powerpoint/2010/main" val="3383561240"/>
-      </p:ext>
-    </p:extLst>
-  </p:cSld>
-  <p:clrMapOvr>
-    <a:masterClrMapping/>
-  </p:clrMapOvr>
-</p:notes>
-</file>
-
-<file path=ppt/notesSlides/notesSlide13.xml><?xml version="1.0" encoding="utf-8"?>
-<p:notes xmlns:a="http://schemas.openxmlformats.org/drawingml/2006/main" xmlns:r="http://schemas.openxmlformats.org/officeDocument/2006/relationships" xmlns:p="http://schemas.openxmlformats.org/presentationml/2006/main">
-  <p:cSld>
-    <p:spTree>
-      <p:nvGrpSpPr>
-        <p:cNvPr id="1" name=""/>
-        <p:cNvGrpSpPr/>
-        <p:nvPr/>
-      </p:nvGrpSpPr>
-      <p:grpSpPr>
-        <a:xfrm>
-          <a:off x="0" y="0"/>
-          <a:ext cx="0" cy="0"/>
-          <a:chOff x="0" y="0"/>
-          <a:chExt cx="0" cy="0"/>
-        </a:xfrm>
-      </p:grpSpPr>
-      <p:sp>
-        <p:nvSpPr>
-          <p:cNvPr id="2" name="幻灯片图像占位符 1"/>
-          <p:cNvSpPr>
-            <a:spLocks noGrp="1" noRot="1" noChangeAspect="1"/>
-          </p:cNvSpPr>
-          <p:nvPr>
-            <p:ph type="sldImg"/>
-          </p:nvPr>
-        </p:nvSpPr>
-        <p:spPr/>
-      </p:sp>
-      <p:sp>
-        <p:nvSpPr>
-          <p:cNvPr id="3" name="备注占位符 2"/>
-          <p:cNvSpPr>
-            <a:spLocks noGrp="1"/>
-          </p:cNvSpPr>
-          <p:nvPr>
-            <p:ph type="body" idx="1"/>
-          </p:nvPr>
-        </p:nvSpPr>
-        <p:spPr/>
-        <p:txBody>
-          <a:bodyPr/>
-          <a:lstStyle/>
-          <a:p>
-            <a:endParaRPr lang="zh-CN" altLang="en-US"/>
-          </a:p>
-        </p:txBody>
-      </p:sp>
-      <p:sp>
-        <p:nvSpPr>
-          <p:cNvPr id="4" name="灯片编号占位符 3"/>
-          <p:cNvSpPr>
-            <a:spLocks noGrp="1"/>
-          </p:cNvSpPr>
-          <p:nvPr>
-            <p:ph type="sldNum" sz="quarter" idx="10"/>
-          </p:nvPr>
-        </p:nvSpPr>
-        <p:spPr/>
-        <p:txBody>
-          <a:bodyPr/>
-          <a:lstStyle/>
-          <a:p>
-            <a:fld id="{33D914D7-F920-4CFC-9A44-0A24832BAFAD}" type="slidenum">
-              <a:rPr lang="zh-CN" altLang="en-US" smtClean="0"/>
-              <a:pPr/>
-              <a:t>13</a:t>
-            </a:fld>
-            <a:endParaRPr lang="zh-CN" altLang="en-US"/>
-          </a:p>
-        </p:txBody>
-      </p:sp>
-    </p:spTree>
-    <p:extLst>
-      <p:ext uri="{BB962C8B-B14F-4D97-AF65-F5344CB8AC3E}">
-        <p14:creationId xmlns:p14="http://schemas.microsoft.com/office/powerpoint/2010/main" val="1355262357"/>
       </p:ext>
     </p:extLst>
   </p:cSld>
@@ -7055,78 +7003,19 @@
           <a:bodyPr/>
           <a:lstStyle/>
           <a:p>
-            <a:pPr marL="0" marR="0" lvl="0" indent="0" algn="r" defTabSz="914400" rtl="0" eaLnBrk="1" fontAlgn="auto" latinLnBrk="0" hangingPunct="1">
-              <a:lnSpc>
-                <a:spcPct val="100000"/>
-              </a:lnSpc>
-              <a:spcBef>
-                <a:spcPts val="0"/>
-              </a:spcBef>
-              <a:spcAft>
-                <a:spcPts val="0"/>
-              </a:spcAft>
-              <a:buClrTx/>
-              <a:buSzTx/>
-              <a:buFontTx/>
-              <a:buNone/>
-              <a:tabLst/>
-              <a:defRPr/>
-            </a:pPr>
-            <a:fld id="{896B96F7-238A-436E-8798-5DD8D861D65B}" type="slidenum">
-              <a:rPr kumimoji="0" lang="zh-CN" altLang="en-US" sz="1200" b="0" i="0" u="none" strike="noStrike" kern="1200" cap="none" spc="0" normalizeH="0" baseline="0" noProof="0" smtClean="0">
-                <a:ln>
-                  <a:noFill/>
-                </a:ln>
-                <a:solidFill>
-                  <a:prstClr val="black"/>
-                </a:solidFill>
-                <a:effectLst/>
-                <a:uLnTx/>
-                <a:uFillTx/>
-                <a:latin typeface="等线" panose="020F0502020204030204"/>
-                <a:ea typeface="等线" panose="02010600030101010101" pitchFamily="2" charset="-122"/>
-                <a:cs typeface="+mn-cs"/>
-              </a:rPr>
-              <a:pPr marL="0" marR="0" lvl="0" indent="0" algn="r" defTabSz="914400" rtl="0" eaLnBrk="1" fontAlgn="auto" latinLnBrk="0" hangingPunct="1">
-                <a:lnSpc>
-                  <a:spcPct val="100000"/>
-                </a:lnSpc>
-                <a:spcBef>
-                  <a:spcPts val="0"/>
-                </a:spcBef>
-                <a:spcAft>
-                  <a:spcPts val="0"/>
-                </a:spcAft>
-                <a:buClrTx/>
-                <a:buSzTx/>
-                <a:buFontTx/>
-                <a:buNone/>
-                <a:tabLst/>
-                <a:defRPr/>
-              </a:pPr>
+            <a:fld id="{33D914D7-F920-4CFC-9A44-0A24832BAFAD}" type="slidenum">
+              <a:rPr lang="zh-CN" altLang="en-US" smtClean="0"/>
+              <a:pPr/>
               <a:t>14</a:t>
             </a:fld>
-            <a:endParaRPr kumimoji="0" lang="zh-CN" altLang="en-US" sz="1200" b="0" i="0" u="none" strike="noStrike" kern="1200" cap="none" spc="0" normalizeH="0" baseline="0" noProof="0">
-              <a:ln>
-                <a:noFill/>
-              </a:ln>
-              <a:solidFill>
-                <a:prstClr val="black"/>
-              </a:solidFill>
-              <a:effectLst/>
-              <a:uLnTx/>
-              <a:uFillTx/>
-              <a:latin typeface="等线" panose="020F0502020204030204"/>
-              <a:ea typeface="等线" panose="02010600030101010101" pitchFamily="2" charset="-122"/>
-              <a:cs typeface="+mn-cs"/>
-            </a:endParaRPr>
+            <a:endParaRPr lang="zh-CN" altLang="en-US"/>
           </a:p>
         </p:txBody>
       </p:sp>
     </p:spTree>
     <p:extLst>
       <p:ext uri="{BB962C8B-B14F-4D97-AF65-F5344CB8AC3E}">
-        <p14:creationId xmlns:p14="http://schemas.microsoft.com/office/powerpoint/2010/main" val="1725109951"/>
+        <p14:creationId xmlns:p14="http://schemas.microsoft.com/office/powerpoint/2010/main" val="1355262357"/>
       </p:ext>
     </p:extLst>
   </p:cSld>
@@ -7270,7 +7159,7 @@
     </p:spTree>
     <p:extLst>
       <p:ext uri="{BB962C8B-B14F-4D97-AF65-F5344CB8AC3E}">
-        <p14:creationId xmlns:p14="http://schemas.microsoft.com/office/powerpoint/2010/main" val="3174515259"/>
+        <p14:creationId xmlns:p14="http://schemas.microsoft.com/office/powerpoint/2010/main" val="1725109951"/>
       </p:ext>
     </p:extLst>
   </p:cSld>
@@ -7414,7 +7303,7 @@
     </p:spTree>
     <p:extLst>
       <p:ext uri="{BB962C8B-B14F-4D97-AF65-F5344CB8AC3E}">
-        <p14:creationId xmlns:p14="http://schemas.microsoft.com/office/powerpoint/2010/main" val="2987865861"/>
+        <p14:creationId xmlns:p14="http://schemas.microsoft.com/office/powerpoint/2010/main" val="3174515259"/>
       </p:ext>
     </p:extLst>
   </p:cSld>
@@ -7425,150 +7314,6 @@
 </file>
 
 <file path=ppt/notesSlides/notesSlide17.xml><?xml version="1.0" encoding="utf-8"?>
-<p:notes xmlns:a="http://schemas.openxmlformats.org/drawingml/2006/main" xmlns:r="http://schemas.openxmlformats.org/officeDocument/2006/relationships" xmlns:p="http://schemas.openxmlformats.org/presentationml/2006/main">
-  <p:cSld>
-    <p:spTree>
-      <p:nvGrpSpPr>
-        <p:cNvPr id="1" name=""/>
-        <p:cNvGrpSpPr/>
-        <p:nvPr/>
-      </p:nvGrpSpPr>
-      <p:grpSpPr>
-        <a:xfrm>
-          <a:off x="0" y="0"/>
-          <a:ext cx="0" cy="0"/>
-          <a:chOff x="0" y="0"/>
-          <a:chExt cx="0" cy="0"/>
-        </a:xfrm>
-      </p:grpSpPr>
-      <p:sp>
-        <p:nvSpPr>
-          <p:cNvPr id="2" name="幻灯片图像占位符 1"/>
-          <p:cNvSpPr>
-            <a:spLocks noGrp="1" noRot="1" noChangeAspect="1"/>
-          </p:cNvSpPr>
-          <p:nvPr>
-            <p:ph type="sldImg"/>
-          </p:nvPr>
-        </p:nvSpPr>
-        <p:spPr/>
-      </p:sp>
-      <p:sp>
-        <p:nvSpPr>
-          <p:cNvPr id="3" name="备注占位符 2"/>
-          <p:cNvSpPr>
-            <a:spLocks noGrp="1"/>
-          </p:cNvSpPr>
-          <p:nvPr>
-            <p:ph type="body" idx="1"/>
-          </p:nvPr>
-        </p:nvSpPr>
-        <p:spPr/>
-        <p:txBody>
-          <a:bodyPr/>
-          <a:lstStyle/>
-          <a:p>
-            <a:endParaRPr lang="zh-CN" altLang="en-US"/>
-          </a:p>
-        </p:txBody>
-      </p:sp>
-      <p:sp>
-        <p:nvSpPr>
-          <p:cNvPr id="4" name="灯片编号占位符 3"/>
-          <p:cNvSpPr>
-            <a:spLocks noGrp="1"/>
-          </p:cNvSpPr>
-          <p:nvPr>
-            <p:ph type="sldNum" sz="quarter" idx="5"/>
-          </p:nvPr>
-        </p:nvSpPr>
-        <p:spPr/>
-        <p:txBody>
-          <a:bodyPr/>
-          <a:lstStyle/>
-          <a:p>
-            <a:pPr marL="0" marR="0" lvl="0" indent="0" algn="r" defTabSz="914400" rtl="0" eaLnBrk="1" fontAlgn="auto" latinLnBrk="0" hangingPunct="1">
-              <a:lnSpc>
-                <a:spcPct val="100000"/>
-              </a:lnSpc>
-              <a:spcBef>
-                <a:spcPts val="0"/>
-              </a:spcBef>
-              <a:spcAft>
-                <a:spcPts val="0"/>
-              </a:spcAft>
-              <a:buClrTx/>
-              <a:buSzTx/>
-              <a:buFontTx/>
-              <a:buNone/>
-              <a:tabLst/>
-              <a:defRPr/>
-            </a:pPr>
-            <a:fld id="{6DC4D2D1-E10F-4074-B2FB-F8B80FADFC0B}" type="slidenum">
-              <a:rPr kumimoji="0" lang="zh-CN" altLang="en-US" sz="1200" b="0" i="0" u="none" strike="noStrike" kern="1200" cap="none" spc="0" normalizeH="0" baseline="0" noProof="0" smtClean="0">
-                <a:ln>
-                  <a:noFill/>
-                </a:ln>
-                <a:solidFill>
-                  <a:prstClr val="black"/>
-                </a:solidFill>
-                <a:effectLst/>
-                <a:uLnTx/>
-                <a:uFillTx/>
-                <a:latin typeface="等线" panose="020F0502020204030204"/>
-                <a:ea typeface="等线" panose="02010600030101010101" pitchFamily="2" charset="-122"/>
-                <a:cs typeface="+mn-cs"/>
-              </a:rPr>
-              <a:pPr marL="0" marR="0" lvl="0" indent="0" algn="r" defTabSz="914400" rtl="0" eaLnBrk="1" fontAlgn="auto" latinLnBrk="0" hangingPunct="1">
-                <a:lnSpc>
-                  <a:spcPct val="100000"/>
-                </a:lnSpc>
-                <a:spcBef>
-                  <a:spcPts val="0"/>
-                </a:spcBef>
-                <a:spcAft>
-                  <a:spcPts val="0"/>
-                </a:spcAft>
-                <a:buClrTx/>
-                <a:buSzTx/>
-                <a:buFontTx/>
-                <a:buNone/>
-                <a:tabLst/>
-                <a:defRPr/>
-              </a:pPr>
-              <a:t>17</a:t>
-            </a:fld>
-            <a:endParaRPr kumimoji="0" lang="zh-CN" altLang="en-US" sz="1200" b="0" i="0" u="none" strike="noStrike" kern="1200" cap="none" spc="0" normalizeH="0" baseline="0" noProof="0">
-              <a:ln>
-                <a:noFill/>
-              </a:ln>
-              <a:solidFill>
-                <a:prstClr val="black"/>
-              </a:solidFill>
-              <a:effectLst/>
-              <a:uLnTx/>
-              <a:uFillTx/>
-              <a:latin typeface="等线" panose="020F0502020204030204"/>
-              <a:ea typeface="等线" panose="02010600030101010101" pitchFamily="2" charset="-122"/>
-              <a:cs typeface="+mn-cs"/>
-            </a:endParaRPr>
-          </a:p>
-        </p:txBody>
-      </p:sp>
-    </p:spTree>
-    <p:extLst>
-      <p:ext uri="{BB962C8B-B14F-4D97-AF65-F5344CB8AC3E}">
-        <p14:creationId xmlns:p14="http://schemas.microsoft.com/office/powerpoint/2010/main" val="2929798742"/>
-      </p:ext>
-    </p:extLst>
-  </p:cSld>
-  <p:clrMapOvr>
-    <a:masterClrMapping/>
-  </p:clrMapOvr>
-</p:notes>
-</file>
-
-<file path=ppt/notesSlides/notesSlide18.xml><?xml version="1.0" encoding="utf-8"?>
 <p:notes xmlns:a="http://schemas.openxmlformats.org/drawingml/2006/main" xmlns:r="http://schemas.openxmlformats.org/officeDocument/2006/relationships" xmlns:p="http://schemas.openxmlformats.org/presentationml/2006/main">
   <p:cSld>
     <p:spTree>
@@ -7680,7 +7425,7 @@
                 <a:tabLst/>
                 <a:defRPr/>
               </a:pPr>
-              <a:t>18</a:t>
+              <a:t>17</a:t>
             </a:fld>
             <a:endParaRPr kumimoji="0" lang="zh-CN" altLang="en-US" sz="1200" b="0" i="0" u="none" strike="noStrike" kern="1200" cap="none" spc="0" normalizeH="0" baseline="0" noProof="0">
               <a:ln>
@@ -7702,7 +7447,91 @@
     </p:spTree>
     <p:extLst>
       <p:ext uri="{BB962C8B-B14F-4D97-AF65-F5344CB8AC3E}">
-        <p14:creationId xmlns:p14="http://schemas.microsoft.com/office/powerpoint/2010/main" val="1947643557"/>
+        <p14:creationId xmlns:p14="http://schemas.microsoft.com/office/powerpoint/2010/main" val="2987865861"/>
+      </p:ext>
+    </p:extLst>
+  </p:cSld>
+  <p:clrMapOvr>
+    <a:masterClrMapping/>
+  </p:clrMapOvr>
+</p:notes>
+</file>
+
+<file path=ppt/notesSlides/notesSlide18.xml><?xml version="1.0" encoding="utf-8"?>
+<p:notes xmlns:a="http://schemas.openxmlformats.org/drawingml/2006/main" xmlns:r="http://schemas.openxmlformats.org/officeDocument/2006/relationships" xmlns:p="http://schemas.openxmlformats.org/presentationml/2006/main">
+  <p:cSld>
+    <p:spTree>
+      <p:nvGrpSpPr>
+        <p:cNvPr id="1" name=""/>
+        <p:cNvGrpSpPr/>
+        <p:nvPr/>
+      </p:nvGrpSpPr>
+      <p:grpSpPr>
+        <a:xfrm>
+          <a:off x="0" y="0"/>
+          <a:ext cx="0" cy="0"/>
+          <a:chOff x="0" y="0"/>
+          <a:chExt cx="0" cy="0"/>
+        </a:xfrm>
+      </p:grpSpPr>
+      <p:sp>
+        <p:nvSpPr>
+          <p:cNvPr id="2" name="幻灯片图像占位符 1"/>
+          <p:cNvSpPr>
+            <a:spLocks noGrp="1" noRot="1" noChangeAspect="1"/>
+          </p:cNvSpPr>
+          <p:nvPr>
+            <p:ph type="sldImg"/>
+          </p:nvPr>
+        </p:nvSpPr>
+        <p:spPr/>
+      </p:sp>
+      <p:sp>
+        <p:nvSpPr>
+          <p:cNvPr id="3" name="备注占位符 2"/>
+          <p:cNvSpPr>
+            <a:spLocks noGrp="1"/>
+          </p:cNvSpPr>
+          <p:nvPr>
+            <p:ph type="body" idx="1"/>
+          </p:nvPr>
+        </p:nvSpPr>
+        <p:spPr/>
+        <p:txBody>
+          <a:bodyPr/>
+          <a:lstStyle/>
+          <a:p>
+            <a:endParaRPr lang="zh-CN" altLang="en-US" dirty="0"/>
+          </a:p>
+        </p:txBody>
+      </p:sp>
+      <p:sp>
+        <p:nvSpPr>
+          <p:cNvPr id="4" name="灯片编号占位符 3"/>
+          <p:cNvSpPr>
+            <a:spLocks noGrp="1"/>
+          </p:cNvSpPr>
+          <p:nvPr>
+            <p:ph type="sldNum" sz="quarter" idx="5"/>
+          </p:nvPr>
+        </p:nvSpPr>
+        <p:spPr/>
+        <p:txBody>
+          <a:bodyPr/>
+          <a:lstStyle/>
+          <a:p>
+            <a:fld id="{8641F6EF-17A8-4D8D-8596-CC20AFAE4E50}" type="slidenum">
+              <a:rPr lang="zh-CN" altLang="en-US" smtClean="0"/>
+              <a:t>18</a:t>
+            </a:fld>
+            <a:endParaRPr lang="zh-CN" altLang="en-US"/>
+          </a:p>
+        </p:txBody>
+      </p:sp>
+    </p:spTree>
+    <p:extLst>
+      <p:ext uri="{BB962C8B-B14F-4D97-AF65-F5344CB8AC3E}">
+        <p14:creationId xmlns:p14="http://schemas.microsoft.com/office/powerpoint/2010/main" val="955729678"/>
       </p:ext>
     </p:extLst>
   </p:cSld>
@@ -7756,7 +7585,7 @@
           <a:bodyPr/>
           <a:lstStyle/>
           <a:p>
-            <a:endParaRPr lang="zh-CN" altLang="en-US"/>
+            <a:endParaRPr lang="zh-CN" altLang="en-US" dirty="0"/>
           </a:p>
         </p:txBody>
       </p:sp>
@@ -7767,7 +7596,7 @@
             <a:spLocks noGrp="1"/>
           </p:cNvSpPr>
           <p:nvPr>
-            <p:ph type="sldNum" sz="quarter" idx="10"/>
+            <p:ph type="sldNum" sz="quarter" idx="5"/>
           </p:nvPr>
         </p:nvSpPr>
         <p:spPr/>
@@ -7775,78 +7604,18 @@
           <a:bodyPr/>
           <a:lstStyle/>
           <a:p>
-            <a:pPr marL="0" marR="0" lvl="0" indent="0" algn="r" defTabSz="914400" rtl="0" eaLnBrk="1" fontAlgn="auto" latinLnBrk="0" hangingPunct="1">
-              <a:lnSpc>
-                <a:spcPct val="100000"/>
-              </a:lnSpc>
-              <a:spcBef>
-                <a:spcPts val="0"/>
-              </a:spcBef>
-              <a:spcAft>
-                <a:spcPts val="0"/>
-              </a:spcAft>
-              <a:buClrTx/>
-              <a:buSzTx/>
-              <a:buFontTx/>
-              <a:buNone/>
-              <a:tabLst/>
-              <a:defRPr/>
-            </a:pPr>
-            <a:fld id="{896B96F7-238A-436E-8798-5DD8D861D65B}" type="slidenum">
-              <a:rPr kumimoji="0" lang="zh-CN" altLang="en-US" sz="1200" b="0" i="0" u="none" strike="noStrike" kern="1200" cap="none" spc="0" normalizeH="0" baseline="0" noProof="0" smtClean="0">
-                <a:ln>
-                  <a:noFill/>
-                </a:ln>
-                <a:solidFill>
-                  <a:prstClr val="black"/>
-                </a:solidFill>
-                <a:effectLst/>
-                <a:uLnTx/>
-                <a:uFillTx/>
-                <a:latin typeface="等线" panose="020F0502020204030204"/>
-                <a:ea typeface="等线" panose="02010600030101010101" pitchFamily="2" charset="-122"/>
-                <a:cs typeface="+mn-cs"/>
-              </a:rPr>
-              <a:pPr marL="0" marR="0" lvl="0" indent="0" algn="r" defTabSz="914400" rtl="0" eaLnBrk="1" fontAlgn="auto" latinLnBrk="0" hangingPunct="1">
-                <a:lnSpc>
-                  <a:spcPct val="100000"/>
-                </a:lnSpc>
-                <a:spcBef>
-                  <a:spcPts val="0"/>
-                </a:spcBef>
-                <a:spcAft>
-                  <a:spcPts val="0"/>
-                </a:spcAft>
-                <a:buClrTx/>
-                <a:buSzTx/>
-                <a:buFontTx/>
-                <a:buNone/>
-                <a:tabLst/>
-                <a:defRPr/>
-              </a:pPr>
+            <a:fld id="{8641F6EF-17A8-4D8D-8596-CC20AFAE4E50}" type="slidenum">
+              <a:rPr lang="zh-CN" altLang="en-US" smtClean="0"/>
               <a:t>19</a:t>
             </a:fld>
-            <a:endParaRPr kumimoji="0" lang="zh-CN" altLang="en-US" sz="1200" b="0" i="0" u="none" strike="noStrike" kern="1200" cap="none" spc="0" normalizeH="0" baseline="0" noProof="0">
-              <a:ln>
-                <a:noFill/>
-              </a:ln>
-              <a:solidFill>
-                <a:prstClr val="black"/>
-              </a:solidFill>
-              <a:effectLst/>
-              <a:uLnTx/>
-              <a:uFillTx/>
-              <a:latin typeface="等线" panose="020F0502020204030204"/>
-              <a:ea typeface="等线" panose="02010600030101010101" pitchFamily="2" charset="-122"/>
-              <a:cs typeface="+mn-cs"/>
-            </a:endParaRPr>
+            <a:endParaRPr lang="zh-CN" altLang="en-US"/>
           </a:p>
         </p:txBody>
       </p:sp>
     </p:spTree>
     <p:extLst>
       <p:ext uri="{BB962C8B-B14F-4D97-AF65-F5344CB8AC3E}">
-        <p14:creationId xmlns:p14="http://schemas.microsoft.com/office/powerpoint/2010/main" val="2571985998"/>
+        <p14:creationId xmlns:p14="http://schemas.microsoft.com/office/powerpoint/2010/main" val="2069422367"/>
       </p:ext>
     </p:extLst>
   </p:cSld>
@@ -8044,6 +7813,631 @@
           <a:bodyPr/>
           <a:lstStyle/>
           <a:p>
+            <a:endParaRPr lang="zh-CN" altLang="en-US" dirty="0"/>
+          </a:p>
+        </p:txBody>
+      </p:sp>
+      <p:sp>
+        <p:nvSpPr>
+          <p:cNvPr id="4" name="灯片编号占位符 3"/>
+          <p:cNvSpPr>
+            <a:spLocks noGrp="1"/>
+          </p:cNvSpPr>
+          <p:nvPr>
+            <p:ph type="sldNum" sz="quarter" idx="5"/>
+          </p:nvPr>
+        </p:nvSpPr>
+        <p:spPr/>
+        <p:txBody>
+          <a:bodyPr/>
+          <a:lstStyle/>
+          <a:p>
+            <a:fld id="{8641F6EF-17A8-4D8D-8596-CC20AFAE4E50}" type="slidenum">
+              <a:rPr lang="zh-CN" altLang="en-US" smtClean="0"/>
+              <a:t>20</a:t>
+            </a:fld>
+            <a:endParaRPr lang="zh-CN" altLang="en-US"/>
+          </a:p>
+        </p:txBody>
+      </p:sp>
+    </p:spTree>
+    <p:extLst>
+      <p:ext uri="{BB962C8B-B14F-4D97-AF65-F5344CB8AC3E}">
+        <p14:creationId xmlns:p14="http://schemas.microsoft.com/office/powerpoint/2010/main" val="4224494367"/>
+      </p:ext>
+    </p:extLst>
+  </p:cSld>
+  <p:clrMapOvr>
+    <a:masterClrMapping/>
+  </p:clrMapOvr>
+</p:notes>
+</file>
+
+<file path=ppt/notesSlides/notesSlide21.xml><?xml version="1.0" encoding="utf-8"?>
+<p:notes xmlns:a="http://schemas.openxmlformats.org/drawingml/2006/main" xmlns:r="http://schemas.openxmlformats.org/officeDocument/2006/relationships" xmlns:p="http://schemas.openxmlformats.org/presentationml/2006/main">
+  <p:cSld>
+    <p:spTree>
+      <p:nvGrpSpPr>
+        <p:cNvPr id="1" name=""/>
+        <p:cNvGrpSpPr/>
+        <p:nvPr/>
+      </p:nvGrpSpPr>
+      <p:grpSpPr>
+        <a:xfrm>
+          <a:off x="0" y="0"/>
+          <a:ext cx="0" cy="0"/>
+          <a:chOff x="0" y="0"/>
+          <a:chExt cx="0" cy="0"/>
+        </a:xfrm>
+      </p:grpSpPr>
+      <p:sp>
+        <p:nvSpPr>
+          <p:cNvPr id="2" name="幻灯片图像占位符 1"/>
+          <p:cNvSpPr>
+            <a:spLocks noGrp="1" noRot="1" noChangeAspect="1"/>
+          </p:cNvSpPr>
+          <p:nvPr>
+            <p:ph type="sldImg"/>
+          </p:nvPr>
+        </p:nvSpPr>
+        <p:spPr/>
+      </p:sp>
+      <p:sp>
+        <p:nvSpPr>
+          <p:cNvPr id="3" name="备注占位符 2"/>
+          <p:cNvSpPr>
+            <a:spLocks noGrp="1"/>
+          </p:cNvSpPr>
+          <p:nvPr>
+            <p:ph type="body" idx="1"/>
+          </p:nvPr>
+        </p:nvSpPr>
+        <p:spPr/>
+        <p:txBody>
+          <a:bodyPr/>
+          <a:lstStyle/>
+          <a:p>
+            <a:endParaRPr lang="zh-CN" altLang="en-US" dirty="0"/>
+          </a:p>
+        </p:txBody>
+      </p:sp>
+      <p:sp>
+        <p:nvSpPr>
+          <p:cNvPr id="4" name="灯片编号占位符 3"/>
+          <p:cNvSpPr>
+            <a:spLocks noGrp="1"/>
+          </p:cNvSpPr>
+          <p:nvPr>
+            <p:ph type="sldNum" sz="quarter" idx="5"/>
+          </p:nvPr>
+        </p:nvSpPr>
+        <p:spPr/>
+        <p:txBody>
+          <a:bodyPr/>
+          <a:lstStyle/>
+          <a:p>
+            <a:fld id="{8641F6EF-17A8-4D8D-8596-CC20AFAE4E50}" type="slidenum">
+              <a:rPr lang="zh-CN" altLang="en-US" smtClean="0"/>
+              <a:t>21</a:t>
+            </a:fld>
+            <a:endParaRPr lang="zh-CN" altLang="en-US"/>
+          </a:p>
+        </p:txBody>
+      </p:sp>
+    </p:spTree>
+    <p:extLst>
+      <p:ext uri="{BB962C8B-B14F-4D97-AF65-F5344CB8AC3E}">
+        <p14:creationId xmlns:p14="http://schemas.microsoft.com/office/powerpoint/2010/main" val="848271738"/>
+      </p:ext>
+    </p:extLst>
+  </p:cSld>
+  <p:clrMapOvr>
+    <a:masterClrMapping/>
+  </p:clrMapOvr>
+</p:notes>
+</file>
+
+<file path=ppt/notesSlides/notesSlide22.xml><?xml version="1.0" encoding="utf-8"?>
+<p:notes xmlns:a="http://schemas.openxmlformats.org/drawingml/2006/main" xmlns:r="http://schemas.openxmlformats.org/officeDocument/2006/relationships" xmlns:p="http://schemas.openxmlformats.org/presentationml/2006/main">
+  <p:cSld>
+    <p:spTree>
+      <p:nvGrpSpPr>
+        <p:cNvPr id="1" name=""/>
+        <p:cNvGrpSpPr/>
+        <p:nvPr/>
+      </p:nvGrpSpPr>
+      <p:grpSpPr>
+        <a:xfrm>
+          <a:off x="0" y="0"/>
+          <a:ext cx="0" cy="0"/>
+          <a:chOff x="0" y="0"/>
+          <a:chExt cx="0" cy="0"/>
+        </a:xfrm>
+      </p:grpSpPr>
+      <p:sp>
+        <p:nvSpPr>
+          <p:cNvPr id="2" name="幻灯片图像占位符 1"/>
+          <p:cNvSpPr>
+            <a:spLocks noGrp="1" noRot="1" noChangeAspect="1"/>
+          </p:cNvSpPr>
+          <p:nvPr>
+            <p:ph type="sldImg"/>
+          </p:nvPr>
+        </p:nvSpPr>
+        <p:spPr/>
+      </p:sp>
+      <p:sp>
+        <p:nvSpPr>
+          <p:cNvPr id="3" name="备注占位符 2"/>
+          <p:cNvSpPr>
+            <a:spLocks noGrp="1"/>
+          </p:cNvSpPr>
+          <p:nvPr>
+            <p:ph type="body" idx="1"/>
+          </p:nvPr>
+        </p:nvSpPr>
+        <p:spPr/>
+        <p:txBody>
+          <a:bodyPr/>
+          <a:lstStyle/>
+          <a:p>
+            <a:endParaRPr lang="zh-CN" altLang="en-US" dirty="0"/>
+          </a:p>
+        </p:txBody>
+      </p:sp>
+      <p:sp>
+        <p:nvSpPr>
+          <p:cNvPr id="4" name="灯片编号占位符 3"/>
+          <p:cNvSpPr>
+            <a:spLocks noGrp="1"/>
+          </p:cNvSpPr>
+          <p:nvPr>
+            <p:ph type="sldNum" sz="quarter" idx="5"/>
+          </p:nvPr>
+        </p:nvSpPr>
+        <p:spPr/>
+        <p:txBody>
+          <a:bodyPr/>
+          <a:lstStyle/>
+          <a:p>
+            <a:fld id="{8641F6EF-17A8-4D8D-8596-CC20AFAE4E50}" type="slidenum">
+              <a:rPr lang="zh-CN" altLang="en-US" smtClean="0"/>
+              <a:t>23</a:t>
+            </a:fld>
+            <a:endParaRPr lang="zh-CN" altLang="en-US"/>
+          </a:p>
+        </p:txBody>
+      </p:sp>
+    </p:spTree>
+    <p:extLst>
+      <p:ext uri="{BB962C8B-B14F-4D97-AF65-F5344CB8AC3E}">
+        <p14:creationId xmlns:p14="http://schemas.microsoft.com/office/powerpoint/2010/main" val="2303681156"/>
+      </p:ext>
+    </p:extLst>
+  </p:cSld>
+  <p:clrMapOvr>
+    <a:masterClrMapping/>
+  </p:clrMapOvr>
+</p:notes>
+</file>
+
+<file path=ppt/notesSlides/notesSlide23.xml><?xml version="1.0" encoding="utf-8"?>
+<p:notes xmlns:a="http://schemas.openxmlformats.org/drawingml/2006/main" xmlns:r="http://schemas.openxmlformats.org/officeDocument/2006/relationships" xmlns:p="http://schemas.openxmlformats.org/presentationml/2006/main">
+  <p:cSld>
+    <p:spTree>
+      <p:nvGrpSpPr>
+        <p:cNvPr id="1" name=""/>
+        <p:cNvGrpSpPr/>
+        <p:nvPr/>
+      </p:nvGrpSpPr>
+      <p:grpSpPr>
+        <a:xfrm>
+          <a:off x="0" y="0"/>
+          <a:ext cx="0" cy="0"/>
+          <a:chOff x="0" y="0"/>
+          <a:chExt cx="0" cy="0"/>
+        </a:xfrm>
+      </p:grpSpPr>
+      <p:sp>
+        <p:nvSpPr>
+          <p:cNvPr id="2" name="幻灯片图像占位符 1"/>
+          <p:cNvSpPr>
+            <a:spLocks noGrp="1" noRot="1" noChangeAspect="1"/>
+          </p:cNvSpPr>
+          <p:nvPr>
+            <p:ph type="sldImg"/>
+          </p:nvPr>
+        </p:nvSpPr>
+        <p:spPr/>
+      </p:sp>
+      <p:sp>
+        <p:nvSpPr>
+          <p:cNvPr id="3" name="备注占位符 2"/>
+          <p:cNvSpPr>
+            <a:spLocks noGrp="1"/>
+          </p:cNvSpPr>
+          <p:nvPr>
+            <p:ph type="body" idx="1"/>
+          </p:nvPr>
+        </p:nvSpPr>
+        <p:spPr/>
+        <p:txBody>
+          <a:bodyPr/>
+          <a:lstStyle/>
+          <a:p>
+            <a:endParaRPr lang="zh-CN" altLang="en-US"/>
+          </a:p>
+        </p:txBody>
+      </p:sp>
+      <p:sp>
+        <p:nvSpPr>
+          <p:cNvPr id="4" name="灯片编号占位符 3"/>
+          <p:cNvSpPr>
+            <a:spLocks noGrp="1"/>
+          </p:cNvSpPr>
+          <p:nvPr>
+            <p:ph type="sldNum" sz="quarter" idx="5"/>
+          </p:nvPr>
+        </p:nvSpPr>
+        <p:spPr/>
+        <p:txBody>
+          <a:bodyPr/>
+          <a:lstStyle/>
+          <a:p>
+            <a:pPr marL="0" marR="0" lvl="0" indent="0" algn="r" defTabSz="914400" rtl="0" eaLnBrk="1" fontAlgn="auto" latinLnBrk="0" hangingPunct="1">
+              <a:lnSpc>
+                <a:spcPct val="100000"/>
+              </a:lnSpc>
+              <a:spcBef>
+                <a:spcPts val="0"/>
+              </a:spcBef>
+              <a:spcAft>
+                <a:spcPts val="0"/>
+              </a:spcAft>
+              <a:buClrTx/>
+              <a:buSzTx/>
+              <a:buFontTx/>
+              <a:buNone/>
+              <a:tabLst/>
+              <a:defRPr/>
+            </a:pPr>
+            <a:fld id="{6DC4D2D1-E10F-4074-B2FB-F8B80FADFC0B}" type="slidenum">
+              <a:rPr kumimoji="0" lang="zh-CN" altLang="en-US" sz="1200" b="0" i="0" u="none" strike="noStrike" kern="1200" cap="none" spc="0" normalizeH="0" baseline="0" noProof="0" smtClean="0">
+                <a:ln>
+                  <a:noFill/>
+                </a:ln>
+                <a:solidFill>
+                  <a:prstClr val="black"/>
+                </a:solidFill>
+                <a:effectLst/>
+                <a:uLnTx/>
+                <a:uFillTx/>
+                <a:latin typeface="等线" panose="020F0502020204030204"/>
+                <a:ea typeface="等线" panose="02010600030101010101" pitchFamily="2" charset="-122"/>
+                <a:cs typeface="+mn-cs"/>
+              </a:rPr>
+              <a:pPr marL="0" marR="0" lvl="0" indent="0" algn="r" defTabSz="914400" rtl="0" eaLnBrk="1" fontAlgn="auto" latinLnBrk="0" hangingPunct="1">
+                <a:lnSpc>
+                  <a:spcPct val="100000"/>
+                </a:lnSpc>
+                <a:spcBef>
+                  <a:spcPts val="0"/>
+                </a:spcBef>
+                <a:spcAft>
+                  <a:spcPts val="0"/>
+                </a:spcAft>
+                <a:buClrTx/>
+                <a:buSzTx/>
+                <a:buFontTx/>
+                <a:buNone/>
+                <a:tabLst/>
+                <a:defRPr/>
+              </a:pPr>
+              <a:t>24</a:t>
+            </a:fld>
+            <a:endParaRPr kumimoji="0" lang="zh-CN" altLang="en-US" sz="1200" b="0" i="0" u="none" strike="noStrike" kern="1200" cap="none" spc="0" normalizeH="0" baseline="0" noProof="0">
+              <a:ln>
+                <a:noFill/>
+              </a:ln>
+              <a:solidFill>
+                <a:prstClr val="black"/>
+              </a:solidFill>
+              <a:effectLst/>
+              <a:uLnTx/>
+              <a:uFillTx/>
+              <a:latin typeface="等线" panose="020F0502020204030204"/>
+              <a:ea typeface="等线" panose="02010600030101010101" pitchFamily="2" charset="-122"/>
+              <a:cs typeface="+mn-cs"/>
+            </a:endParaRPr>
+          </a:p>
+        </p:txBody>
+      </p:sp>
+    </p:spTree>
+    <p:extLst>
+      <p:ext uri="{BB962C8B-B14F-4D97-AF65-F5344CB8AC3E}">
+        <p14:creationId xmlns:p14="http://schemas.microsoft.com/office/powerpoint/2010/main" val="2929798742"/>
+      </p:ext>
+    </p:extLst>
+  </p:cSld>
+  <p:clrMapOvr>
+    <a:masterClrMapping/>
+  </p:clrMapOvr>
+</p:notes>
+</file>
+
+<file path=ppt/notesSlides/notesSlide24.xml><?xml version="1.0" encoding="utf-8"?>
+<p:notes xmlns:a="http://schemas.openxmlformats.org/drawingml/2006/main" xmlns:r="http://schemas.openxmlformats.org/officeDocument/2006/relationships" xmlns:p="http://schemas.openxmlformats.org/presentationml/2006/main">
+  <p:cSld>
+    <p:spTree>
+      <p:nvGrpSpPr>
+        <p:cNvPr id="1" name=""/>
+        <p:cNvGrpSpPr/>
+        <p:nvPr/>
+      </p:nvGrpSpPr>
+      <p:grpSpPr>
+        <a:xfrm>
+          <a:off x="0" y="0"/>
+          <a:ext cx="0" cy="0"/>
+          <a:chOff x="0" y="0"/>
+          <a:chExt cx="0" cy="0"/>
+        </a:xfrm>
+      </p:grpSpPr>
+      <p:sp>
+        <p:nvSpPr>
+          <p:cNvPr id="2" name="幻灯片图像占位符 1"/>
+          <p:cNvSpPr>
+            <a:spLocks noGrp="1" noRot="1" noChangeAspect="1"/>
+          </p:cNvSpPr>
+          <p:nvPr>
+            <p:ph type="sldImg"/>
+          </p:nvPr>
+        </p:nvSpPr>
+        <p:spPr/>
+      </p:sp>
+      <p:sp>
+        <p:nvSpPr>
+          <p:cNvPr id="3" name="备注占位符 2"/>
+          <p:cNvSpPr>
+            <a:spLocks noGrp="1"/>
+          </p:cNvSpPr>
+          <p:nvPr>
+            <p:ph type="body" idx="1"/>
+          </p:nvPr>
+        </p:nvSpPr>
+        <p:spPr/>
+        <p:txBody>
+          <a:bodyPr/>
+          <a:lstStyle/>
+          <a:p>
+            <a:endParaRPr lang="zh-CN" altLang="en-US"/>
+          </a:p>
+        </p:txBody>
+      </p:sp>
+      <p:sp>
+        <p:nvSpPr>
+          <p:cNvPr id="4" name="灯片编号占位符 3"/>
+          <p:cNvSpPr>
+            <a:spLocks noGrp="1"/>
+          </p:cNvSpPr>
+          <p:nvPr>
+            <p:ph type="sldNum" sz="quarter" idx="10"/>
+          </p:nvPr>
+        </p:nvSpPr>
+        <p:spPr/>
+        <p:txBody>
+          <a:bodyPr/>
+          <a:lstStyle/>
+          <a:p>
+            <a:fld id="{33D914D7-F920-4CFC-9A44-0A24832BAFAD}" type="slidenum">
+              <a:rPr lang="zh-CN" altLang="en-US" smtClean="0"/>
+              <a:pPr/>
+              <a:t>25</a:t>
+            </a:fld>
+            <a:endParaRPr lang="zh-CN" altLang="en-US"/>
+          </a:p>
+        </p:txBody>
+      </p:sp>
+    </p:spTree>
+    <p:extLst>
+      <p:ext uri="{BB962C8B-B14F-4D97-AF65-F5344CB8AC3E}">
+        <p14:creationId xmlns:p14="http://schemas.microsoft.com/office/powerpoint/2010/main" val="3708102913"/>
+      </p:ext>
+    </p:extLst>
+  </p:cSld>
+  <p:clrMapOvr>
+    <a:masterClrMapping/>
+  </p:clrMapOvr>
+</p:notes>
+</file>
+
+<file path=ppt/notesSlides/notesSlide25.xml><?xml version="1.0" encoding="utf-8"?>
+<p:notes xmlns:a="http://schemas.openxmlformats.org/drawingml/2006/main" xmlns:r="http://schemas.openxmlformats.org/officeDocument/2006/relationships" xmlns:p="http://schemas.openxmlformats.org/presentationml/2006/main">
+  <p:cSld>
+    <p:spTree>
+      <p:nvGrpSpPr>
+        <p:cNvPr id="1" name=""/>
+        <p:cNvGrpSpPr/>
+        <p:nvPr/>
+      </p:nvGrpSpPr>
+      <p:grpSpPr>
+        <a:xfrm>
+          <a:off x="0" y="0"/>
+          <a:ext cx="0" cy="0"/>
+          <a:chOff x="0" y="0"/>
+          <a:chExt cx="0" cy="0"/>
+        </a:xfrm>
+      </p:grpSpPr>
+      <p:sp>
+        <p:nvSpPr>
+          <p:cNvPr id="2" name="幻灯片图像占位符 1"/>
+          <p:cNvSpPr>
+            <a:spLocks noGrp="1" noRot="1" noChangeAspect="1"/>
+          </p:cNvSpPr>
+          <p:nvPr>
+            <p:ph type="sldImg"/>
+          </p:nvPr>
+        </p:nvSpPr>
+        <p:spPr/>
+      </p:sp>
+      <p:sp>
+        <p:nvSpPr>
+          <p:cNvPr id="3" name="备注占位符 2"/>
+          <p:cNvSpPr>
+            <a:spLocks noGrp="1"/>
+          </p:cNvSpPr>
+          <p:nvPr>
+            <p:ph type="body" idx="1"/>
+          </p:nvPr>
+        </p:nvSpPr>
+        <p:spPr/>
+        <p:txBody>
+          <a:bodyPr/>
+          <a:lstStyle/>
+          <a:p>
+            <a:endParaRPr lang="zh-CN" altLang="en-US"/>
+          </a:p>
+        </p:txBody>
+      </p:sp>
+      <p:sp>
+        <p:nvSpPr>
+          <p:cNvPr id="4" name="灯片编号占位符 3"/>
+          <p:cNvSpPr>
+            <a:spLocks noGrp="1"/>
+          </p:cNvSpPr>
+          <p:nvPr>
+            <p:ph type="sldNum" sz="quarter" idx="10"/>
+          </p:nvPr>
+        </p:nvSpPr>
+        <p:spPr/>
+        <p:txBody>
+          <a:bodyPr/>
+          <a:lstStyle/>
+          <a:p>
+            <a:pPr marL="0" marR="0" lvl="0" indent="0" algn="r" defTabSz="914400" rtl="0" eaLnBrk="1" fontAlgn="auto" latinLnBrk="0" hangingPunct="1">
+              <a:lnSpc>
+                <a:spcPct val="100000"/>
+              </a:lnSpc>
+              <a:spcBef>
+                <a:spcPts val="0"/>
+              </a:spcBef>
+              <a:spcAft>
+                <a:spcPts val="0"/>
+              </a:spcAft>
+              <a:buClrTx/>
+              <a:buSzTx/>
+              <a:buFontTx/>
+              <a:buNone/>
+              <a:tabLst/>
+              <a:defRPr/>
+            </a:pPr>
+            <a:fld id="{896B96F7-238A-436E-8798-5DD8D861D65B}" type="slidenum">
+              <a:rPr kumimoji="0" lang="zh-CN" altLang="en-US" sz="1200" b="0" i="0" u="none" strike="noStrike" kern="1200" cap="none" spc="0" normalizeH="0" baseline="0" noProof="0" smtClean="0">
+                <a:ln>
+                  <a:noFill/>
+                </a:ln>
+                <a:solidFill>
+                  <a:prstClr val="black"/>
+                </a:solidFill>
+                <a:effectLst/>
+                <a:uLnTx/>
+                <a:uFillTx/>
+                <a:latin typeface="等线" panose="020F0502020204030204"/>
+                <a:ea typeface="等线" panose="02010600030101010101" pitchFamily="2" charset="-122"/>
+                <a:cs typeface="+mn-cs"/>
+              </a:rPr>
+              <a:pPr marL="0" marR="0" lvl="0" indent="0" algn="r" defTabSz="914400" rtl="0" eaLnBrk="1" fontAlgn="auto" latinLnBrk="0" hangingPunct="1">
+                <a:lnSpc>
+                  <a:spcPct val="100000"/>
+                </a:lnSpc>
+                <a:spcBef>
+                  <a:spcPts val="0"/>
+                </a:spcBef>
+                <a:spcAft>
+                  <a:spcPts val="0"/>
+                </a:spcAft>
+                <a:buClrTx/>
+                <a:buSzTx/>
+                <a:buFontTx/>
+                <a:buNone/>
+                <a:tabLst/>
+                <a:defRPr/>
+              </a:pPr>
+              <a:t>26</a:t>
+            </a:fld>
+            <a:endParaRPr kumimoji="0" lang="zh-CN" altLang="en-US" sz="1200" b="0" i="0" u="none" strike="noStrike" kern="1200" cap="none" spc="0" normalizeH="0" baseline="0" noProof="0">
+              <a:ln>
+                <a:noFill/>
+              </a:ln>
+              <a:solidFill>
+                <a:prstClr val="black"/>
+              </a:solidFill>
+              <a:effectLst/>
+              <a:uLnTx/>
+              <a:uFillTx/>
+              <a:latin typeface="等线" panose="020F0502020204030204"/>
+              <a:ea typeface="等线" panose="02010600030101010101" pitchFamily="2" charset="-122"/>
+              <a:cs typeface="+mn-cs"/>
+            </a:endParaRPr>
+          </a:p>
+        </p:txBody>
+      </p:sp>
+    </p:spTree>
+    <p:extLst>
+      <p:ext uri="{BB962C8B-B14F-4D97-AF65-F5344CB8AC3E}">
+        <p14:creationId xmlns:p14="http://schemas.microsoft.com/office/powerpoint/2010/main" val="2082703313"/>
+      </p:ext>
+    </p:extLst>
+  </p:cSld>
+  <p:clrMapOvr>
+    <a:masterClrMapping/>
+  </p:clrMapOvr>
+</p:notes>
+</file>
+
+<file path=ppt/notesSlides/notesSlide26.xml><?xml version="1.0" encoding="utf-8"?>
+<p:notes xmlns:a="http://schemas.openxmlformats.org/drawingml/2006/main" xmlns:r="http://schemas.openxmlformats.org/officeDocument/2006/relationships" xmlns:p="http://schemas.openxmlformats.org/presentationml/2006/main">
+  <p:cSld>
+    <p:spTree>
+      <p:nvGrpSpPr>
+        <p:cNvPr id="1" name=""/>
+        <p:cNvGrpSpPr/>
+        <p:nvPr/>
+      </p:nvGrpSpPr>
+      <p:grpSpPr>
+        <a:xfrm>
+          <a:off x="0" y="0"/>
+          <a:ext cx="0" cy="0"/>
+          <a:chOff x="0" y="0"/>
+          <a:chExt cx="0" cy="0"/>
+        </a:xfrm>
+      </p:grpSpPr>
+      <p:sp>
+        <p:nvSpPr>
+          <p:cNvPr id="2" name="幻灯片图像占位符 1"/>
+          <p:cNvSpPr>
+            <a:spLocks noGrp="1" noRot="1" noChangeAspect="1"/>
+          </p:cNvSpPr>
+          <p:nvPr>
+            <p:ph type="sldImg"/>
+          </p:nvPr>
+        </p:nvSpPr>
+        <p:spPr/>
+      </p:sp>
+      <p:sp>
+        <p:nvSpPr>
+          <p:cNvPr id="3" name="备注占位符 2"/>
+          <p:cNvSpPr>
+            <a:spLocks noGrp="1"/>
+          </p:cNvSpPr>
+          <p:nvPr>
+            <p:ph type="body" idx="1"/>
+          </p:nvPr>
+        </p:nvSpPr>
+        <p:spPr/>
+        <p:txBody>
+          <a:bodyPr/>
+          <a:lstStyle/>
+          <a:p>
             <a:endParaRPr lang="zh-CN" altLang="en-US"/>
           </a:p>
         </p:txBody>
@@ -8112,7 +8506,7 @@
                 <a:tabLst/>
                 <a:defRPr/>
               </a:pPr>
-              <a:t>20</a:t>
+              <a:t>27</a:t>
             </a:fld>
             <a:endParaRPr kumimoji="0" lang="zh-CN" altLang="en-US" sz="1200" b="0" i="0" u="none" strike="noStrike" kern="1200" cap="none" spc="0" normalizeH="0" baseline="0" noProof="0">
               <a:ln>
@@ -9061,7 +9455,7 @@
           <a:p>
             <a:fld id="{C1FB8A37-FBA6-41CB-96AA-E2A81E77E47E}" type="datetimeFigureOut">
               <a:rPr lang="zh-CN" altLang="en-US" smtClean="0"/>
-              <a:t>2020/4/29</a:t>
+              <a:t>2020/6/17</a:t>
             </a:fld>
             <a:endParaRPr lang="zh-CN" altLang="en-US"/>
           </a:p>
@@ -9271,7 +9665,7 @@
           <a:p>
             <a:fld id="{C1FB8A37-FBA6-41CB-96AA-E2A81E77E47E}" type="datetimeFigureOut">
               <a:rPr lang="zh-CN" altLang="en-US" smtClean="0"/>
-              <a:t>2020/4/29</a:t>
+              <a:t>2020/6/17</a:t>
             </a:fld>
             <a:endParaRPr lang="zh-CN" altLang="en-US"/>
           </a:p>
@@ -9491,7 +9885,7 @@
           <a:p>
             <a:fld id="{C1FB8A37-FBA6-41CB-96AA-E2A81E77E47E}" type="datetimeFigureOut">
               <a:rPr lang="zh-CN" altLang="en-US" smtClean="0"/>
-              <a:t>2020/4/29</a:t>
+              <a:t>2020/6/17</a:t>
             </a:fld>
             <a:endParaRPr lang="zh-CN" altLang="en-US"/>
           </a:p>
@@ -10120,7 +10514,7 @@
           <a:p>
             <a:fld id="{C1FB8A37-FBA6-41CB-96AA-E2A81E77E47E}" type="datetimeFigureOut">
               <a:rPr lang="zh-CN" altLang="en-US" smtClean="0"/>
-              <a:t>2020/4/29</a:t>
+              <a:t>2020/6/17</a:t>
             </a:fld>
             <a:endParaRPr lang="zh-CN" altLang="en-US"/>
           </a:p>
@@ -10407,7 +10801,7 @@
           <a:p>
             <a:fld id="{C1FB8A37-FBA6-41CB-96AA-E2A81E77E47E}" type="datetimeFigureOut">
               <a:rPr lang="zh-CN" altLang="en-US" smtClean="0"/>
-              <a:t>2020/4/29</a:t>
+              <a:t>2020/6/17</a:t>
             </a:fld>
             <a:endParaRPr lang="zh-CN" altLang="en-US"/>
           </a:p>
@@ -10684,7 +11078,7 @@
           <a:p>
             <a:fld id="{C1FB8A37-FBA6-41CB-96AA-E2A81E77E47E}" type="datetimeFigureOut">
               <a:rPr lang="zh-CN" altLang="en-US" smtClean="0"/>
-              <a:t>2020/4/29</a:t>
+              <a:t>2020/6/17</a:t>
             </a:fld>
             <a:endParaRPr lang="zh-CN" altLang="en-US"/>
           </a:p>
@@ -11108,7 +11502,7 @@
           <a:p>
             <a:fld id="{C1FB8A37-FBA6-41CB-96AA-E2A81E77E47E}" type="datetimeFigureOut">
               <a:rPr lang="zh-CN" altLang="en-US" smtClean="0"/>
-              <a:t>2020/4/29</a:t>
+              <a:t>2020/6/17</a:t>
             </a:fld>
             <a:endParaRPr lang="zh-CN" altLang="en-US"/>
           </a:p>
@@ -11261,7 +11655,7 @@
           <a:p>
             <a:fld id="{C1FB8A37-FBA6-41CB-96AA-E2A81E77E47E}" type="datetimeFigureOut">
               <a:rPr lang="zh-CN" altLang="en-US" smtClean="0"/>
-              <a:t>2020/4/29</a:t>
+              <a:t>2020/6/17</a:t>
             </a:fld>
             <a:endParaRPr lang="zh-CN" altLang="en-US"/>
           </a:p>
@@ -11386,7 +11780,7 @@
           <a:p>
             <a:fld id="{C1FB8A37-FBA6-41CB-96AA-E2A81E77E47E}" type="datetimeFigureOut">
               <a:rPr lang="zh-CN" altLang="en-US" smtClean="0"/>
-              <a:t>2020/4/29</a:t>
+              <a:t>2020/6/17</a:t>
             </a:fld>
             <a:endParaRPr lang="zh-CN" altLang="en-US"/>
           </a:p>
@@ -11709,7 +12103,7 @@
           <a:p>
             <a:fld id="{C1FB8A37-FBA6-41CB-96AA-E2A81E77E47E}" type="datetimeFigureOut">
               <a:rPr lang="zh-CN" altLang="en-US" smtClean="0"/>
-              <a:t>2020/4/29</a:t>
+              <a:t>2020/6/17</a:t>
             </a:fld>
             <a:endParaRPr lang="zh-CN" altLang="en-US"/>
           </a:p>
@@ -12009,7 +12403,7 @@
           <a:p>
             <a:fld id="{C1FB8A37-FBA6-41CB-96AA-E2A81E77E47E}" type="datetimeFigureOut">
               <a:rPr lang="zh-CN" altLang="en-US" smtClean="0"/>
-              <a:t>2020/4/29</a:t>
+              <a:t>2020/6/17</a:t>
             </a:fld>
             <a:endParaRPr lang="zh-CN" altLang="en-US"/>
           </a:p>
@@ -12262,7 +12656,7 @@
           <a:p>
             <a:fld id="{C1FB8A37-FBA6-41CB-96AA-E2A81E77E47E}" type="datetimeFigureOut">
               <a:rPr lang="zh-CN" altLang="en-US" smtClean="0"/>
-              <a:t>2020/4/29</a:t>
+              <a:t>2020/6/17</a:t>
             </a:fld>
             <a:endParaRPr lang="zh-CN" altLang="en-US"/>
           </a:p>
@@ -14247,10 +14641,10 @@
       </p:grpSpPr>
       <p:grpSp>
         <p:nvGrpSpPr>
-          <p:cNvPr id="29" name="组合 28">
+          <p:cNvPr id="80" name="组合 64">
             <a:extLst>
               <a:ext uri="{FF2B5EF4-FFF2-40B4-BE49-F238E27FC236}">
-                <a16:creationId xmlns:a16="http://schemas.microsoft.com/office/drawing/2014/main" id="{830BB4F5-72B3-4093-A48E-B46C6BF0CD75}"/>
+                <a16:creationId xmlns:a16="http://schemas.microsoft.com/office/drawing/2014/main" id="{E8A064E9-4A1B-41FA-A12E-94A54AD9325E}"/>
               </a:ext>
             </a:extLst>
           </p:cNvPr>
@@ -14260,17 +14654,17 @@
         <p:grpSpPr>
           <a:xfrm>
             <a:off x="670943" y="424098"/>
-            <a:ext cx="3846466" cy="519486"/>
+            <a:ext cx="3297162" cy="519486"/>
             <a:chOff x="670943" y="424098"/>
-            <a:chExt cx="3846466" cy="519486"/>
+            <a:chExt cx="3297162" cy="519486"/>
           </a:xfrm>
         </p:grpSpPr>
         <p:sp>
           <p:nvSpPr>
-            <p:cNvPr id="32" name="KSO_Shape">
+            <p:cNvPr id="81" name="KSO_Shape">
               <a:extLst>
                 <a:ext uri="{FF2B5EF4-FFF2-40B4-BE49-F238E27FC236}">
-                  <a16:creationId xmlns:a16="http://schemas.microsoft.com/office/drawing/2014/main" id="{A082B060-542B-4F05-8F9B-D6BBFFB1B4B4}"/>
+                  <a16:creationId xmlns:a16="http://schemas.microsoft.com/office/drawing/2014/main" id="{1D21A2EC-1CEB-4E4D-A5F5-0719F04D8E88}"/>
                 </a:ext>
               </a:extLst>
             </p:cNvPr>
@@ -14487,10 +14881,10 @@
         </p:sp>
         <p:sp>
           <p:nvSpPr>
-            <p:cNvPr id="35" name="文本框 2">
+            <p:cNvPr id="82" name="文本框 2">
               <a:extLst>
                 <a:ext uri="{FF2B5EF4-FFF2-40B4-BE49-F238E27FC236}">
-                  <a16:creationId xmlns:a16="http://schemas.microsoft.com/office/drawing/2014/main" id="{89BEB4D1-54CB-46EF-93E3-36FF12A293AE}"/>
+                  <a16:creationId xmlns:a16="http://schemas.microsoft.com/office/drawing/2014/main" id="{87F653AE-AADA-495F-9B49-F4536794BBC2}"/>
                 </a:ext>
               </a:extLst>
             </p:cNvPr>
@@ -14499,8 +14893,8 @@
           </p:nvSpPr>
           <p:spPr>
             <a:xfrm>
-              <a:off x="1259673" y="424098"/>
-              <a:ext cx="3257736" cy="519486"/>
+              <a:off x="1234077" y="424098"/>
+              <a:ext cx="2734028" cy="519486"/>
             </a:xfrm>
             <a:prstGeom prst="rect">
               <a:avLst/>
@@ -14535,17 +14929,6 @@
                 </a:spcAft>
               </a:pPr>
               <a:r>
-                <a:rPr lang="en-US" altLang="zh-CN" sz="2800" dirty="0">
-                  <a:solidFill>
-                    <a:schemeClr val="accent2"/>
-                  </a:solidFill>
-                  <a:latin typeface="微软雅黑" panose="020B0503020204020204" pitchFamily="34" charset="-122"/>
-                  <a:ea typeface="微软雅黑" panose="020B0503020204020204" pitchFamily="34" charset="-122"/>
-                  <a:sym typeface="Source Han Serif SC" panose="02020400000000000000" pitchFamily="18" charset="-122"/>
-                </a:rPr>
-                <a:t>GIT</a:t>
-              </a:r>
-              <a:r>
                 <a:rPr lang="zh-TW" altLang="en-US" sz="2800" dirty="0">
                   <a:solidFill>
                     <a:schemeClr val="accent2"/>
@@ -14554,7 +14937,7 @@
                   <a:ea typeface="微软雅黑" panose="020B0503020204020204" pitchFamily="34" charset="-122"/>
                   <a:sym typeface="Source Han Serif SC" panose="02020400000000000000" pitchFamily="18" charset="-122"/>
                 </a:rPr>
-                <a:t>管理程式版本</a:t>
+                <a:t>使用對象</a:t>
               </a:r>
               <a:endParaRPr lang="en-US" altLang="zh-CN" sz="2800" dirty="0">
                 <a:solidFill>
@@ -14570,10 +14953,10 @@
       </p:grpSp>
       <p:pic>
         <p:nvPicPr>
-          <p:cNvPr id="7" name="圖片 6">
+          <p:cNvPr id="3" name="圖片 2">
             <a:extLst>
               <a:ext uri="{FF2B5EF4-FFF2-40B4-BE49-F238E27FC236}">
-                <a16:creationId xmlns:a16="http://schemas.microsoft.com/office/drawing/2014/main" id="{DFE658BB-2015-4E67-A343-B8BB319D7739}"/>
+                <a16:creationId xmlns:a16="http://schemas.microsoft.com/office/drawing/2014/main" id="{DB6B5411-36EC-4914-B536-F5FAD7CA6CE5}"/>
               </a:ext>
             </a:extLst>
           </p:cNvPr>
@@ -14590,13 +14973,14 @@
               </a:ext>
             </a:extLst>
           </a:blip>
-          <a:srcRect/>
-          <a:stretch/>
+          <a:stretch>
+            <a:fillRect/>
+          </a:stretch>
         </p:blipFill>
         <p:spPr>
           <a:xfrm>
-            <a:off x="5316768" y="3496560"/>
-            <a:ext cx="6268591" cy="2844732"/>
+            <a:off x="670943" y="1391281"/>
+            <a:ext cx="5201325" cy="4217290"/>
           </a:xfrm>
           <a:prstGeom prst="rect">
             <a:avLst/>
@@ -14605,10 +14989,10 @@
       </p:pic>
       <p:pic>
         <p:nvPicPr>
-          <p:cNvPr id="9" name="圖片 8">
+          <p:cNvPr id="7" name="圖片 6">
             <a:extLst>
               <a:ext uri="{FF2B5EF4-FFF2-40B4-BE49-F238E27FC236}">
-                <a16:creationId xmlns:a16="http://schemas.microsoft.com/office/drawing/2014/main" id="{532E3DF4-97C5-4D04-BA01-7EBFFDEAD4AF}"/>
+                <a16:creationId xmlns:a16="http://schemas.microsoft.com/office/drawing/2014/main" id="{B9C2F32C-995E-472D-9B62-D88BE58A54F9}"/>
               </a:ext>
             </a:extLst>
           </p:cNvPr>
@@ -14631,312 +15015,18 @@
         </p:blipFill>
         <p:spPr>
           <a:xfrm>
-            <a:off x="1259673" y="943584"/>
-            <a:ext cx="6657032" cy="2454507"/>
+            <a:off x="6096000" y="1391280"/>
+            <a:ext cx="5201325" cy="4217291"/>
           </a:xfrm>
           <a:prstGeom prst="rect">
             <a:avLst/>
           </a:prstGeom>
         </p:spPr>
       </p:pic>
-      <p:sp>
-        <p:nvSpPr>
-          <p:cNvPr id="37" name="矩形 36">
-            <a:extLst>
-              <a:ext uri="{FF2B5EF4-FFF2-40B4-BE49-F238E27FC236}">
-                <a16:creationId xmlns:a16="http://schemas.microsoft.com/office/drawing/2014/main" id="{DC03F0F6-5634-4E9C-BBFB-BF85C70B98F3}"/>
-              </a:ext>
-            </a:extLst>
-          </p:cNvPr>
-          <p:cNvSpPr/>
-          <p:nvPr/>
-        </p:nvSpPr>
-        <p:spPr>
-          <a:xfrm>
-            <a:off x="5327603" y="4150916"/>
-            <a:ext cx="1536793" cy="2190376"/>
-          </a:xfrm>
-          <a:prstGeom prst="rect">
-            <a:avLst/>
-          </a:prstGeom>
-          <a:noFill/>
-          <a:ln w="76200">
-            <a:solidFill>
-              <a:schemeClr val="accent1"/>
-            </a:solidFill>
-          </a:ln>
-        </p:spPr>
-        <p:style>
-          <a:lnRef idx="2">
-            <a:schemeClr val="accent1">
-              <a:shade val="50000"/>
-            </a:schemeClr>
-          </a:lnRef>
-          <a:fillRef idx="1">
-            <a:schemeClr val="accent1"/>
-          </a:fillRef>
-          <a:effectRef idx="0">
-            <a:schemeClr val="accent1"/>
-          </a:effectRef>
-          <a:fontRef idx="minor">
-            <a:schemeClr val="lt1"/>
-          </a:fontRef>
-        </p:style>
-        <p:txBody>
-          <a:bodyPr rtlCol="0" anchor="ctr"/>
-          <a:lstStyle/>
-          <a:p>
-            <a:pPr algn="ctr"/>
-            <a:endParaRPr lang="zh-TW" altLang="en-US"/>
-          </a:p>
-        </p:txBody>
-      </p:sp>
-      <p:sp>
-        <p:nvSpPr>
-          <p:cNvPr id="38" name="矩形 37">
-            <a:extLst>
-              <a:ext uri="{FF2B5EF4-FFF2-40B4-BE49-F238E27FC236}">
-                <a16:creationId xmlns:a16="http://schemas.microsoft.com/office/drawing/2014/main" id="{8B74E923-6107-46F4-9B41-37C37A7771FC}"/>
-              </a:ext>
-            </a:extLst>
-          </p:cNvPr>
-          <p:cNvSpPr/>
-          <p:nvPr/>
-        </p:nvSpPr>
-        <p:spPr>
-          <a:xfrm>
-            <a:off x="1188652" y="1207715"/>
-            <a:ext cx="3569779" cy="2190376"/>
-          </a:xfrm>
-          <a:prstGeom prst="rect">
-            <a:avLst/>
-          </a:prstGeom>
-          <a:noFill/>
-          <a:ln w="76200">
-            <a:solidFill>
-              <a:schemeClr val="accent1"/>
-            </a:solidFill>
-          </a:ln>
-        </p:spPr>
-        <p:style>
-          <a:lnRef idx="2">
-            <a:schemeClr val="accent1">
-              <a:shade val="50000"/>
-            </a:schemeClr>
-          </a:lnRef>
-          <a:fillRef idx="1">
-            <a:schemeClr val="accent1"/>
-          </a:fillRef>
-          <a:effectRef idx="0">
-            <a:schemeClr val="accent1"/>
-          </a:effectRef>
-          <a:fontRef idx="minor">
-            <a:schemeClr val="lt1"/>
-          </a:fontRef>
-        </p:style>
-        <p:txBody>
-          <a:bodyPr rtlCol="0" anchor="ctr"/>
-          <a:lstStyle/>
-          <a:p>
-            <a:pPr algn="ctr"/>
-            <a:endParaRPr lang="zh-TW" altLang="en-US"/>
-          </a:p>
-        </p:txBody>
-      </p:sp>
-      <p:cxnSp>
-        <p:nvCxnSpPr>
-          <p:cNvPr id="40" name="直線單箭頭接點 39">
-            <a:extLst>
-              <a:ext uri="{FF2B5EF4-FFF2-40B4-BE49-F238E27FC236}">
-                <a16:creationId xmlns:a16="http://schemas.microsoft.com/office/drawing/2014/main" id="{D35878AC-A5FE-4140-A6A8-6A485CA76C0F}"/>
-              </a:ext>
-            </a:extLst>
-          </p:cNvPr>
-          <p:cNvCxnSpPr/>
-          <p:nvPr/>
-        </p:nvCxnSpPr>
-        <p:spPr>
-          <a:xfrm>
-            <a:off x="4758431" y="2024109"/>
-            <a:ext cx="3781887" cy="0"/>
-          </a:xfrm>
-          <a:prstGeom prst="straightConnector1">
-            <a:avLst/>
-          </a:prstGeom>
-          <a:ln w="57150">
-            <a:solidFill>
-              <a:schemeClr val="tx1"/>
-            </a:solidFill>
-            <a:headEnd type="oval" w="med" len="med"/>
-            <a:tailEnd type="triangle" w="med" len="med"/>
-          </a:ln>
-        </p:spPr>
-        <p:style>
-          <a:lnRef idx="1">
-            <a:schemeClr val="accent1"/>
-          </a:lnRef>
-          <a:fillRef idx="0">
-            <a:schemeClr val="accent1"/>
-          </a:fillRef>
-          <a:effectRef idx="0">
-            <a:schemeClr val="accent1"/>
-          </a:effectRef>
-          <a:fontRef idx="minor">
-            <a:schemeClr val="tx1"/>
-          </a:fontRef>
-        </p:style>
-      </p:cxnSp>
-      <p:sp>
-        <p:nvSpPr>
-          <p:cNvPr id="42" name="文字方塊 41">
-            <a:extLst>
-              <a:ext uri="{FF2B5EF4-FFF2-40B4-BE49-F238E27FC236}">
-                <a16:creationId xmlns:a16="http://schemas.microsoft.com/office/drawing/2014/main" id="{8C0F7EAF-D090-464A-863E-F67C3F094366}"/>
-              </a:ext>
-            </a:extLst>
-          </p:cNvPr>
-          <p:cNvSpPr txBox="1"/>
-          <p:nvPr/>
-        </p:nvSpPr>
-        <p:spPr>
-          <a:xfrm>
-            <a:off x="8797771" y="1855433"/>
-            <a:ext cx="2454518" cy="369332"/>
-          </a:xfrm>
-          <a:prstGeom prst="rect">
-            <a:avLst/>
-          </a:prstGeom>
-          <a:noFill/>
-        </p:spPr>
-        <p:txBody>
-          <a:bodyPr wrap="none" rtlCol="0">
-            <a:spAutoFit/>
-          </a:bodyPr>
-          <a:lstStyle/>
-          <a:p>
-            <a:r>
-              <a:rPr lang="en-US" altLang="zh-TW" b="1" dirty="0">
-                <a:solidFill>
-                  <a:srgbClr val="FF0000"/>
-                </a:solidFill>
-                <a:latin typeface="微軟正黑體" panose="020B0604030504040204" pitchFamily="34" charset="-120"/>
-                <a:ea typeface="微軟正黑體" panose="020B0604030504040204" pitchFamily="34" charset="-120"/>
-              </a:rPr>
-              <a:t>GITHUB</a:t>
-            </a:r>
-            <a:r>
-              <a:rPr lang="zh-TW" altLang="en-US" b="1" dirty="0">
-                <a:solidFill>
-                  <a:srgbClr val="FF0000"/>
-                </a:solidFill>
-                <a:latin typeface="微軟正黑體" panose="020B0604030504040204" pitchFamily="34" charset="-120"/>
-                <a:ea typeface="微軟正黑體" panose="020B0604030504040204" pitchFamily="34" charset="-120"/>
-              </a:rPr>
-              <a:t>管理程式版本</a:t>
-            </a:r>
-          </a:p>
-        </p:txBody>
-      </p:sp>
-      <p:cxnSp>
-        <p:nvCxnSpPr>
-          <p:cNvPr id="45" name="直線單箭頭接點 44">
-            <a:extLst>
-              <a:ext uri="{FF2B5EF4-FFF2-40B4-BE49-F238E27FC236}">
-                <a16:creationId xmlns:a16="http://schemas.microsoft.com/office/drawing/2014/main" id="{867FC62C-ECEF-4DB2-84CA-BFFAE843812C}"/>
-              </a:ext>
-            </a:extLst>
-          </p:cNvPr>
-          <p:cNvCxnSpPr>
-            <a:cxnSpLocks/>
-          </p:cNvCxnSpPr>
-          <p:nvPr/>
-        </p:nvCxnSpPr>
-        <p:spPr>
-          <a:xfrm flipH="1">
-            <a:off x="3098307" y="5379868"/>
-            <a:ext cx="2229296" cy="0"/>
-          </a:xfrm>
-          <a:prstGeom prst="straightConnector1">
-            <a:avLst/>
-          </a:prstGeom>
-          <a:ln w="57150">
-            <a:solidFill>
-              <a:schemeClr val="tx1"/>
-            </a:solidFill>
-            <a:headEnd type="oval" w="med" len="med"/>
-            <a:tailEnd type="triangle" w="med" len="med"/>
-          </a:ln>
-        </p:spPr>
-        <p:style>
-          <a:lnRef idx="1">
-            <a:schemeClr val="accent1"/>
-          </a:lnRef>
-          <a:fillRef idx="0">
-            <a:schemeClr val="accent1"/>
-          </a:fillRef>
-          <a:effectRef idx="0">
-            <a:schemeClr val="accent1"/>
-          </a:effectRef>
-          <a:fontRef idx="minor">
-            <a:schemeClr val="tx1"/>
-          </a:fontRef>
-        </p:style>
-      </p:cxnSp>
-      <p:sp>
-        <p:nvSpPr>
-          <p:cNvPr id="47" name="文字方塊 46">
-            <a:extLst>
-              <a:ext uri="{FF2B5EF4-FFF2-40B4-BE49-F238E27FC236}">
-                <a16:creationId xmlns:a16="http://schemas.microsoft.com/office/drawing/2014/main" id="{4D3644BE-4EA7-4E59-927E-5AC2EFC7A1E2}"/>
-              </a:ext>
-            </a:extLst>
-          </p:cNvPr>
-          <p:cNvSpPr txBox="1"/>
-          <p:nvPr/>
-        </p:nvSpPr>
-        <p:spPr>
-          <a:xfrm>
-            <a:off x="1188652" y="5195202"/>
-            <a:ext cx="1992853" cy="369332"/>
-          </a:xfrm>
-          <a:prstGeom prst="rect">
-            <a:avLst/>
-          </a:prstGeom>
-          <a:noFill/>
-        </p:spPr>
-        <p:txBody>
-          <a:bodyPr wrap="none" rtlCol="0">
-            <a:spAutoFit/>
-          </a:bodyPr>
-          <a:lstStyle/>
-          <a:p>
-            <a:r>
-              <a:rPr lang="en-US" altLang="zh-TW" b="1" dirty="0">
-                <a:solidFill>
-                  <a:srgbClr val="FF0000"/>
-                </a:solidFill>
-                <a:latin typeface="微軟正黑體" panose="020B0604030504040204" pitchFamily="34" charset="-120"/>
-                <a:ea typeface="微軟正黑體" panose="020B0604030504040204" pitchFamily="34" charset="-120"/>
-              </a:rPr>
-              <a:t>GITHUB</a:t>
-            </a:r>
-            <a:r>
-              <a:rPr lang="zh-TW" altLang="en-US" b="1" dirty="0">
-                <a:solidFill>
-                  <a:srgbClr val="FF0000"/>
-                </a:solidFill>
-                <a:latin typeface="微軟正黑體" panose="020B0604030504040204" pitchFamily="34" charset="-120"/>
-                <a:ea typeface="微軟正黑體" panose="020B0604030504040204" pitchFamily="34" charset="-120"/>
-              </a:rPr>
-              <a:t>統一管理</a:t>
-            </a:r>
-          </a:p>
-        </p:txBody>
-      </p:sp>
     </p:spTree>
     <p:extLst>
       <p:ext uri="{BB962C8B-B14F-4D97-AF65-F5344CB8AC3E}">
-        <p14:creationId xmlns:p14="http://schemas.microsoft.com/office/powerpoint/2010/main" val="3100207125"/>
+        <p14:creationId xmlns:p14="http://schemas.microsoft.com/office/powerpoint/2010/main" val="9378361"/>
       </p:ext>
     </p:extLst>
   </p:cSld>
@@ -14959,6 +15049,425 @@
 </file>
 
 <file path=ppt/slides/slide12.xml><?xml version="1.0" encoding="utf-8"?>
+<p:sld xmlns:a="http://schemas.openxmlformats.org/drawingml/2006/main" xmlns:r="http://schemas.openxmlformats.org/officeDocument/2006/relationships" xmlns:p="http://schemas.openxmlformats.org/presentationml/2006/main">
+  <p:cSld>
+    <p:spTree>
+      <p:nvGrpSpPr>
+        <p:cNvPr id="1" name=""/>
+        <p:cNvGrpSpPr/>
+        <p:nvPr/>
+      </p:nvGrpSpPr>
+      <p:grpSpPr>
+        <a:xfrm>
+          <a:off x="0" y="0"/>
+          <a:ext cx="0" cy="0"/>
+          <a:chOff x="0" y="0"/>
+          <a:chExt cx="0" cy="0"/>
+        </a:xfrm>
+      </p:grpSpPr>
+      <p:grpSp>
+        <p:nvGrpSpPr>
+          <p:cNvPr id="80" name="组合 64">
+            <a:extLst>
+              <a:ext uri="{FF2B5EF4-FFF2-40B4-BE49-F238E27FC236}">
+                <a16:creationId xmlns:a16="http://schemas.microsoft.com/office/drawing/2014/main" id="{E8A064E9-4A1B-41FA-A12E-94A54AD9325E}"/>
+              </a:ext>
+            </a:extLst>
+          </p:cNvPr>
+          <p:cNvGrpSpPr/>
+          <p:nvPr/>
+        </p:nvGrpSpPr>
+        <p:grpSpPr>
+          <a:xfrm>
+            <a:off x="670943" y="424098"/>
+            <a:ext cx="3297162" cy="519486"/>
+            <a:chOff x="670943" y="424098"/>
+            <a:chExt cx="3297162" cy="519486"/>
+          </a:xfrm>
+        </p:grpSpPr>
+        <p:sp>
+          <p:nvSpPr>
+            <p:cNvPr id="81" name="KSO_Shape">
+              <a:extLst>
+                <a:ext uri="{FF2B5EF4-FFF2-40B4-BE49-F238E27FC236}">
+                  <a16:creationId xmlns:a16="http://schemas.microsoft.com/office/drawing/2014/main" id="{1D21A2EC-1CEB-4E4D-A5F5-0719F04D8E88}"/>
+                </a:ext>
+              </a:extLst>
+            </p:cNvPr>
+            <p:cNvSpPr>
+              <a:spLocks noChangeAspect="1"/>
+            </p:cNvSpPr>
+            <p:nvPr/>
+          </p:nvSpPr>
+          <p:spPr>
+            <a:xfrm rot="5400000">
+              <a:off x="647826" y="539879"/>
+              <a:ext cx="334159" cy="287925"/>
+            </a:xfrm>
+            <a:custGeom>
+              <a:avLst/>
+              <a:gdLst/>
+              <a:ahLst/>
+              <a:cxnLst/>
+              <a:rect l="l" t="t" r="r" b="b"/>
+              <a:pathLst>
+                <a:path w="751403" h="647761">
+                  <a:moveTo>
+                    <a:pt x="375702" y="0"/>
+                  </a:moveTo>
+                  <a:lnTo>
+                    <a:pt x="751403" y="647761"/>
+                  </a:lnTo>
+                  <a:lnTo>
+                    <a:pt x="745416" y="647761"/>
+                  </a:lnTo>
+                  <a:lnTo>
+                    <a:pt x="375702" y="432047"/>
+                  </a:lnTo>
+                  <a:lnTo>
+                    <a:pt x="5987" y="647761"/>
+                  </a:lnTo>
+                  <a:lnTo>
+                    <a:pt x="0" y="647761"/>
+                  </a:lnTo>
+                  <a:close/>
+                </a:path>
+              </a:pathLst>
+            </a:custGeom>
+            <a:solidFill>
+              <a:schemeClr val="accent6"/>
+            </a:solidFill>
+            <a:ln>
+              <a:noFill/>
+            </a:ln>
+          </p:spPr>
+          <p:style>
+            <a:lnRef idx="2">
+              <a:schemeClr val="accent1">
+                <a:shade val="50000"/>
+              </a:schemeClr>
+            </a:lnRef>
+            <a:fillRef idx="1">
+              <a:schemeClr val="accent1"/>
+            </a:fillRef>
+            <a:effectRef idx="0">
+              <a:schemeClr val="accent1"/>
+            </a:effectRef>
+            <a:fontRef idx="minor">
+              <a:schemeClr val="lt1"/>
+            </a:fontRef>
+          </p:style>
+          <p:txBody>
+            <a:bodyPr anchor="ctr"/>
+            <a:lstStyle>
+              <a:defPPr>
+                <a:defRPr lang="zh-CN"/>
+              </a:defPPr>
+              <a:lvl1pPr algn="l" rtl="0" eaLnBrk="0" fontAlgn="base" hangingPunct="0">
+                <a:spcBef>
+                  <a:spcPct val="0"/>
+                </a:spcBef>
+                <a:spcAft>
+                  <a:spcPct val="0"/>
+                </a:spcAft>
+                <a:defRPr kern="1200">
+                  <a:solidFill>
+                    <a:schemeClr val="lt1"/>
+                  </a:solidFill>
+                  <a:latin typeface="+mn-lt"/>
+                  <a:ea typeface="+mn-ea"/>
+                  <a:cs typeface="+mn-cs"/>
+                </a:defRPr>
+              </a:lvl1pPr>
+              <a:lvl2pPr marL="457200" algn="l" rtl="0" eaLnBrk="0" fontAlgn="base" hangingPunct="0">
+                <a:spcBef>
+                  <a:spcPct val="0"/>
+                </a:spcBef>
+                <a:spcAft>
+                  <a:spcPct val="0"/>
+                </a:spcAft>
+                <a:defRPr kern="1200">
+                  <a:solidFill>
+                    <a:schemeClr val="lt1"/>
+                  </a:solidFill>
+                  <a:latin typeface="+mn-lt"/>
+                  <a:ea typeface="+mn-ea"/>
+                  <a:cs typeface="+mn-cs"/>
+                </a:defRPr>
+              </a:lvl2pPr>
+              <a:lvl3pPr marL="914400" algn="l" rtl="0" eaLnBrk="0" fontAlgn="base" hangingPunct="0">
+                <a:spcBef>
+                  <a:spcPct val="0"/>
+                </a:spcBef>
+                <a:spcAft>
+                  <a:spcPct val="0"/>
+                </a:spcAft>
+                <a:defRPr kern="1200">
+                  <a:solidFill>
+                    <a:schemeClr val="lt1"/>
+                  </a:solidFill>
+                  <a:latin typeface="+mn-lt"/>
+                  <a:ea typeface="+mn-ea"/>
+                  <a:cs typeface="+mn-cs"/>
+                </a:defRPr>
+              </a:lvl3pPr>
+              <a:lvl4pPr marL="1371600" algn="l" rtl="0" eaLnBrk="0" fontAlgn="base" hangingPunct="0">
+                <a:spcBef>
+                  <a:spcPct val="0"/>
+                </a:spcBef>
+                <a:spcAft>
+                  <a:spcPct val="0"/>
+                </a:spcAft>
+                <a:defRPr kern="1200">
+                  <a:solidFill>
+                    <a:schemeClr val="lt1"/>
+                  </a:solidFill>
+                  <a:latin typeface="+mn-lt"/>
+                  <a:ea typeface="+mn-ea"/>
+                  <a:cs typeface="+mn-cs"/>
+                </a:defRPr>
+              </a:lvl4pPr>
+              <a:lvl5pPr marL="1828800" algn="l" rtl="0" eaLnBrk="0" fontAlgn="base" hangingPunct="0">
+                <a:spcBef>
+                  <a:spcPct val="0"/>
+                </a:spcBef>
+                <a:spcAft>
+                  <a:spcPct val="0"/>
+                </a:spcAft>
+                <a:defRPr kern="1200">
+                  <a:solidFill>
+                    <a:schemeClr val="lt1"/>
+                  </a:solidFill>
+                  <a:latin typeface="+mn-lt"/>
+                  <a:ea typeface="+mn-ea"/>
+                  <a:cs typeface="+mn-cs"/>
+                </a:defRPr>
+              </a:lvl5pPr>
+              <a:lvl6pPr marL="2286000" algn="l" defTabSz="914400" rtl="0" eaLnBrk="1" latinLnBrk="0" hangingPunct="1">
+                <a:defRPr kern="1200">
+                  <a:solidFill>
+                    <a:schemeClr val="lt1"/>
+                  </a:solidFill>
+                  <a:latin typeface="+mn-lt"/>
+                  <a:ea typeface="+mn-ea"/>
+                  <a:cs typeface="+mn-cs"/>
+                </a:defRPr>
+              </a:lvl6pPr>
+              <a:lvl7pPr marL="2743200" algn="l" defTabSz="914400" rtl="0" eaLnBrk="1" latinLnBrk="0" hangingPunct="1">
+                <a:defRPr kern="1200">
+                  <a:solidFill>
+                    <a:schemeClr val="lt1"/>
+                  </a:solidFill>
+                  <a:latin typeface="+mn-lt"/>
+                  <a:ea typeface="+mn-ea"/>
+                  <a:cs typeface="+mn-cs"/>
+                </a:defRPr>
+              </a:lvl7pPr>
+              <a:lvl8pPr marL="3200400" algn="l" defTabSz="914400" rtl="0" eaLnBrk="1" latinLnBrk="0" hangingPunct="1">
+                <a:defRPr kern="1200">
+                  <a:solidFill>
+                    <a:schemeClr val="lt1"/>
+                  </a:solidFill>
+                  <a:latin typeface="+mn-lt"/>
+                  <a:ea typeface="+mn-ea"/>
+                  <a:cs typeface="+mn-cs"/>
+                </a:defRPr>
+              </a:lvl8pPr>
+              <a:lvl9pPr marL="3657600" algn="l" defTabSz="914400" rtl="0" eaLnBrk="1" latinLnBrk="0" hangingPunct="1">
+                <a:defRPr kern="1200">
+                  <a:solidFill>
+                    <a:schemeClr val="lt1"/>
+                  </a:solidFill>
+                  <a:latin typeface="+mn-lt"/>
+                  <a:ea typeface="+mn-ea"/>
+                  <a:cs typeface="+mn-cs"/>
+                </a:defRPr>
+              </a:lvl9pPr>
+            </a:lstStyle>
+            <a:p>
+              <a:pPr algn="ctr" eaLnBrk="1" fontAlgn="auto" hangingPunct="1">
+                <a:spcBef>
+                  <a:spcPts val="0"/>
+                </a:spcBef>
+                <a:spcAft>
+                  <a:spcPts val="0"/>
+                </a:spcAft>
+                <a:defRPr/>
+              </a:pPr>
+              <a:endParaRPr lang="zh-CN" altLang="en-US" sz="1799" dirty="0">
+                <a:solidFill>
+                  <a:srgbClr val="FFFFFF"/>
+                </a:solidFill>
+                <a:latin typeface="微软雅黑" panose="020B0503020204020204" pitchFamily="34" charset="-122"/>
+                <a:ea typeface="微软雅黑" panose="020B0503020204020204" pitchFamily="34" charset="-122"/>
+                <a:sym typeface="Source Han Serif SC" panose="02020400000000000000" pitchFamily="18" charset="-122"/>
+              </a:endParaRPr>
+            </a:p>
+          </p:txBody>
+        </p:sp>
+        <p:sp>
+          <p:nvSpPr>
+            <p:cNvPr id="82" name="文本框 2">
+              <a:extLst>
+                <a:ext uri="{FF2B5EF4-FFF2-40B4-BE49-F238E27FC236}">
+                  <a16:creationId xmlns:a16="http://schemas.microsoft.com/office/drawing/2014/main" id="{87F653AE-AADA-495F-9B49-F4536794BBC2}"/>
+                </a:ext>
+              </a:extLst>
+            </p:cNvPr>
+            <p:cNvSpPr txBox="1"/>
+            <p:nvPr/>
+          </p:nvSpPr>
+          <p:spPr>
+            <a:xfrm>
+              <a:off x="1234077" y="424098"/>
+              <a:ext cx="2734028" cy="519486"/>
+            </a:xfrm>
+            <a:prstGeom prst="rect">
+              <a:avLst/>
+            </a:prstGeom>
+            <a:noFill/>
+          </p:spPr>
+          <p:txBody>
+            <a:bodyPr wrap="square" lIns="87741" tIns="43871" rIns="87741" bIns="43871" rtlCol="0">
+              <a:spAutoFit/>
+            </a:bodyPr>
+            <a:lstStyle>
+              <a:defPPr>
+                <a:defRPr lang="zh-CN"/>
+              </a:defPPr>
+              <a:lvl1pPr algn="ctr">
+                <a:defRPr sz="2400" spc="300">
+                  <a:solidFill>
+                    <a:schemeClr val="tx2"/>
+                  </a:solidFill>
+                  <a:latin typeface="思源黑体 CN Bold" pitchFamily="34" charset="-122"/>
+                  <a:ea typeface="思源黑体 CN Bold" pitchFamily="34" charset="-122"/>
+                </a:defRPr>
+              </a:lvl1pPr>
+            </a:lstStyle>
+            <a:p>
+              <a:pPr algn="l" defTabSz="914126" fontAlgn="base">
+                <a:spcBef>
+                  <a:spcPct val="0"/>
+                </a:spcBef>
+                <a:spcAft>
+                  <a:spcPct val="0"/>
+                </a:spcAft>
+              </a:pPr>
+              <a:r>
+                <a:rPr lang="zh-TW" altLang="en-US" sz="2800" dirty="0"/>
+                <a:t>使用情境</a:t>
+              </a:r>
+              <a:endParaRPr lang="en-US" altLang="zh-CN" sz="2800" dirty="0">
+                <a:solidFill>
+                  <a:schemeClr val="accent2"/>
+                </a:solidFill>
+                <a:latin typeface="微软雅黑" panose="020B0503020204020204" pitchFamily="34" charset="-122"/>
+                <a:ea typeface="微软雅黑" panose="020B0503020204020204" pitchFamily="34" charset="-122"/>
+                <a:sym typeface="Source Han Serif SC" panose="02020400000000000000" pitchFamily="18" charset="-122"/>
+              </a:endParaRPr>
+            </a:p>
+          </p:txBody>
+        </p:sp>
+      </p:grpSp>
+      <p:pic>
+        <p:nvPicPr>
+          <p:cNvPr id="6" name="圖片 5">
+            <a:extLst>
+              <a:ext uri="{FF2B5EF4-FFF2-40B4-BE49-F238E27FC236}">
+                <a16:creationId xmlns:a16="http://schemas.microsoft.com/office/drawing/2014/main" id="{B4783C86-41D1-41E5-9310-A4C61E121C97}"/>
+              </a:ext>
+            </a:extLst>
+          </p:cNvPr>
+          <p:cNvPicPr>
+            <a:picLocks noChangeAspect="1"/>
+          </p:cNvPicPr>
+          <p:nvPr/>
+        </p:nvPicPr>
+        <p:blipFill>
+          <a:blip r:embed="rId3">
+            <a:extLst>
+              <a:ext uri="{28A0092B-C50C-407E-A947-70E740481C1C}">
+                <a14:useLocalDpi xmlns:a14="http://schemas.microsoft.com/office/drawing/2010/main" val="0"/>
+              </a:ext>
+            </a:extLst>
+          </a:blip>
+          <a:stretch>
+            <a:fillRect/>
+          </a:stretch>
+        </p:blipFill>
+        <p:spPr>
+          <a:xfrm>
+            <a:off x="1234077" y="1495172"/>
+            <a:ext cx="3867655" cy="3867655"/>
+          </a:xfrm>
+          <a:prstGeom prst="rect">
+            <a:avLst/>
+          </a:prstGeom>
+        </p:spPr>
+      </p:pic>
+      <p:pic>
+        <p:nvPicPr>
+          <p:cNvPr id="9" name="圖片 8">
+            <a:extLst>
+              <a:ext uri="{FF2B5EF4-FFF2-40B4-BE49-F238E27FC236}">
+                <a16:creationId xmlns:a16="http://schemas.microsoft.com/office/drawing/2014/main" id="{2B8E5F49-FF0B-42D9-9470-02B15C0E9EB5}"/>
+              </a:ext>
+            </a:extLst>
+          </p:cNvPr>
+          <p:cNvPicPr>
+            <a:picLocks noChangeAspect="1"/>
+          </p:cNvPicPr>
+          <p:nvPr/>
+        </p:nvPicPr>
+        <p:blipFill>
+          <a:blip r:embed="rId4">
+            <a:extLst>
+              <a:ext uri="{28A0092B-C50C-407E-A947-70E740481C1C}">
+                <a14:useLocalDpi xmlns:a14="http://schemas.microsoft.com/office/drawing/2010/main" val="0"/>
+              </a:ext>
+            </a:extLst>
+          </a:blip>
+          <a:stretch>
+            <a:fillRect/>
+          </a:stretch>
+        </p:blipFill>
+        <p:spPr>
+          <a:xfrm>
+            <a:off x="6659813" y="1495172"/>
+            <a:ext cx="4298110" cy="4298110"/>
+          </a:xfrm>
+          <a:prstGeom prst="rect">
+            <a:avLst/>
+          </a:prstGeom>
+        </p:spPr>
+      </p:pic>
+    </p:spTree>
+    <p:extLst>
+      <p:ext uri="{BB962C8B-B14F-4D97-AF65-F5344CB8AC3E}">
+        <p14:creationId xmlns:p14="http://schemas.microsoft.com/office/powerpoint/2010/main" val="3746464134"/>
+      </p:ext>
+    </p:extLst>
+  </p:cSld>
+  <p:clrMapOvr>
+    <a:masterClrMapping/>
+  </p:clrMapOvr>
+  <mc:AlternateContent xmlns:mc="http://schemas.openxmlformats.org/markup-compatibility/2006" xmlns:p14="http://schemas.microsoft.com/office/powerpoint/2010/main">
+    <mc:Choice Requires="p14">
+      <p:transition spd="slow" p14:dur="1250">
+        <p:split orient="vert"/>
+      </p:transition>
+    </mc:Choice>
+    <mc:Fallback xmlns="">
+      <p:transition spd="slow">
+        <p:split orient="vert"/>
+      </p:transition>
+    </mc:Fallback>
+  </mc:AlternateContent>
+</p:sld>
+</file>
+
+<file path=ppt/slides/slide13.xml><?xml version="1.0" encoding="utf-8"?>
 <p:sld xmlns:a="http://schemas.openxmlformats.org/drawingml/2006/main" xmlns:r="http://schemas.openxmlformats.org/officeDocument/2006/relationships" xmlns:p="http://schemas.openxmlformats.org/presentationml/2006/main">
   <p:cSld>
     <p:spTree>
@@ -15687,7 +16196,7 @@
 </p:sld>
 </file>
 
-<file path=ppt/slides/slide13.xml><?xml version="1.0" encoding="utf-8"?>
+<file path=ppt/slides/slide14.xml><?xml version="1.0" encoding="utf-8"?>
 <p:sld xmlns:a="http://schemas.openxmlformats.org/drawingml/2006/main" xmlns:r="http://schemas.openxmlformats.org/officeDocument/2006/relationships" xmlns:p="http://schemas.openxmlformats.org/presentationml/2006/main">
   <p:cSld>
     <p:spTree>
@@ -16056,7 +16565,7 @@
 </p:sld>
 </file>
 
-<file path=ppt/slides/slide14.xml><?xml version="1.0" encoding="utf-8"?>
+<file path=ppt/slides/slide15.xml><?xml version="1.0" encoding="utf-8"?>
 <p:sld xmlns:a="http://schemas.openxmlformats.org/drawingml/2006/main" xmlns:r="http://schemas.openxmlformats.org/officeDocument/2006/relationships" xmlns:p="http://schemas.openxmlformats.org/presentationml/2006/main">
   <p:cSld>
     <p:spTree>
@@ -17132,7 +17641,7 @@
 </p:sld>
 </file>
 
-<file path=ppt/slides/slide15.xml><?xml version="1.0" encoding="utf-8"?>
+<file path=ppt/slides/slide16.xml><?xml version="1.0" encoding="utf-8"?>
 <p:sld xmlns:a="http://schemas.openxmlformats.org/drawingml/2006/main" xmlns:r="http://schemas.openxmlformats.org/officeDocument/2006/relationships" xmlns:p="http://schemas.openxmlformats.org/presentationml/2006/main">
   <p:cSld>
     <p:spTree>
@@ -17533,7 +18042,7 @@
 </p:sld>
 </file>
 
-<file path=ppt/slides/slide16.xml><?xml version="1.0" encoding="utf-8"?>
+<file path=ppt/slides/slide17.xml><?xml version="1.0" encoding="utf-8"?>
 <p:sld xmlns:a="http://schemas.openxmlformats.org/drawingml/2006/main" xmlns:r="http://schemas.openxmlformats.org/officeDocument/2006/relationships" xmlns:p="http://schemas.openxmlformats.org/presentationml/2006/main">
   <p:cSld>
     <p:spTree>
@@ -17923,741 +18432,6 @@
 </p:sld>
 </file>
 
-<file path=ppt/slides/slide17.xml><?xml version="1.0" encoding="utf-8"?>
-<p:sld xmlns:a="http://schemas.openxmlformats.org/drawingml/2006/main" xmlns:r="http://schemas.openxmlformats.org/officeDocument/2006/relationships" xmlns:p="http://schemas.openxmlformats.org/presentationml/2006/main">
-  <p:cSld>
-    <p:spTree>
-      <p:nvGrpSpPr>
-        <p:cNvPr id="1" name=""/>
-        <p:cNvGrpSpPr/>
-        <p:nvPr/>
-      </p:nvGrpSpPr>
-      <p:grpSpPr>
-        <a:xfrm>
-          <a:off x="0" y="0"/>
-          <a:ext cx="0" cy="0"/>
-          <a:chOff x="0" y="0"/>
-          <a:chExt cx="0" cy="0"/>
-        </a:xfrm>
-      </p:grpSpPr>
-      <p:grpSp>
-        <p:nvGrpSpPr>
-          <p:cNvPr id="11" name="组合 10">
-            <a:extLst>
-              <a:ext uri="{FF2B5EF4-FFF2-40B4-BE49-F238E27FC236}">
-                <a16:creationId xmlns:a16="http://schemas.microsoft.com/office/drawing/2014/main" id="{9A853C84-0981-4C91-9A36-5C7A93E82A21}"/>
-              </a:ext>
-            </a:extLst>
-          </p:cNvPr>
-          <p:cNvGrpSpPr/>
-          <p:nvPr/>
-        </p:nvGrpSpPr>
-        <p:grpSpPr>
-          <a:xfrm>
-            <a:off x="0" y="-2356"/>
-            <a:ext cx="12192002" cy="6860355"/>
-            <a:chOff x="0" y="-2356"/>
-            <a:chExt cx="12192002" cy="6860355"/>
-          </a:xfrm>
-        </p:grpSpPr>
-        <p:pic>
-          <p:nvPicPr>
-            <p:cNvPr id="13" name="图片 12">
-              <a:extLst>
-                <a:ext uri="{FF2B5EF4-FFF2-40B4-BE49-F238E27FC236}">
-                  <a16:creationId xmlns:a16="http://schemas.microsoft.com/office/drawing/2014/main" id="{021810BD-0B92-4787-8ACC-2BBD7F6B8E37}"/>
-                </a:ext>
-              </a:extLst>
-            </p:cNvPr>
-            <p:cNvPicPr>
-              <a:picLocks noChangeAspect="1"/>
-            </p:cNvPicPr>
-            <p:nvPr/>
-          </p:nvPicPr>
-          <p:blipFill rotWithShape="1">
-            <a:blip r:embed="rId3" cstate="email">
-              <a:extLst>
-                <a:ext uri="{28A0092B-C50C-407E-A947-70E740481C1C}">
-                  <a14:useLocalDpi xmlns:a14="http://schemas.microsoft.com/office/drawing/2010/main"/>
-                </a:ext>
-              </a:extLst>
-            </a:blip>
-            <a:srcRect/>
-            <a:stretch/>
-          </p:blipFill>
-          <p:spPr>
-            <a:xfrm rot="16200000">
-              <a:off x="4381502" y="-952501"/>
-              <a:ext cx="3429000" cy="12192000"/>
-            </a:xfrm>
-            <a:prstGeom prst="rect">
-              <a:avLst/>
-            </a:prstGeom>
-          </p:spPr>
-        </p:pic>
-        <p:pic>
-          <p:nvPicPr>
-            <p:cNvPr id="17" name="图片 16">
-              <a:extLst>
-                <a:ext uri="{FF2B5EF4-FFF2-40B4-BE49-F238E27FC236}">
-                  <a16:creationId xmlns:a16="http://schemas.microsoft.com/office/drawing/2014/main" id="{62A56F52-34CB-412B-A867-7F86E3F077CF}"/>
-                </a:ext>
-              </a:extLst>
-            </p:cNvPr>
-            <p:cNvPicPr>
-              <a:picLocks noChangeAspect="1"/>
-            </p:cNvPicPr>
-            <p:nvPr/>
-          </p:nvPicPr>
-          <p:blipFill rotWithShape="1">
-            <a:blip r:embed="rId3" cstate="email">
-              <a:extLst>
-                <a:ext uri="{28A0092B-C50C-407E-A947-70E740481C1C}">
-                  <a14:useLocalDpi xmlns:a14="http://schemas.microsoft.com/office/drawing/2010/main"/>
-                </a:ext>
-              </a:extLst>
-            </a:blip>
-            <a:srcRect/>
-            <a:stretch/>
-          </p:blipFill>
-          <p:spPr>
-            <a:xfrm rot="5400000" flipV="1">
-              <a:off x="4381500" y="-4383856"/>
-              <a:ext cx="3429000" cy="12192000"/>
-            </a:xfrm>
-            <a:prstGeom prst="rect">
-              <a:avLst/>
-            </a:prstGeom>
-          </p:spPr>
-        </p:pic>
-      </p:grpSp>
-      <p:grpSp>
-        <p:nvGrpSpPr>
-          <p:cNvPr id="2" name="组合 1">
-            <a:extLst>
-              <a:ext uri="{FF2B5EF4-FFF2-40B4-BE49-F238E27FC236}">
-                <a16:creationId xmlns:a16="http://schemas.microsoft.com/office/drawing/2014/main" id="{A2C0FBEF-DFC6-4397-995F-C06129D495B8}"/>
-              </a:ext>
-            </a:extLst>
-          </p:cNvPr>
-          <p:cNvGrpSpPr/>
-          <p:nvPr/>
-        </p:nvGrpSpPr>
-        <p:grpSpPr>
-          <a:xfrm>
-            <a:off x="1534886" y="1180193"/>
-            <a:ext cx="8182532" cy="4153807"/>
-            <a:chOff x="1534886" y="1180193"/>
-            <a:chExt cx="8182532" cy="4153807"/>
-          </a:xfrm>
-        </p:grpSpPr>
-        <p:sp>
-          <p:nvSpPr>
-            <p:cNvPr id="8" name="任意多边形: 形状 7">
-              <a:extLst>
-                <a:ext uri="{FF2B5EF4-FFF2-40B4-BE49-F238E27FC236}">
-                  <a16:creationId xmlns:a16="http://schemas.microsoft.com/office/drawing/2014/main" id="{09E26A54-1AEE-4421-8E82-83AEBE0137FA}"/>
-                </a:ext>
-              </a:extLst>
-            </p:cNvPr>
-            <p:cNvSpPr/>
-            <p:nvPr/>
-          </p:nvSpPr>
-          <p:spPr>
-            <a:xfrm flipH="1" flipV="1">
-              <a:off x="2474582" y="1180193"/>
-              <a:ext cx="7242836" cy="4153807"/>
-            </a:xfrm>
-            <a:custGeom>
-              <a:avLst/>
-              <a:gdLst>
-                <a:gd name="connsiteX0" fmla="*/ 8984343 w 8984343"/>
-                <a:gd name="connsiteY0" fmla="*/ 2206171 h 5152571"/>
-                <a:gd name="connsiteX1" fmla="*/ 8984343 w 8984343"/>
-                <a:gd name="connsiteY1" fmla="*/ 0 h 5152571"/>
-                <a:gd name="connsiteX2" fmla="*/ 0 w 8984343"/>
-                <a:gd name="connsiteY2" fmla="*/ 0 h 5152571"/>
-                <a:gd name="connsiteX3" fmla="*/ 0 w 8984343"/>
-                <a:gd name="connsiteY3" fmla="*/ 5152571 h 5152571"/>
-                <a:gd name="connsiteX4" fmla="*/ 8984343 w 8984343"/>
-                <a:gd name="connsiteY4" fmla="*/ 5152571 h 5152571"/>
-                <a:gd name="connsiteX5" fmla="*/ 8984343 w 8984343"/>
-                <a:gd name="connsiteY5" fmla="*/ 3468914 h 5152571"/>
-                <a:gd name="connsiteX6" fmla="*/ 8911771 w 8984343"/>
-                <a:gd name="connsiteY6" fmla="*/ 3468914 h 5152571"/>
-              </a:gdLst>
-              <a:ahLst/>
-              <a:cxnLst>
-                <a:cxn ang="0">
-                  <a:pos x="connsiteX0" y="connsiteY0"/>
-                </a:cxn>
-                <a:cxn ang="0">
-                  <a:pos x="connsiteX1" y="connsiteY1"/>
-                </a:cxn>
-                <a:cxn ang="0">
-                  <a:pos x="connsiteX2" y="connsiteY2"/>
-                </a:cxn>
-                <a:cxn ang="0">
-                  <a:pos x="connsiteX3" y="connsiteY3"/>
-                </a:cxn>
-                <a:cxn ang="0">
-                  <a:pos x="connsiteX4" y="connsiteY4"/>
-                </a:cxn>
-                <a:cxn ang="0">
-                  <a:pos x="connsiteX5" y="connsiteY5"/>
-                </a:cxn>
-                <a:cxn ang="0">
-                  <a:pos x="connsiteX6" y="connsiteY6"/>
-                </a:cxn>
-              </a:cxnLst>
-              <a:rect l="l" t="t" r="r" b="b"/>
-              <a:pathLst>
-                <a:path w="8984343" h="5152571">
-                  <a:moveTo>
-                    <a:pt x="8984343" y="2206171"/>
-                  </a:moveTo>
-                  <a:lnTo>
-                    <a:pt x="8984343" y="0"/>
-                  </a:lnTo>
-                  <a:lnTo>
-                    <a:pt x="0" y="0"/>
-                  </a:lnTo>
-                  <a:lnTo>
-                    <a:pt x="0" y="5152571"/>
-                  </a:lnTo>
-                  <a:lnTo>
-                    <a:pt x="8984343" y="5152571"/>
-                  </a:lnTo>
-                  <a:lnTo>
-                    <a:pt x="8984343" y="3468914"/>
-                  </a:lnTo>
-                  <a:lnTo>
-                    <a:pt x="8911771" y="3468914"/>
-                  </a:lnTo>
-                </a:path>
-              </a:pathLst>
-            </a:custGeom>
-            <a:noFill/>
-            <a:ln w="57150">
-              <a:solidFill>
-                <a:srgbClr val="0C3273"/>
-              </a:solidFill>
-            </a:ln>
-          </p:spPr>
-          <p:style>
-            <a:lnRef idx="2">
-              <a:schemeClr val="accent1">
-                <a:shade val="50000"/>
-              </a:schemeClr>
-            </a:lnRef>
-            <a:fillRef idx="1">
-              <a:schemeClr val="accent1"/>
-            </a:fillRef>
-            <a:effectRef idx="0">
-              <a:schemeClr val="accent1"/>
-            </a:effectRef>
-            <a:fontRef idx="minor">
-              <a:schemeClr val="lt1"/>
-            </a:fontRef>
-          </p:style>
-          <p:txBody>
-            <a:bodyPr rtlCol="0" anchor="ctr"/>
-            <a:lstStyle/>
-            <a:p>
-              <a:pPr marL="0" marR="0" lvl="0" indent="0" algn="ctr" defTabSz="914400" rtl="0" eaLnBrk="1" fontAlgn="auto" latinLnBrk="0" hangingPunct="1">
-                <a:lnSpc>
-                  <a:spcPct val="100000"/>
-                </a:lnSpc>
-                <a:spcBef>
-                  <a:spcPts val="0"/>
-                </a:spcBef>
-                <a:spcAft>
-                  <a:spcPts val="0"/>
-                </a:spcAft>
-                <a:buClrTx/>
-                <a:buSzTx/>
-                <a:buFontTx/>
-                <a:buNone/>
-                <a:tabLst/>
-                <a:defRPr/>
-              </a:pPr>
-              <a:endParaRPr kumimoji="0" lang="zh-CN" altLang="en-US" sz="1800" b="0" i="0" u="none" strike="noStrike" kern="1200" cap="none" spc="0" normalizeH="0" baseline="0" noProof="0" dirty="0">
-                <a:ln>
-                  <a:noFill/>
-                </a:ln>
-                <a:solidFill>
-                  <a:prstClr val="white"/>
-                </a:solidFill>
-                <a:effectLst/>
-                <a:uLnTx/>
-                <a:uFillTx/>
-                <a:latin typeface="微软雅黑" panose="020B0503020204020204" pitchFamily="34" charset="-122"/>
-                <a:ea typeface="微软雅黑" panose="020B0503020204020204" pitchFamily="34" charset="-122"/>
-                <a:sym typeface="Source Han Serif SC" panose="02020400000000000000" pitchFamily="18" charset="-122"/>
-              </a:endParaRPr>
-            </a:p>
-          </p:txBody>
-        </p:sp>
-        <p:cxnSp>
-          <p:nvCxnSpPr>
-            <p:cNvPr id="9" name="直接连接符 8">
-              <a:extLst>
-                <a:ext uri="{FF2B5EF4-FFF2-40B4-BE49-F238E27FC236}">
-                  <a16:creationId xmlns:a16="http://schemas.microsoft.com/office/drawing/2014/main" id="{1DE9CE57-CE90-4BFD-8900-77CF1AB404C0}"/>
-                </a:ext>
-              </a:extLst>
-            </p:cNvPr>
-            <p:cNvCxnSpPr>
-              <a:cxnSpLocks/>
-            </p:cNvCxnSpPr>
-            <p:nvPr/>
-          </p:nvCxnSpPr>
-          <p:spPr>
-            <a:xfrm flipV="1">
-              <a:off x="1534886" y="3364685"/>
-              <a:ext cx="936069" cy="190139"/>
-            </a:xfrm>
-            <a:prstGeom prst="line">
-              <a:avLst/>
-            </a:prstGeom>
-            <a:noFill/>
-            <a:ln w="38100">
-              <a:solidFill>
-                <a:srgbClr val="D30F1B"/>
-              </a:solidFill>
-            </a:ln>
-          </p:spPr>
-          <p:style>
-            <a:lnRef idx="2">
-              <a:schemeClr val="accent1">
-                <a:shade val="50000"/>
-              </a:schemeClr>
-            </a:lnRef>
-            <a:fillRef idx="1">
-              <a:schemeClr val="accent1"/>
-            </a:fillRef>
-            <a:effectRef idx="0">
-              <a:schemeClr val="accent1"/>
-            </a:effectRef>
-            <a:fontRef idx="minor">
-              <a:schemeClr val="lt1"/>
-            </a:fontRef>
-          </p:style>
-        </p:cxnSp>
-        <p:cxnSp>
-          <p:nvCxnSpPr>
-            <p:cNvPr id="10" name="直接连接符 9">
-              <a:extLst>
-                <a:ext uri="{FF2B5EF4-FFF2-40B4-BE49-F238E27FC236}">
-                  <a16:creationId xmlns:a16="http://schemas.microsoft.com/office/drawing/2014/main" id="{861D2381-9965-4F46-97FB-C60AC6BF4B7F}"/>
-                </a:ext>
-              </a:extLst>
-            </p:cNvPr>
-            <p:cNvCxnSpPr>
-              <a:cxnSpLocks/>
-            </p:cNvCxnSpPr>
-            <p:nvPr/>
-          </p:nvCxnSpPr>
-          <p:spPr>
-            <a:xfrm flipV="1">
-              <a:off x="2154464" y="2674334"/>
-              <a:ext cx="936069" cy="190139"/>
-            </a:xfrm>
-            <a:prstGeom prst="line">
-              <a:avLst/>
-            </a:prstGeom>
-            <a:noFill/>
-            <a:ln w="38100">
-              <a:solidFill>
-                <a:srgbClr val="D30F1B"/>
-              </a:solidFill>
-            </a:ln>
-          </p:spPr>
-          <p:style>
-            <a:lnRef idx="2">
-              <a:schemeClr val="accent1">
-                <a:shade val="50000"/>
-              </a:schemeClr>
-            </a:lnRef>
-            <a:fillRef idx="1">
-              <a:schemeClr val="accent1"/>
-            </a:fillRef>
-            <a:effectRef idx="0">
-              <a:schemeClr val="accent1"/>
-            </a:effectRef>
-            <a:fontRef idx="minor">
-              <a:schemeClr val="lt1"/>
-            </a:fontRef>
-          </p:style>
-        </p:cxnSp>
-        <p:sp>
-          <p:nvSpPr>
-            <p:cNvPr id="14" name="文本框 13">
-              <a:extLst>
-                <a:ext uri="{FF2B5EF4-FFF2-40B4-BE49-F238E27FC236}">
-                  <a16:creationId xmlns:a16="http://schemas.microsoft.com/office/drawing/2014/main" id="{84F2F553-12CB-48EA-8691-660F5AAEC6FF}"/>
-                </a:ext>
-              </a:extLst>
-            </p:cNvPr>
-            <p:cNvSpPr txBox="1"/>
-            <p:nvPr/>
-          </p:nvSpPr>
-          <p:spPr>
-            <a:xfrm>
-              <a:off x="3997086" y="1756335"/>
-              <a:ext cx="4197831" cy="1200329"/>
-            </a:xfrm>
-            <a:prstGeom prst="rect">
-              <a:avLst/>
-            </a:prstGeom>
-            <a:noFill/>
-          </p:spPr>
-          <p:txBody>
-            <a:bodyPr wrap="square" rtlCol="0">
-              <a:spAutoFit/>
-            </a:bodyPr>
-            <a:lstStyle/>
-            <a:p>
-              <a:pPr marL="0" marR="0" lvl="0" indent="0" algn="ctr" defTabSz="914400" rtl="0" eaLnBrk="1" fontAlgn="auto" latinLnBrk="0" hangingPunct="1">
-                <a:lnSpc>
-                  <a:spcPct val="100000"/>
-                </a:lnSpc>
-                <a:spcBef>
-                  <a:spcPts val="0"/>
-                </a:spcBef>
-                <a:spcAft>
-                  <a:spcPts val="0"/>
-                </a:spcAft>
-                <a:buClrTx/>
-                <a:buSzTx/>
-                <a:buFontTx/>
-                <a:buNone/>
-                <a:tabLst/>
-                <a:defRPr/>
-              </a:pPr>
-              <a:r>
-                <a:rPr kumimoji="0" lang="en-US" altLang="zh-CN" sz="7200" b="1" u="none" strike="noStrike" kern="1200" cap="none" spc="0" normalizeH="0" baseline="0" noProof="0" dirty="0">
-                  <a:ln>
-                    <a:noFill/>
-                  </a:ln>
-                  <a:solidFill>
-                    <a:srgbClr val="D30F1B"/>
-                  </a:solidFill>
-                  <a:effectLst/>
-                  <a:uLnTx/>
-                  <a:uFillTx/>
-                  <a:latin typeface="微软雅黑" panose="020B0503020204020204" pitchFamily="34" charset="-122"/>
-                  <a:ea typeface="微软雅黑" panose="020B0503020204020204" pitchFamily="34" charset="-122"/>
-                  <a:sym typeface="Source Han Serif SC" panose="02020400000000000000" pitchFamily="18" charset="-122"/>
-                </a:rPr>
-                <a:t>PART 0</a:t>
-              </a:r>
-              <a:r>
-                <a:rPr kumimoji="0" lang="en-US" altLang="zh-TW" sz="7200" b="1" u="none" strike="noStrike" kern="1200" cap="none" spc="0" normalizeH="0" baseline="0" noProof="0" dirty="0">
-                  <a:ln>
-                    <a:noFill/>
-                  </a:ln>
-                  <a:solidFill>
-                    <a:srgbClr val="D30F1B"/>
-                  </a:solidFill>
-                  <a:effectLst/>
-                  <a:uLnTx/>
-                  <a:uFillTx/>
-                  <a:latin typeface="微软雅黑" panose="020B0503020204020204" pitchFamily="34" charset="-122"/>
-                  <a:ea typeface="微软雅黑" panose="020B0503020204020204" pitchFamily="34" charset="-122"/>
-                  <a:sym typeface="Source Han Serif SC" panose="02020400000000000000" pitchFamily="18" charset="-122"/>
-                </a:rPr>
-                <a:t>4</a:t>
-              </a:r>
-              <a:endParaRPr kumimoji="0" lang="zh-CN" altLang="en-US" sz="7200" b="1" u="none" strike="noStrike" kern="1200" cap="none" spc="0" normalizeH="0" baseline="0" noProof="0" dirty="0">
-                <a:ln>
-                  <a:noFill/>
-                </a:ln>
-                <a:solidFill>
-                  <a:srgbClr val="D30F1B"/>
-                </a:solidFill>
-                <a:effectLst/>
-                <a:uLnTx/>
-                <a:uFillTx/>
-                <a:latin typeface="微软雅黑" panose="020B0503020204020204" pitchFamily="34" charset="-122"/>
-                <a:ea typeface="微软雅黑" panose="020B0503020204020204" pitchFamily="34" charset="-122"/>
-                <a:sym typeface="Source Han Serif SC" panose="02020400000000000000" pitchFamily="18" charset="-122"/>
-              </a:endParaRPr>
-            </a:p>
-          </p:txBody>
-        </p:sp>
-        <p:sp>
-          <p:nvSpPr>
-            <p:cNvPr id="12" name="文本框 11">
-              <a:extLst>
-                <a:ext uri="{FF2B5EF4-FFF2-40B4-BE49-F238E27FC236}">
-                  <a16:creationId xmlns:a16="http://schemas.microsoft.com/office/drawing/2014/main" id="{39B546B5-5404-46B4-A47F-A3F5A7773AC7}"/>
-                </a:ext>
-              </a:extLst>
-            </p:cNvPr>
-            <p:cNvSpPr txBox="1"/>
-            <p:nvPr/>
-          </p:nvSpPr>
-          <p:spPr>
-            <a:xfrm>
-              <a:off x="3641207" y="3554824"/>
-              <a:ext cx="4875668" cy="538032"/>
-            </a:xfrm>
-            <a:prstGeom prst="rect">
-              <a:avLst/>
-            </a:prstGeom>
-            <a:noFill/>
-          </p:spPr>
-          <p:txBody>
-            <a:bodyPr wrap="square" rtlCol="0">
-              <a:spAutoFit/>
-            </a:bodyPr>
-            <a:lstStyle>
-              <a:defPPr>
-                <a:defRPr lang="zh-CN"/>
-              </a:defPPr>
-              <a:lvl1pPr algn="ctr">
-                <a:lnSpc>
-                  <a:spcPct val="70000"/>
-                </a:lnSpc>
-                <a:defRPr sz="5400" b="0" spc="800">
-                  <a:latin typeface="庞门正道标题体" panose="02010600030101010101" pitchFamily="2" charset="-122"/>
-                  <a:ea typeface="庞门正道标题体" panose="02010600030101010101" pitchFamily="2" charset="-122"/>
-                </a:defRPr>
-              </a:lvl1pPr>
-              <a:lvl2pPr>
-                <a:defRPr/>
-              </a:lvl2pPr>
-              <a:lvl3pPr>
-                <a:defRPr/>
-              </a:lvl3pPr>
-              <a:lvl4pPr>
-                <a:defRPr/>
-              </a:lvl4pPr>
-              <a:lvl5pPr>
-                <a:defRPr/>
-              </a:lvl5pPr>
-              <a:lvl6pPr>
-                <a:defRPr/>
-              </a:lvl6pPr>
-              <a:lvl7pPr>
-                <a:defRPr/>
-              </a:lvl7pPr>
-              <a:lvl8pPr>
-                <a:defRPr/>
-              </a:lvl8pPr>
-              <a:lvl9pPr>
-                <a:defRPr/>
-              </a:lvl9pPr>
-            </a:lstStyle>
-            <a:p>
-              <a:pPr marL="0" marR="0" lvl="0" indent="0" algn="ctr" defTabSz="914400" rtl="0" eaLnBrk="1" fontAlgn="auto" latinLnBrk="0" hangingPunct="1">
-                <a:lnSpc>
-                  <a:spcPct val="70000"/>
-                </a:lnSpc>
-                <a:spcBef>
-                  <a:spcPts val="0"/>
-                </a:spcBef>
-                <a:spcAft>
-                  <a:spcPts val="0"/>
-                </a:spcAft>
-                <a:buClrTx/>
-                <a:buSzTx/>
-                <a:buFontTx/>
-                <a:buNone/>
-                <a:tabLst/>
-                <a:defRPr/>
-              </a:pPr>
-              <a:r>
-                <a:rPr kumimoji="0" lang="zh-TW" altLang="en-US" sz="4000" b="0" i="0" u="none" strike="noStrike" kern="1200" cap="none" spc="800" normalizeH="0" baseline="0" noProof="0" dirty="0">
-                  <a:ln>
-                    <a:noFill/>
-                  </a:ln>
-                  <a:solidFill>
-                    <a:srgbClr val="0C3273"/>
-                  </a:solidFill>
-                  <a:effectLst/>
-                  <a:uLnTx/>
-                  <a:uFillTx/>
-                  <a:latin typeface="微软雅黑" panose="020B0503020204020204" pitchFamily="34" charset="-122"/>
-                  <a:ea typeface="微软雅黑" panose="020B0503020204020204" pitchFamily="34" charset="-122"/>
-                  <a:sym typeface="Source Han Serif SC" panose="02020400000000000000" pitchFamily="18" charset="-122"/>
-                </a:rPr>
-                <a:t>專題展示</a:t>
-              </a:r>
-              <a:endParaRPr kumimoji="0" lang="zh-CN" altLang="en-US" sz="4000" b="0" i="0" u="none" strike="noStrike" kern="1200" cap="none" spc="800" normalizeH="0" baseline="0" noProof="0" dirty="0">
-                <a:ln>
-                  <a:noFill/>
-                </a:ln>
-                <a:solidFill>
-                  <a:srgbClr val="0C3273"/>
-                </a:solidFill>
-                <a:effectLst/>
-                <a:uLnTx/>
-                <a:uFillTx/>
-                <a:latin typeface="微软雅黑" panose="020B0503020204020204" pitchFamily="34" charset="-122"/>
-                <a:ea typeface="微软雅黑" panose="020B0503020204020204" pitchFamily="34" charset="-122"/>
-                <a:sym typeface="Source Han Serif SC" panose="02020400000000000000" pitchFamily="18" charset="-122"/>
-              </a:endParaRPr>
-            </a:p>
-          </p:txBody>
-        </p:sp>
-      </p:grpSp>
-    </p:spTree>
-    <p:extLst>
-      <p:ext uri="{BB962C8B-B14F-4D97-AF65-F5344CB8AC3E}">
-        <p14:creationId xmlns:p14="http://schemas.microsoft.com/office/powerpoint/2010/main" val="1816044223"/>
-      </p:ext>
-    </p:extLst>
-  </p:cSld>
-  <p:clrMapOvr>
-    <a:masterClrMapping/>
-  </p:clrMapOvr>
-  <mc:AlternateContent xmlns:mc="http://schemas.openxmlformats.org/markup-compatibility/2006" xmlns:p14="http://schemas.microsoft.com/office/powerpoint/2010/main">
-    <mc:Choice Requires="p14">
-      <p:transition spd="slow" p14:dur="1250">
-        <p:split orient="vert"/>
-      </p:transition>
-    </mc:Choice>
-    <mc:Fallback xmlns="">
-      <p:transition spd="slow">
-        <p:split orient="vert"/>
-      </p:transition>
-    </mc:Fallback>
-  </mc:AlternateContent>
-  <p:timing>
-    <p:tnLst>
-      <p:par>
-        <p:cTn id="1" dur="indefinite" restart="never" nodeType="tmRoot">
-          <p:childTnLst>
-            <p:seq concurrent="1" nextAc="seek">
-              <p:cTn id="2" dur="indefinite" nodeType="mainSeq">
-                <p:childTnLst>
-                  <p:par>
-                    <p:cTn id="3" fill="hold">
-                      <p:stCondLst>
-                        <p:cond delay="indefinite"/>
-                        <p:cond evt="onBegin" delay="0">
-                          <p:tn val="2"/>
-                        </p:cond>
-                      </p:stCondLst>
-                      <p:childTnLst>
-                        <p:par>
-                          <p:cTn id="4" fill="hold">
-                            <p:stCondLst>
-                              <p:cond delay="0"/>
-                            </p:stCondLst>
-                            <p:childTnLst>
-                              <p:par>
-                                <p:cTn id="5" presetID="22" presetClass="entr" presetSubtype="4" fill="hold" nodeType="afterEffect">
-                                  <p:stCondLst>
-                                    <p:cond delay="0"/>
-                                  </p:stCondLst>
-                                  <p:childTnLst>
-                                    <p:set>
-                                      <p:cBhvr>
-                                        <p:cTn id="6" dur="1" fill="hold">
-                                          <p:stCondLst>
-                                            <p:cond delay="0"/>
-                                          </p:stCondLst>
-                                        </p:cTn>
-                                        <p:tgtEl>
-                                          <p:spTgt spid="11"/>
-                                        </p:tgtEl>
-                                        <p:attrNameLst>
-                                          <p:attrName>style.visibility</p:attrName>
-                                        </p:attrNameLst>
-                                      </p:cBhvr>
-                                      <p:to>
-                                        <p:strVal val="visible"/>
-                                      </p:to>
-                                    </p:set>
-                                    <p:animEffect transition="in" filter="wipe(down)">
-                                      <p:cBhvr>
-                                        <p:cTn id="7" dur="500"/>
-                                        <p:tgtEl>
-                                          <p:spTgt spid="11"/>
-                                        </p:tgtEl>
-                                      </p:cBhvr>
-                                    </p:animEffect>
-                                  </p:childTnLst>
-                                </p:cTn>
-                              </p:par>
-                            </p:childTnLst>
-                          </p:cTn>
-                        </p:par>
-                        <p:par>
-                          <p:cTn id="8" fill="hold">
-                            <p:stCondLst>
-                              <p:cond delay="500"/>
-                            </p:stCondLst>
-                            <p:childTnLst>
-                              <p:par>
-                                <p:cTn id="9" presetID="22" presetClass="entr" presetSubtype="4" fill="hold" nodeType="afterEffect">
-                                  <p:stCondLst>
-                                    <p:cond delay="0"/>
-                                  </p:stCondLst>
-                                  <p:childTnLst>
-                                    <p:set>
-                                      <p:cBhvr>
-                                        <p:cTn id="10" dur="1" fill="hold">
-                                          <p:stCondLst>
-                                            <p:cond delay="0"/>
-                                          </p:stCondLst>
-                                        </p:cTn>
-                                        <p:tgtEl>
-                                          <p:spTgt spid="2"/>
-                                        </p:tgtEl>
-                                        <p:attrNameLst>
-                                          <p:attrName>style.visibility</p:attrName>
-                                        </p:attrNameLst>
-                                      </p:cBhvr>
-                                      <p:to>
-                                        <p:strVal val="visible"/>
-                                      </p:to>
-                                    </p:set>
-                                    <p:animEffect transition="in" filter="wipe(down)">
-                                      <p:cBhvr>
-                                        <p:cTn id="11" dur="500"/>
-                                        <p:tgtEl>
-                                          <p:spTgt spid="2"/>
-                                        </p:tgtEl>
-                                      </p:cBhvr>
-                                    </p:animEffect>
-                                  </p:childTnLst>
-                                </p:cTn>
-                              </p:par>
-                            </p:childTnLst>
-                          </p:cTn>
-                        </p:par>
-                      </p:childTnLst>
-                    </p:cTn>
-                  </p:par>
-                </p:childTnLst>
-              </p:cTn>
-              <p:prevCondLst>
-                <p:cond evt="onPrev" delay="0">
-                  <p:tgtEl>
-                    <p:sldTgt/>
-                  </p:tgtEl>
-                </p:cond>
-              </p:prevCondLst>
-              <p:nextCondLst>
-                <p:cond evt="onNext" delay="0">
-                  <p:tgtEl>
-                    <p:sldTgt/>
-                  </p:tgtEl>
-                </p:cond>
-              </p:nextCondLst>
-            </p:seq>
-          </p:childTnLst>
-        </p:cTn>
-      </p:par>
-    </p:tnLst>
-  </p:timing>
-</p:sld>
-</file>
-
 <file path=ppt/slides/slide18.xml><?xml version="1.0" encoding="utf-8"?>
 <p:sld xmlns:a="http://schemas.openxmlformats.org/drawingml/2006/main" xmlns:r="http://schemas.openxmlformats.org/officeDocument/2006/relationships" xmlns:p="http://schemas.openxmlformats.org/presentationml/2006/main">
   <p:cSld>
@@ -18677,10 +18451,10 @@
       </p:grpSpPr>
       <p:grpSp>
         <p:nvGrpSpPr>
-          <p:cNvPr id="29" name="组合 28">
+          <p:cNvPr id="28" name="组合 27">
             <a:extLst>
               <a:ext uri="{FF2B5EF4-FFF2-40B4-BE49-F238E27FC236}">
-                <a16:creationId xmlns:a16="http://schemas.microsoft.com/office/drawing/2014/main" id="{830BB4F5-72B3-4093-A48E-B46C6BF0CD75}"/>
+                <a16:creationId xmlns:a16="http://schemas.microsoft.com/office/drawing/2014/main" id="{9A6519C1-592C-4F41-8FF6-5B21345A0303}"/>
               </a:ext>
             </a:extLst>
           </p:cNvPr>
@@ -18689,18 +18463,18 @@
         </p:nvGrpSpPr>
         <p:grpSpPr>
           <a:xfrm>
-            <a:off x="670943" y="424098"/>
-            <a:ext cx="3846466" cy="519486"/>
-            <a:chOff x="670943" y="424098"/>
-            <a:chExt cx="3846466" cy="519486"/>
+            <a:off x="670943" y="419918"/>
+            <a:ext cx="4220653" cy="519486"/>
+            <a:chOff x="670943" y="419918"/>
+            <a:chExt cx="4220653" cy="519486"/>
           </a:xfrm>
         </p:grpSpPr>
         <p:sp>
           <p:nvSpPr>
-            <p:cNvPr id="32" name="KSO_Shape">
+            <p:cNvPr id="29" name="KSO_Shape">
               <a:extLst>
                 <a:ext uri="{FF2B5EF4-FFF2-40B4-BE49-F238E27FC236}">
-                  <a16:creationId xmlns:a16="http://schemas.microsoft.com/office/drawing/2014/main" id="{A082B060-542B-4F05-8F9B-D6BBFFB1B4B4}"/>
+                  <a16:creationId xmlns:a16="http://schemas.microsoft.com/office/drawing/2014/main" id="{EDD638DD-2B45-488B-B26D-B153EBD1D659}"/>
                 </a:ext>
               </a:extLst>
             </p:cNvPr>
@@ -18917,10 +18691,10 @@
         </p:sp>
         <p:sp>
           <p:nvSpPr>
-            <p:cNvPr id="35" name="文本框 2">
+            <p:cNvPr id="30" name="文本框 2">
               <a:extLst>
                 <a:ext uri="{FF2B5EF4-FFF2-40B4-BE49-F238E27FC236}">
-                  <a16:creationId xmlns:a16="http://schemas.microsoft.com/office/drawing/2014/main" id="{89BEB4D1-54CB-46EF-93E3-36FF12A293AE}"/>
+                  <a16:creationId xmlns:a16="http://schemas.microsoft.com/office/drawing/2014/main" id="{63435F3A-CE3C-4372-AF6D-D929162E4A12}"/>
                 </a:ext>
               </a:extLst>
             </p:cNvPr>
@@ -18929,8 +18703,8 @@
           </p:nvSpPr>
           <p:spPr>
             <a:xfrm>
-              <a:off x="1259673" y="424098"/>
-              <a:ext cx="3257736" cy="519486"/>
+              <a:off x="1283900" y="419918"/>
+              <a:ext cx="3607696" cy="519486"/>
             </a:xfrm>
             <a:prstGeom prst="rect">
               <a:avLst/>
@@ -18965,15 +18739,8 @@
                 </a:spcAft>
               </a:pPr>
               <a:r>
-                <a:rPr lang="zh-TW" altLang="en-US" sz="2800" dirty="0">
-                  <a:solidFill>
-                    <a:schemeClr val="accent2"/>
-                  </a:solidFill>
-                  <a:latin typeface="微软雅黑" panose="020B0503020204020204" pitchFamily="34" charset="-122"/>
-                  <a:ea typeface="微软雅黑" panose="020B0503020204020204" pitchFamily="34" charset="-122"/>
-                  <a:sym typeface="Source Han Serif SC" panose="02020400000000000000" pitchFamily="18" charset="-122"/>
-                </a:rPr>
-                <a:t>首頁</a:t>
+                <a:rPr lang="zh-TW" altLang="en-US" sz="2800" dirty="0"/>
+                <a:t>系統狀態能見度</a:t>
               </a:r>
               <a:endParaRPr lang="en-US" altLang="zh-CN" sz="2800" dirty="0">
                 <a:solidFill>
@@ -18987,46 +18754,141 @@
           </p:txBody>
         </p:sp>
       </p:grpSp>
-      <p:pic>
-        <p:nvPicPr>
-          <p:cNvPr id="8" name="圖片 7">
+      <p:sp>
+        <p:nvSpPr>
+          <p:cNvPr id="25" name="文字方塊 24">
             <a:extLst>
               <a:ext uri="{FF2B5EF4-FFF2-40B4-BE49-F238E27FC236}">
-                <a16:creationId xmlns:a16="http://schemas.microsoft.com/office/drawing/2014/main" id="{FEA43E42-BA3F-4A73-A8F0-0DE96B6D9DAB}"/>
+                <a16:creationId xmlns:a16="http://schemas.microsoft.com/office/drawing/2014/main" id="{9970EC2F-D62D-4E8B-942E-E1DADF57D979}"/>
               </a:ext>
             </a:extLst>
           </p:cNvPr>
-          <p:cNvPicPr>
-            <a:picLocks noChangeAspect="1"/>
-          </p:cNvPicPr>
+          <p:cNvSpPr txBox="1"/>
           <p:nvPr/>
-        </p:nvPicPr>
-        <p:blipFill>
-          <a:blip r:embed="rId3">
-            <a:extLst>
-              <a:ext uri="{28A0092B-C50C-407E-A947-70E740481C1C}">
-                <a14:useLocalDpi xmlns:a14="http://schemas.microsoft.com/office/drawing/2010/main" val="0"/>
-              </a:ext>
-            </a:extLst>
-          </a:blip>
-          <a:stretch>
-            <a:fillRect/>
-          </a:stretch>
-        </p:blipFill>
+        </p:nvSpPr>
         <p:spPr>
           <a:xfrm>
-            <a:off x="1747776" y="1332450"/>
-            <a:ext cx="8958805" cy="4383599"/>
+            <a:off x="936663" y="1536174"/>
+            <a:ext cx="8905002" cy="2554545"/>
           </a:xfrm>
           <a:prstGeom prst="rect">
             <a:avLst/>
           </a:prstGeom>
+          <a:noFill/>
         </p:spPr>
-      </p:pic>
+        <p:txBody>
+          <a:bodyPr wrap="none" rtlCol="0">
+            <a:spAutoFit/>
+          </a:bodyPr>
+          <a:lstStyle/>
+          <a:p>
+            <a:pPr>
+              <a:buSzPct val="100000"/>
+            </a:pPr>
+            <a:r>
+              <a:rPr lang="zh-TW" altLang="en-US" sz="2000" b="1" dirty="0">
+                <a:latin typeface="微軟正黑體" panose="020B0604030504040204" pitchFamily="34" charset="-120"/>
+                <a:ea typeface="微軟正黑體" panose="020B0604030504040204" pitchFamily="34" charset="-120"/>
+              </a:rPr>
+              <a:t>問題：</a:t>
+            </a:r>
+            <a:r>
+              <a:rPr lang="zh-TW" altLang="en-US" sz="2000" dirty="0"/>
+              <a:t>有時候點選按鈕時並不是特別的明顯及沒有進行碰到按鈕時的視覺回饋</a:t>
+            </a:r>
+            <a:endParaRPr lang="en-US" altLang="zh-TW" sz="2000" dirty="0">
+              <a:latin typeface="微軟正黑體" panose="020B0604030504040204" pitchFamily="34" charset="-120"/>
+              <a:ea typeface="微軟正黑體" panose="020B0604030504040204" pitchFamily="34" charset="-120"/>
+            </a:endParaRPr>
+          </a:p>
+          <a:p>
+            <a:pPr>
+              <a:buSzPct val="100000"/>
+            </a:pPr>
+            <a:endParaRPr lang="en-US" altLang="zh-TW" sz="2000" dirty="0">
+              <a:latin typeface="微軟正黑體" panose="020B0604030504040204" pitchFamily="34" charset="-120"/>
+              <a:ea typeface="微軟正黑體" panose="020B0604030504040204" pitchFamily="34" charset="-120"/>
+            </a:endParaRPr>
+          </a:p>
+          <a:p>
+            <a:pPr>
+              <a:buSzPct val="100000"/>
+            </a:pPr>
+            <a:endParaRPr lang="en-US" altLang="zh-TW" sz="2000" dirty="0">
+              <a:latin typeface="微軟正黑體" panose="020B0604030504040204" pitchFamily="34" charset="-120"/>
+              <a:ea typeface="微軟正黑體" panose="020B0604030504040204" pitchFamily="34" charset="-120"/>
+            </a:endParaRPr>
+          </a:p>
+          <a:p>
+            <a:pPr>
+              <a:buSzPct val="100000"/>
+            </a:pPr>
+            <a:endParaRPr lang="en-US" altLang="zh-TW" sz="2000" dirty="0">
+              <a:latin typeface="微軟正黑體" panose="020B0604030504040204" pitchFamily="34" charset="-120"/>
+              <a:ea typeface="微軟正黑體" panose="020B0604030504040204" pitchFamily="34" charset="-120"/>
+            </a:endParaRPr>
+          </a:p>
+          <a:p>
+            <a:pPr>
+              <a:buSzPct val="100000"/>
+            </a:pPr>
+            <a:endParaRPr lang="en-US" altLang="zh-TW" sz="2000" dirty="0">
+              <a:latin typeface="微軟正黑體" panose="020B0604030504040204" pitchFamily="34" charset="-120"/>
+              <a:ea typeface="微軟正黑體" panose="020B0604030504040204" pitchFamily="34" charset="-120"/>
+            </a:endParaRPr>
+          </a:p>
+          <a:p>
+            <a:pPr>
+              <a:buSzPct val="100000"/>
+            </a:pPr>
+            <a:endParaRPr lang="en-US" altLang="zh-TW" sz="2000" dirty="0">
+              <a:latin typeface="微軟正黑體" panose="020B0604030504040204" pitchFamily="34" charset="-120"/>
+              <a:ea typeface="微軟正黑體" panose="020B0604030504040204" pitchFamily="34" charset="-120"/>
+            </a:endParaRPr>
+          </a:p>
+          <a:p>
+            <a:pPr>
+              <a:buSzPct val="100000"/>
+            </a:pPr>
+            <a:endParaRPr lang="en-US" altLang="zh-TW" sz="2000" dirty="0">
+              <a:latin typeface="微軟正黑體" panose="020B0604030504040204" pitchFamily="34" charset="-120"/>
+              <a:ea typeface="微軟正黑體" panose="020B0604030504040204" pitchFamily="34" charset="-120"/>
+            </a:endParaRPr>
+          </a:p>
+          <a:p>
+            <a:pPr>
+              <a:buSzPct val="100000"/>
+            </a:pPr>
+            <a:r>
+              <a:rPr lang="zh-TW" altLang="en-US" sz="2000" b="1" dirty="0">
+                <a:latin typeface="微軟正黑體" panose="020B0604030504040204" pitchFamily="34" charset="-120"/>
+                <a:ea typeface="微軟正黑體" panose="020B0604030504040204" pitchFamily="34" charset="-120"/>
+              </a:rPr>
+              <a:t>解決方式：</a:t>
+            </a:r>
+            <a:r>
+              <a:rPr lang="zh-TW" altLang="en-US" sz="2000" dirty="0"/>
+              <a:t>當滑鼠觸碰到按鈕或圖片時，能夠進行</a:t>
+            </a:r>
+            <a:r>
+              <a:rPr lang="en-US" altLang="zh-TW" sz="2000" dirty="0" err="1"/>
+              <a:t>Havor</a:t>
+            </a:r>
+            <a:r>
+              <a:rPr lang="zh-TW" altLang="en-US" sz="2000" dirty="0"/>
+              <a:t>的發生。</a:t>
+            </a:r>
+            <a:endParaRPr lang="en-US" altLang="zh-TW" sz="2000" b="1" dirty="0">
+              <a:latin typeface="微軟正黑體" panose="020B0604030504040204" pitchFamily="34" charset="-120"/>
+              <a:ea typeface="微軟正黑體" panose="020B0604030504040204" pitchFamily="34" charset="-120"/>
+            </a:endParaRPr>
+          </a:p>
+        </p:txBody>
+      </p:sp>
     </p:spTree>
     <p:extLst>
       <p:ext uri="{BB962C8B-B14F-4D97-AF65-F5344CB8AC3E}">
-        <p14:creationId xmlns:p14="http://schemas.microsoft.com/office/powerpoint/2010/main" val="2107349133"/>
+        <p14:creationId xmlns:p14="http://schemas.microsoft.com/office/powerpoint/2010/main" val="2460895335"/>
       </p:ext>
     </p:extLst>
   </p:cSld>
@@ -19067,10 +18929,10 @@
       </p:grpSpPr>
       <p:grpSp>
         <p:nvGrpSpPr>
-          <p:cNvPr id="29" name="组合 28">
+          <p:cNvPr id="28" name="组合 27">
             <a:extLst>
               <a:ext uri="{FF2B5EF4-FFF2-40B4-BE49-F238E27FC236}">
-                <a16:creationId xmlns:a16="http://schemas.microsoft.com/office/drawing/2014/main" id="{830BB4F5-72B3-4093-A48E-B46C6BF0CD75}"/>
+                <a16:creationId xmlns:a16="http://schemas.microsoft.com/office/drawing/2014/main" id="{9A6519C1-592C-4F41-8FF6-5B21345A0303}"/>
               </a:ext>
             </a:extLst>
           </p:cNvPr>
@@ -19079,18 +18941,18 @@
         </p:nvGrpSpPr>
         <p:grpSpPr>
           <a:xfrm>
-            <a:off x="670943" y="424098"/>
-            <a:ext cx="3846466" cy="519486"/>
-            <a:chOff x="670943" y="424098"/>
-            <a:chExt cx="3846466" cy="519486"/>
+            <a:off x="670943" y="372784"/>
+            <a:ext cx="4220653" cy="519486"/>
+            <a:chOff x="670943" y="419918"/>
+            <a:chExt cx="4220653" cy="519486"/>
           </a:xfrm>
         </p:grpSpPr>
         <p:sp>
           <p:nvSpPr>
-            <p:cNvPr id="32" name="KSO_Shape">
+            <p:cNvPr id="29" name="KSO_Shape">
               <a:extLst>
                 <a:ext uri="{FF2B5EF4-FFF2-40B4-BE49-F238E27FC236}">
-                  <a16:creationId xmlns:a16="http://schemas.microsoft.com/office/drawing/2014/main" id="{A082B060-542B-4F05-8F9B-D6BBFFB1B4B4}"/>
+                  <a16:creationId xmlns:a16="http://schemas.microsoft.com/office/drawing/2014/main" id="{EDD638DD-2B45-488B-B26D-B153EBD1D659}"/>
                 </a:ext>
               </a:extLst>
             </p:cNvPr>
@@ -19307,10 +19169,10 @@
         </p:sp>
         <p:sp>
           <p:nvSpPr>
-            <p:cNvPr id="35" name="文本框 2">
+            <p:cNvPr id="30" name="文本框 2">
               <a:extLst>
                 <a:ext uri="{FF2B5EF4-FFF2-40B4-BE49-F238E27FC236}">
-                  <a16:creationId xmlns:a16="http://schemas.microsoft.com/office/drawing/2014/main" id="{89BEB4D1-54CB-46EF-93E3-36FF12A293AE}"/>
+                  <a16:creationId xmlns:a16="http://schemas.microsoft.com/office/drawing/2014/main" id="{63435F3A-CE3C-4372-AF6D-D929162E4A12}"/>
                 </a:ext>
               </a:extLst>
             </p:cNvPr>
@@ -19319,8 +19181,8 @@
           </p:nvSpPr>
           <p:spPr>
             <a:xfrm>
-              <a:off x="1259673" y="424098"/>
-              <a:ext cx="3257736" cy="519486"/>
+              <a:off x="1283900" y="419918"/>
+              <a:ext cx="3607696" cy="519486"/>
             </a:xfrm>
             <a:prstGeom prst="rect">
               <a:avLst/>
@@ -19355,15 +19217,8 @@
                 </a:spcAft>
               </a:pPr>
               <a:r>
-                <a:rPr lang="zh-TW" altLang="en-US" sz="2800" dirty="0">
-                  <a:solidFill>
-                    <a:schemeClr val="accent2"/>
-                  </a:solidFill>
-                  <a:latin typeface="微软雅黑" panose="020B0503020204020204" pitchFamily="34" charset="-122"/>
-                  <a:ea typeface="微软雅黑" panose="020B0503020204020204" pitchFamily="34" charset="-122"/>
-                  <a:sym typeface="Source Han Serif SC" panose="02020400000000000000" pitchFamily="18" charset="-122"/>
-                </a:rPr>
-                <a:t>門市商品</a:t>
+                <a:rPr lang="zh-TW" altLang="en-US" sz="2800" dirty="0"/>
+                <a:t>一致性與標準性</a:t>
               </a:r>
               <a:endParaRPr lang="en-US" altLang="zh-CN" sz="2800" dirty="0">
                 <a:solidFill>
@@ -19377,103 +19232,147 @@
           </p:txBody>
         </p:sp>
       </p:grpSp>
-      <p:grpSp>
-        <p:nvGrpSpPr>
-          <p:cNvPr id="6" name="群組 5">
+      <p:sp>
+        <p:nvSpPr>
+          <p:cNvPr id="25" name="文字方塊 24">
             <a:extLst>
               <a:ext uri="{FF2B5EF4-FFF2-40B4-BE49-F238E27FC236}">
-                <a16:creationId xmlns:a16="http://schemas.microsoft.com/office/drawing/2014/main" id="{8DBBBC48-6120-4080-9CCE-5C0C18F7A08D}"/>
+                <a16:creationId xmlns:a16="http://schemas.microsoft.com/office/drawing/2014/main" id="{9970EC2F-D62D-4E8B-942E-E1DADF57D979}"/>
               </a:ext>
             </a:extLst>
           </p:cNvPr>
-          <p:cNvGrpSpPr/>
+          <p:cNvSpPr txBox="1"/>
           <p:nvPr/>
-        </p:nvGrpSpPr>
-        <p:grpSpPr>
+        </p:nvSpPr>
+        <p:spPr>
           <a:xfrm>
-            <a:off x="1747777" y="943584"/>
-            <a:ext cx="8958806" cy="5540172"/>
-            <a:chOff x="2472678" y="840984"/>
-            <a:chExt cx="8770197" cy="5683879"/>
+            <a:off x="887848" y="1547187"/>
+            <a:ext cx="11328742" cy="2554545"/>
           </a:xfrm>
-        </p:grpSpPr>
-        <p:pic>
-          <p:nvPicPr>
-            <p:cNvPr id="7" name="圖片 6">
-              <a:extLst>
-                <a:ext uri="{FF2B5EF4-FFF2-40B4-BE49-F238E27FC236}">
-                  <a16:creationId xmlns:a16="http://schemas.microsoft.com/office/drawing/2014/main" id="{9CCC07AA-FB4D-4BAA-8F23-AF073BF08134}"/>
-                </a:ext>
-              </a:extLst>
-            </p:cNvPr>
-            <p:cNvPicPr>
-              <a:picLocks noChangeAspect="1"/>
-            </p:cNvPicPr>
-            <p:nvPr/>
-          </p:nvPicPr>
-          <p:blipFill>
-            <a:blip r:embed="rId3">
-              <a:extLst>
-                <a:ext uri="{28A0092B-C50C-407E-A947-70E740481C1C}">
-                  <a14:useLocalDpi xmlns:a14="http://schemas.microsoft.com/office/drawing/2010/main" val="0"/>
-                </a:ext>
-              </a:extLst>
-            </a:blip>
-            <a:stretch>
-              <a:fillRect/>
-            </a:stretch>
-          </p:blipFill>
-          <p:spPr>
-            <a:xfrm>
-              <a:off x="2472678" y="840984"/>
-              <a:ext cx="8770197" cy="3707801"/>
-            </a:xfrm>
-            <a:prstGeom prst="rect">
-              <a:avLst/>
-            </a:prstGeom>
-          </p:spPr>
-        </p:pic>
-        <p:pic>
-          <p:nvPicPr>
-            <p:cNvPr id="8" name="圖片 7">
-              <a:extLst>
-                <a:ext uri="{FF2B5EF4-FFF2-40B4-BE49-F238E27FC236}">
-                  <a16:creationId xmlns:a16="http://schemas.microsoft.com/office/drawing/2014/main" id="{436BECC3-157C-476D-96DE-FE7EDD29664A}"/>
-                </a:ext>
-              </a:extLst>
-            </p:cNvPr>
-            <p:cNvPicPr>
-              <a:picLocks noChangeAspect="1"/>
-            </p:cNvPicPr>
-            <p:nvPr/>
-          </p:nvPicPr>
-          <p:blipFill>
-            <a:blip r:embed="rId4">
-              <a:extLst>
-                <a:ext uri="{28A0092B-C50C-407E-A947-70E740481C1C}">
-                  <a14:useLocalDpi xmlns:a14="http://schemas.microsoft.com/office/drawing/2010/main" val="0"/>
-                </a:ext>
-              </a:extLst>
-            </a:blip>
-            <a:stretch>
-              <a:fillRect/>
-            </a:stretch>
-          </p:blipFill>
-          <p:spPr>
-            <a:xfrm>
-              <a:off x="2472679" y="4436281"/>
-              <a:ext cx="8770196" cy="2088582"/>
-            </a:xfrm>
-            <a:prstGeom prst="rect">
-              <a:avLst/>
-            </a:prstGeom>
-          </p:spPr>
-        </p:pic>
-      </p:grpSp>
+          <a:prstGeom prst="rect">
+            <a:avLst/>
+          </a:prstGeom>
+          <a:noFill/>
+        </p:spPr>
+        <p:txBody>
+          <a:bodyPr wrap="none" rtlCol="0">
+            <a:spAutoFit/>
+          </a:bodyPr>
+          <a:lstStyle/>
+          <a:p>
+            <a:pPr>
+              <a:buSzPct val="100000"/>
+            </a:pPr>
+            <a:r>
+              <a:rPr lang="zh-TW" altLang="en-US" sz="2000" b="1" dirty="0">
+                <a:latin typeface="微軟正黑體" panose="020B0604030504040204" pitchFamily="34" charset="-120"/>
+                <a:ea typeface="微軟正黑體" panose="020B0604030504040204" pitchFamily="34" charset="-120"/>
+              </a:rPr>
+              <a:t>問題</a:t>
+            </a:r>
+            <a:r>
+              <a:rPr lang="zh-TW" altLang="en-US" sz="2000" b="1" dirty="0"/>
+              <a:t>： </a:t>
+            </a:r>
+            <a:r>
+              <a:rPr lang="zh-TW" altLang="en-US" sz="2000" dirty="0"/>
+              <a:t>不同分頁中背景顏色、圖示按鈕大小及位置、 文字大小及字體皆有差異，導致使用者觀感不</a:t>
+            </a:r>
+            <a:endParaRPr lang="en-US" altLang="zh-TW" sz="2000" dirty="0"/>
+          </a:p>
+          <a:p>
+            <a:pPr>
+              <a:buSzPct val="100000"/>
+            </a:pPr>
+            <a:r>
+              <a:rPr lang="zh-TW" altLang="en-US" sz="2000" dirty="0"/>
+              <a:t>              佳，容易在使用上感到不適或是誤解。 </a:t>
+            </a:r>
+            <a:endParaRPr lang="en-US" altLang="zh-TW" sz="2000" dirty="0">
+              <a:latin typeface="微軟正黑體" panose="020B0604030504040204" pitchFamily="34" charset="-120"/>
+              <a:ea typeface="微軟正黑體" panose="020B0604030504040204" pitchFamily="34" charset="-120"/>
+            </a:endParaRPr>
+          </a:p>
+          <a:p>
+            <a:pPr>
+              <a:buSzPct val="100000"/>
+            </a:pPr>
+            <a:endParaRPr lang="en-US" altLang="zh-TW" sz="2000" b="1" dirty="0"/>
+          </a:p>
+          <a:p>
+            <a:pPr>
+              <a:buSzPct val="100000"/>
+            </a:pPr>
+            <a:endParaRPr lang="en-US" altLang="zh-TW" sz="2000" b="1" dirty="0"/>
+          </a:p>
+          <a:p>
+            <a:pPr>
+              <a:buSzPct val="100000"/>
+            </a:pPr>
+            <a:endParaRPr lang="en-US" altLang="zh-TW" sz="2000" b="1" dirty="0"/>
+          </a:p>
+          <a:p>
+            <a:pPr>
+              <a:buSzPct val="100000"/>
+            </a:pPr>
+            <a:endParaRPr lang="en-US" altLang="zh-TW" sz="2000" b="1" dirty="0"/>
+          </a:p>
+          <a:p>
+            <a:pPr>
+              <a:buSzPct val="100000"/>
+            </a:pPr>
+            <a:endParaRPr lang="en-US" altLang="zh-TW" sz="2000" b="1" dirty="0"/>
+          </a:p>
+          <a:p>
+            <a:pPr>
+              <a:buSzPct val="100000"/>
+            </a:pPr>
+            <a:r>
+              <a:rPr lang="zh-TW" altLang="en-US" sz="2000" b="1" dirty="0">
+                <a:latin typeface="微軟正黑體" panose="020B0604030504040204" pitchFamily="34" charset="-120"/>
+                <a:ea typeface="微軟正黑體" panose="020B0604030504040204" pitchFamily="34" charset="-120"/>
+              </a:rPr>
+              <a:t>解決方法：</a:t>
+            </a:r>
+            <a:r>
+              <a:rPr lang="zh-TW" altLang="en-US" sz="2000" dirty="0"/>
+              <a:t>使用統一</a:t>
+            </a:r>
+            <a:r>
+              <a:rPr lang="en-US" altLang="zh-TW" sz="2000" dirty="0"/>
+              <a:t>CSS</a:t>
+            </a:r>
+            <a:r>
+              <a:rPr lang="zh-TW" altLang="en-US" sz="2000" dirty="0"/>
+              <a:t>的</a:t>
+            </a:r>
+            <a:r>
+              <a:rPr lang="en-US" altLang="zh-TW" sz="2000" dirty="0"/>
+              <a:t>Header</a:t>
+            </a:r>
+            <a:r>
+              <a:rPr lang="zh-TW" altLang="en-US" sz="2000" dirty="0"/>
+              <a:t>及限定</a:t>
+            </a:r>
+            <a:r>
+              <a:rPr lang="en-US" altLang="zh-TW" sz="2000" dirty="0"/>
+              <a:t>2~3</a:t>
+            </a:r>
+            <a:r>
+              <a:rPr lang="zh-TW" altLang="en-US" sz="2000" dirty="0"/>
+              <a:t>種顏色及字體，再根據重要程度分配。</a:t>
+            </a:r>
+            <a:endParaRPr lang="en-US" altLang="zh-TW" sz="2000" dirty="0">
+              <a:latin typeface="微軟正黑體" panose="020B0604030504040204" pitchFamily="34" charset="-120"/>
+              <a:ea typeface="微軟正黑體" panose="020B0604030504040204" pitchFamily="34" charset="-120"/>
+            </a:endParaRPr>
+          </a:p>
+        </p:txBody>
+      </p:sp>
     </p:spTree>
     <p:extLst>
       <p:ext uri="{BB962C8B-B14F-4D97-AF65-F5344CB8AC3E}">
-        <p14:creationId xmlns:p14="http://schemas.microsoft.com/office/powerpoint/2010/main" val="319890894"/>
+        <p14:creationId xmlns:p14="http://schemas.microsoft.com/office/powerpoint/2010/main" val="265275918"/>
       </p:ext>
     </p:extLst>
   </p:cSld>
@@ -20849,6 +20748,3814 @@
       </p:grpSpPr>
       <p:grpSp>
         <p:nvGrpSpPr>
+          <p:cNvPr id="28" name="组合 27">
+            <a:extLst>
+              <a:ext uri="{FF2B5EF4-FFF2-40B4-BE49-F238E27FC236}">
+                <a16:creationId xmlns:a16="http://schemas.microsoft.com/office/drawing/2014/main" id="{9A6519C1-592C-4F41-8FF6-5B21345A0303}"/>
+              </a:ext>
+            </a:extLst>
+          </p:cNvPr>
+          <p:cNvGrpSpPr/>
+          <p:nvPr/>
+        </p:nvGrpSpPr>
+        <p:grpSpPr>
+          <a:xfrm>
+            <a:off x="670943" y="419918"/>
+            <a:ext cx="4220653" cy="519486"/>
+            <a:chOff x="670943" y="419918"/>
+            <a:chExt cx="4220653" cy="519486"/>
+          </a:xfrm>
+        </p:grpSpPr>
+        <p:sp>
+          <p:nvSpPr>
+            <p:cNvPr id="29" name="KSO_Shape">
+              <a:extLst>
+                <a:ext uri="{FF2B5EF4-FFF2-40B4-BE49-F238E27FC236}">
+                  <a16:creationId xmlns:a16="http://schemas.microsoft.com/office/drawing/2014/main" id="{EDD638DD-2B45-488B-B26D-B153EBD1D659}"/>
+                </a:ext>
+              </a:extLst>
+            </p:cNvPr>
+            <p:cNvSpPr>
+              <a:spLocks noChangeAspect="1"/>
+            </p:cNvSpPr>
+            <p:nvPr/>
+          </p:nvSpPr>
+          <p:spPr>
+            <a:xfrm rot="5400000">
+              <a:off x="647826" y="539879"/>
+              <a:ext cx="334159" cy="287925"/>
+            </a:xfrm>
+            <a:custGeom>
+              <a:avLst/>
+              <a:gdLst/>
+              <a:ahLst/>
+              <a:cxnLst/>
+              <a:rect l="l" t="t" r="r" b="b"/>
+              <a:pathLst>
+                <a:path w="751403" h="647761">
+                  <a:moveTo>
+                    <a:pt x="375702" y="0"/>
+                  </a:moveTo>
+                  <a:lnTo>
+                    <a:pt x="751403" y="647761"/>
+                  </a:lnTo>
+                  <a:lnTo>
+                    <a:pt x="745416" y="647761"/>
+                  </a:lnTo>
+                  <a:lnTo>
+                    <a:pt x="375702" y="432047"/>
+                  </a:lnTo>
+                  <a:lnTo>
+                    <a:pt x="5987" y="647761"/>
+                  </a:lnTo>
+                  <a:lnTo>
+                    <a:pt x="0" y="647761"/>
+                  </a:lnTo>
+                  <a:close/>
+                </a:path>
+              </a:pathLst>
+            </a:custGeom>
+            <a:solidFill>
+              <a:schemeClr val="accent6"/>
+            </a:solidFill>
+            <a:ln>
+              <a:noFill/>
+            </a:ln>
+          </p:spPr>
+          <p:style>
+            <a:lnRef idx="2">
+              <a:schemeClr val="accent1">
+                <a:shade val="50000"/>
+              </a:schemeClr>
+            </a:lnRef>
+            <a:fillRef idx="1">
+              <a:schemeClr val="accent1"/>
+            </a:fillRef>
+            <a:effectRef idx="0">
+              <a:schemeClr val="accent1"/>
+            </a:effectRef>
+            <a:fontRef idx="minor">
+              <a:schemeClr val="lt1"/>
+            </a:fontRef>
+          </p:style>
+          <p:txBody>
+            <a:bodyPr anchor="ctr"/>
+            <a:lstStyle>
+              <a:defPPr>
+                <a:defRPr lang="zh-CN"/>
+              </a:defPPr>
+              <a:lvl1pPr algn="l" rtl="0" eaLnBrk="0" fontAlgn="base" hangingPunct="0">
+                <a:spcBef>
+                  <a:spcPct val="0"/>
+                </a:spcBef>
+                <a:spcAft>
+                  <a:spcPct val="0"/>
+                </a:spcAft>
+                <a:defRPr kern="1200">
+                  <a:solidFill>
+                    <a:schemeClr val="lt1"/>
+                  </a:solidFill>
+                  <a:latin typeface="+mn-lt"/>
+                  <a:ea typeface="+mn-ea"/>
+                  <a:cs typeface="+mn-cs"/>
+                </a:defRPr>
+              </a:lvl1pPr>
+              <a:lvl2pPr marL="457200" algn="l" rtl="0" eaLnBrk="0" fontAlgn="base" hangingPunct="0">
+                <a:spcBef>
+                  <a:spcPct val="0"/>
+                </a:spcBef>
+                <a:spcAft>
+                  <a:spcPct val="0"/>
+                </a:spcAft>
+                <a:defRPr kern="1200">
+                  <a:solidFill>
+                    <a:schemeClr val="lt1"/>
+                  </a:solidFill>
+                  <a:latin typeface="+mn-lt"/>
+                  <a:ea typeface="+mn-ea"/>
+                  <a:cs typeface="+mn-cs"/>
+                </a:defRPr>
+              </a:lvl2pPr>
+              <a:lvl3pPr marL="914400" algn="l" rtl="0" eaLnBrk="0" fontAlgn="base" hangingPunct="0">
+                <a:spcBef>
+                  <a:spcPct val="0"/>
+                </a:spcBef>
+                <a:spcAft>
+                  <a:spcPct val="0"/>
+                </a:spcAft>
+                <a:defRPr kern="1200">
+                  <a:solidFill>
+                    <a:schemeClr val="lt1"/>
+                  </a:solidFill>
+                  <a:latin typeface="+mn-lt"/>
+                  <a:ea typeface="+mn-ea"/>
+                  <a:cs typeface="+mn-cs"/>
+                </a:defRPr>
+              </a:lvl3pPr>
+              <a:lvl4pPr marL="1371600" algn="l" rtl="0" eaLnBrk="0" fontAlgn="base" hangingPunct="0">
+                <a:spcBef>
+                  <a:spcPct val="0"/>
+                </a:spcBef>
+                <a:spcAft>
+                  <a:spcPct val="0"/>
+                </a:spcAft>
+                <a:defRPr kern="1200">
+                  <a:solidFill>
+                    <a:schemeClr val="lt1"/>
+                  </a:solidFill>
+                  <a:latin typeface="+mn-lt"/>
+                  <a:ea typeface="+mn-ea"/>
+                  <a:cs typeface="+mn-cs"/>
+                </a:defRPr>
+              </a:lvl4pPr>
+              <a:lvl5pPr marL="1828800" algn="l" rtl="0" eaLnBrk="0" fontAlgn="base" hangingPunct="0">
+                <a:spcBef>
+                  <a:spcPct val="0"/>
+                </a:spcBef>
+                <a:spcAft>
+                  <a:spcPct val="0"/>
+                </a:spcAft>
+                <a:defRPr kern="1200">
+                  <a:solidFill>
+                    <a:schemeClr val="lt1"/>
+                  </a:solidFill>
+                  <a:latin typeface="+mn-lt"/>
+                  <a:ea typeface="+mn-ea"/>
+                  <a:cs typeface="+mn-cs"/>
+                </a:defRPr>
+              </a:lvl5pPr>
+              <a:lvl6pPr marL="2286000" algn="l" defTabSz="914400" rtl="0" eaLnBrk="1" latinLnBrk="0" hangingPunct="1">
+                <a:defRPr kern="1200">
+                  <a:solidFill>
+                    <a:schemeClr val="lt1"/>
+                  </a:solidFill>
+                  <a:latin typeface="+mn-lt"/>
+                  <a:ea typeface="+mn-ea"/>
+                  <a:cs typeface="+mn-cs"/>
+                </a:defRPr>
+              </a:lvl6pPr>
+              <a:lvl7pPr marL="2743200" algn="l" defTabSz="914400" rtl="0" eaLnBrk="1" latinLnBrk="0" hangingPunct="1">
+                <a:defRPr kern="1200">
+                  <a:solidFill>
+                    <a:schemeClr val="lt1"/>
+                  </a:solidFill>
+                  <a:latin typeface="+mn-lt"/>
+                  <a:ea typeface="+mn-ea"/>
+                  <a:cs typeface="+mn-cs"/>
+                </a:defRPr>
+              </a:lvl7pPr>
+              <a:lvl8pPr marL="3200400" algn="l" defTabSz="914400" rtl="0" eaLnBrk="1" latinLnBrk="0" hangingPunct="1">
+                <a:defRPr kern="1200">
+                  <a:solidFill>
+                    <a:schemeClr val="lt1"/>
+                  </a:solidFill>
+                  <a:latin typeface="+mn-lt"/>
+                  <a:ea typeface="+mn-ea"/>
+                  <a:cs typeface="+mn-cs"/>
+                </a:defRPr>
+              </a:lvl8pPr>
+              <a:lvl9pPr marL="3657600" algn="l" defTabSz="914400" rtl="0" eaLnBrk="1" latinLnBrk="0" hangingPunct="1">
+                <a:defRPr kern="1200">
+                  <a:solidFill>
+                    <a:schemeClr val="lt1"/>
+                  </a:solidFill>
+                  <a:latin typeface="+mn-lt"/>
+                  <a:ea typeface="+mn-ea"/>
+                  <a:cs typeface="+mn-cs"/>
+                </a:defRPr>
+              </a:lvl9pPr>
+            </a:lstStyle>
+            <a:p>
+              <a:pPr algn="ctr" eaLnBrk="1" fontAlgn="auto" hangingPunct="1">
+                <a:spcBef>
+                  <a:spcPts val="0"/>
+                </a:spcBef>
+                <a:spcAft>
+                  <a:spcPts val="0"/>
+                </a:spcAft>
+                <a:defRPr/>
+              </a:pPr>
+              <a:endParaRPr lang="zh-CN" altLang="en-US" sz="1799" dirty="0">
+                <a:solidFill>
+                  <a:srgbClr val="FFFFFF"/>
+                </a:solidFill>
+                <a:latin typeface="微软雅黑" panose="020B0503020204020204" pitchFamily="34" charset="-122"/>
+                <a:ea typeface="微软雅黑" panose="020B0503020204020204" pitchFamily="34" charset="-122"/>
+                <a:sym typeface="Source Han Serif SC" panose="02020400000000000000" pitchFamily="18" charset="-122"/>
+              </a:endParaRPr>
+            </a:p>
+          </p:txBody>
+        </p:sp>
+        <p:sp>
+          <p:nvSpPr>
+            <p:cNvPr id="30" name="文本框 2">
+              <a:extLst>
+                <a:ext uri="{FF2B5EF4-FFF2-40B4-BE49-F238E27FC236}">
+                  <a16:creationId xmlns:a16="http://schemas.microsoft.com/office/drawing/2014/main" id="{63435F3A-CE3C-4372-AF6D-D929162E4A12}"/>
+                </a:ext>
+              </a:extLst>
+            </p:cNvPr>
+            <p:cNvSpPr txBox="1"/>
+            <p:nvPr/>
+          </p:nvSpPr>
+          <p:spPr>
+            <a:xfrm>
+              <a:off x="1283900" y="419918"/>
+              <a:ext cx="3607696" cy="519486"/>
+            </a:xfrm>
+            <a:prstGeom prst="rect">
+              <a:avLst/>
+            </a:prstGeom>
+            <a:noFill/>
+          </p:spPr>
+          <p:txBody>
+            <a:bodyPr wrap="square" lIns="87741" tIns="43871" rIns="87741" bIns="43871" rtlCol="0">
+              <a:spAutoFit/>
+            </a:bodyPr>
+            <a:lstStyle>
+              <a:defPPr>
+                <a:defRPr lang="zh-CN"/>
+              </a:defPPr>
+              <a:lvl1pPr algn="ctr">
+                <a:defRPr sz="2400" spc="300">
+                  <a:solidFill>
+                    <a:schemeClr val="tx2"/>
+                  </a:solidFill>
+                  <a:latin typeface="思源黑体 CN Bold" pitchFamily="34" charset="-122"/>
+                  <a:ea typeface="思源黑体 CN Bold" pitchFamily="34" charset="-122"/>
+                </a:defRPr>
+              </a:lvl1pPr>
+            </a:lstStyle>
+            <a:p>
+              <a:pPr algn="l" defTabSz="914126" fontAlgn="base">
+                <a:spcBef>
+                  <a:spcPct val="0"/>
+                </a:spcBef>
+                <a:spcAft>
+                  <a:spcPct val="0"/>
+                </a:spcAft>
+              </a:pPr>
+              <a:r>
+                <a:rPr lang="zh-TW" altLang="en-US" sz="2800" dirty="0"/>
+                <a:t>預防錯誤</a:t>
+              </a:r>
+              <a:endParaRPr lang="en-US" altLang="zh-CN" sz="2800" dirty="0">
+                <a:solidFill>
+                  <a:schemeClr val="accent2"/>
+                </a:solidFill>
+                <a:latin typeface="微软雅黑" panose="020B0503020204020204" pitchFamily="34" charset="-122"/>
+                <a:ea typeface="微软雅黑" panose="020B0503020204020204" pitchFamily="34" charset="-122"/>
+                <a:sym typeface="Source Han Serif SC" panose="02020400000000000000" pitchFamily="18" charset="-122"/>
+              </a:endParaRPr>
+            </a:p>
+          </p:txBody>
+        </p:sp>
+      </p:grpSp>
+      <p:sp>
+        <p:nvSpPr>
+          <p:cNvPr id="25" name="文字方塊 24">
+            <a:extLst>
+              <a:ext uri="{FF2B5EF4-FFF2-40B4-BE49-F238E27FC236}">
+                <a16:creationId xmlns:a16="http://schemas.microsoft.com/office/drawing/2014/main" id="{9970EC2F-D62D-4E8B-942E-E1DADF57D979}"/>
+              </a:ext>
+            </a:extLst>
+          </p:cNvPr>
+          <p:cNvSpPr txBox="1"/>
+          <p:nvPr/>
+        </p:nvSpPr>
+        <p:spPr>
+          <a:xfrm>
+            <a:off x="887848" y="1547187"/>
+            <a:ext cx="9161482" cy="2554545"/>
+          </a:xfrm>
+          <a:prstGeom prst="rect">
+            <a:avLst/>
+          </a:prstGeom>
+          <a:noFill/>
+        </p:spPr>
+        <p:txBody>
+          <a:bodyPr wrap="none" rtlCol="0">
+            <a:spAutoFit/>
+          </a:bodyPr>
+          <a:lstStyle/>
+          <a:p>
+            <a:pPr>
+              <a:buSzPct val="100000"/>
+            </a:pPr>
+            <a:r>
+              <a:rPr lang="zh-TW" altLang="en-US" sz="2000" b="1" dirty="0">
+                <a:latin typeface="微軟正黑體" panose="020B0604030504040204" pitchFamily="34" charset="-120"/>
+                <a:ea typeface="微軟正黑體" panose="020B0604030504040204" pitchFamily="34" charset="-120"/>
+              </a:rPr>
+              <a:t>問題：</a:t>
+            </a:r>
+            <a:r>
+              <a:rPr lang="zh-TW" altLang="en-US" sz="2000" dirty="0"/>
+              <a:t>使用者在輸入錯誤的蛋糕數量的時候，沒有跳出說明文字。</a:t>
+            </a:r>
+            <a:endParaRPr lang="en-US" altLang="zh-TW" sz="2000" b="1" dirty="0"/>
+          </a:p>
+          <a:p>
+            <a:pPr>
+              <a:buSzPct val="100000"/>
+            </a:pPr>
+            <a:endParaRPr lang="en-US" altLang="zh-TW" sz="2000" b="1" dirty="0"/>
+          </a:p>
+          <a:p>
+            <a:pPr>
+              <a:buSzPct val="100000"/>
+            </a:pPr>
+            <a:endParaRPr lang="en-US" altLang="zh-TW" sz="2000" b="1" dirty="0"/>
+          </a:p>
+          <a:p>
+            <a:pPr>
+              <a:buSzPct val="100000"/>
+            </a:pPr>
+            <a:endParaRPr lang="en-US" altLang="zh-TW" sz="2000" b="1" dirty="0"/>
+          </a:p>
+          <a:p>
+            <a:pPr>
+              <a:buSzPct val="100000"/>
+            </a:pPr>
+            <a:endParaRPr lang="en-US" altLang="zh-TW" sz="2000" b="1" dirty="0"/>
+          </a:p>
+          <a:p>
+            <a:pPr>
+              <a:buSzPct val="100000"/>
+            </a:pPr>
+            <a:endParaRPr lang="en-US" altLang="zh-TW" sz="2000" b="1" dirty="0"/>
+          </a:p>
+          <a:p>
+            <a:pPr>
+              <a:buSzPct val="100000"/>
+            </a:pPr>
+            <a:endParaRPr lang="en-US" altLang="zh-TW" sz="2000" b="1" dirty="0"/>
+          </a:p>
+          <a:p>
+            <a:pPr>
+              <a:buSzPct val="100000"/>
+            </a:pPr>
+            <a:r>
+              <a:rPr lang="zh-TW" altLang="en-US" sz="2000" b="1" dirty="0">
+                <a:latin typeface="微軟正黑體" panose="020B0604030504040204" pitchFamily="34" charset="-120"/>
+                <a:ea typeface="微軟正黑體" panose="020B0604030504040204" pitchFamily="34" charset="-120"/>
+              </a:rPr>
+              <a:t>解決方法：</a:t>
+            </a:r>
+            <a:r>
+              <a:rPr lang="zh-TW" altLang="en-US" sz="2000" dirty="0"/>
+              <a:t>當使用者輸入錯誤數量時，會跳出錯誤說明，及要求輸入正確的數量</a:t>
+            </a:r>
+            <a:endParaRPr lang="en-US" altLang="zh-TW" sz="2000" dirty="0">
+              <a:latin typeface="微軟正黑體" panose="020B0604030504040204" pitchFamily="34" charset="-120"/>
+              <a:ea typeface="微軟正黑體" panose="020B0604030504040204" pitchFamily="34" charset="-120"/>
+            </a:endParaRPr>
+          </a:p>
+        </p:txBody>
+      </p:sp>
+    </p:spTree>
+    <p:extLst>
+      <p:ext uri="{BB962C8B-B14F-4D97-AF65-F5344CB8AC3E}">
+        <p14:creationId xmlns:p14="http://schemas.microsoft.com/office/powerpoint/2010/main" val="1757039441"/>
+      </p:ext>
+    </p:extLst>
+  </p:cSld>
+  <p:clrMapOvr>
+    <a:masterClrMapping/>
+  </p:clrMapOvr>
+  <mc:AlternateContent xmlns:mc="http://schemas.openxmlformats.org/markup-compatibility/2006" xmlns:p14="http://schemas.microsoft.com/office/powerpoint/2010/main">
+    <mc:Choice Requires="p14">
+      <p:transition spd="slow" p14:dur="1250">
+        <p:split orient="vert"/>
+      </p:transition>
+    </mc:Choice>
+    <mc:Fallback xmlns="">
+      <p:transition spd="slow">
+        <p:split orient="vert"/>
+      </p:transition>
+    </mc:Fallback>
+  </mc:AlternateContent>
+</p:sld>
+</file>
+
+<file path=ppt/slides/slide21.xml><?xml version="1.0" encoding="utf-8"?>
+<p:sld xmlns:a="http://schemas.openxmlformats.org/drawingml/2006/main" xmlns:r="http://schemas.openxmlformats.org/officeDocument/2006/relationships" xmlns:p="http://schemas.openxmlformats.org/presentationml/2006/main">
+  <p:cSld>
+    <p:spTree>
+      <p:nvGrpSpPr>
+        <p:cNvPr id="1" name=""/>
+        <p:cNvGrpSpPr/>
+        <p:nvPr/>
+      </p:nvGrpSpPr>
+      <p:grpSpPr>
+        <a:xfrm>
+          <a:off x="0" y="0"/>
+          <a:ext cx="0" cy="0"/>
+          <a:chOff x="0" y="0"/>
+          <a:chExt cx="0" cy="0"/>
+        </a:xfrm>
+      </p:grpSpPr>
+      <p:grpSp>
+        <p:nvGrpSpPr>
+          <p:cNvPr id="28" name="组合 27">
+            <a:extLst>
+              <a:ext uri="{FF2B5EF4-FFF2-40B4-BE49-F238E27FC236}">
+                <a16:creationId xmlns:a16="http://schemas.microsoft.com/office/drawing/2014/main" id="{9A6519C1-592C-4F41-8FF6-5B21345A0303}"/>
+              </a:ext>
+            </a:extLst>
+          </p:cNvPr>
+          <p:cNvGrpSpPr/>
+          <p:nvPr/>
+        </p:nvGrpSpPr>
+        <p:grpSpPr>
+          <a:xfrm>
+            <a:off x="670943" y="419918"/>
+            <a:ext cx="4220653" cy="519486"/>
+            <a:chOff x="670943" y="419918"/>
+            <a:chExt cx="4220653" cy="519486"/>
+          </a:xfrm>
+        </p:grpSpPr>
+        <p:sp>
+          <p:nvSpPr>
+            <p:cNvPr id="29" name="KSO_Shape">
+              <a:extLst>
+                <a:ext uri="{FF2B5EF4-FFF2-40B4-BE49-F238E27FC236}">
+                  <a16:creationId xmlns:a16="http://schemas.microsoft.com/office/drawing/2014/main" id="{EDD638DD-2B45-488B-B26D-B153EBD1D659}"/>
+                </a:ext>
+              </a:extLst>
+            </p:cNvPr>
+            <p:cNvSpPr>
+              <a:spLocks noChangeAspect="1"/>
+            </p:cNvSpPr>
+            <p:nvPr/>
+          </p:nvSpPr>
+          <p:spPr>
+            <a:xfrm rot="5400000">
+              <a:off x="647826" y="539879"/>
+              <a:ext cx="334159" cy="287925"/>
+            </a:xfrm>
+            <a:custGeom>
+              <a:avLst/>
+              <a:gdLst/>
+              <a:ahLst/>
+              <a:cxnLst/>
+              <a:rect l="l" t="t" r="r" b="b"/>
+              <a:pathLst>
+                <a:path w="751403" h="647761">
+                  <a:moveTo>
+                    <a:pt x="375702" y="0"/>
+                  </a:moveTo>
+                  <a:lnTo>
+                    <a:pt x="751403" y="647761"/>
+                  </a:lnTo>
+                  <a:lnTo>
+                    <a:pt x="745416" y="647761"/>
+                  </a:lnTo>
+                  <a:lnTo>
+                    <a:pt x="375702" y="432047"/>
+                  </a:lnTo>
+                  <a:lnTo>
+                    <a:pt x="5987" y="647761"/>
+                  </a:lnTo>
+                  <a:lnTo>
+                    <a:pt x="0" y="647761"/>
+                  </a:lnTo>
+                  <a:close/>
+                </a:path>
+              </a:pathLst>
+            </a:custGeom>
+            <a:solidFill>
+              <a:schemeClr val="accent6"/>
+            </a:solidFill>
+            <a:ln>
+              <a:noFill/>
+            </a:ln>
+          </p:spPr>
+          <p:style>
+            <a:lnRef idx="2">
+              <a:schemeClr val="accent1">
+                <a:shade val="50000"/>
+              </a:schemeClr>
+            </a:lnRef>
+            <a:fillRef idx="1">
+              <a:schemeClr val="accent1"/>
+            </a:fillRef>
+            <a:effectRef idx="0">
+              <a:schemeClr val="accent1"/>
+            </a:effectRef>
+            <a:fontRef idx="minor">
+              <a:schemeClr val="lt1"/>
+            </a:fontRef>
+          </p:style>
+          <p:txBody>
+            <a:bodyPr anchor="ctr"/>
+            <a:lstStyle>
+              <a:defPPr>
+                <a:defRPr lang="zh-CN"/>
+              </a:defPPr>
+              <a:lvl1pPr algn="l" rtl="0" eaLnBrk="0" fontAlgn="base" hangingPunct="0">
+                <a:spcBef>
+                  <a:spcPct val="0"/>
+                </a:spcBef>
+                <a:spcAft>
+                  <a:spcPct val="0"/>
+                </a:spcAft>
+                <a:defRPr kern="1200">
+                  <a:solidFill>
+                    <a:schemeClr val="lt1"/>
+                  </a:solidFill>
+                  <a:latin typeface="+mn-lt"/>
+                  <a:ea typeface="+mn-ea"/>
+                  <a:cs typeface="+mn-cs"/>
+                </a:defRPr>
+              </a:lvl1pPr>
+              <a:lvl2pPr marL="457200" algn="l" rtl="0" eaLnBrk="0" fontAlgn="base" hangingPunct="0">
+                <a:spcBef>
+                  <a:spcPct val="0"/>
+                </a:spcBef>
+                <a:spcAft>
+                  <a:spcPct val="0"/>
+                </a:spcAft>
+                <a:defRPr kern="1200">
+                  <a:solidFill>
+                    <a:schemeClr val="lt1"/>
+                  </a:solidFill>
+                  <a:latin typeface="+mn-lt"/>
+                  <a:ea typeface="+mn-ea"/>
+                  <a:cs typeface="+mn-cs"/>
+                </a:defRPr>
+              </a:lvl2pPr>
+              <a:lvl3pPr marL="914400" algn="l" rtl="0" eaLnBrk="0" fontAlgn="base" hangingPunct="0">
+                <a:spcBef>
+                  <a:spcPct val="0"/>
+                </a:spcBef>
+                <a:spcAft>
+                  <a:spcPct val="0"/>
+                </a:spcAft>
+                <a:defRPr kern="1200">
+                  <a:solidFill>
+                    <a:schemeClr val="lt1"/>
+                  </a:solidFill>
+                  <a:latin typeface="+mn-lt"/>
+                  <a:ea typeface="+mn-ea"/>
+                  <a:cs typeface="+mn-cs"/>
+                </a:defRPr>
+              </a:lvl3pPr>
+              <a:lvl4pPr marL="1371600" algn="l" rtl="0" eaLnBrk="0" fontAlgn="base" hangingPunct="0">
+                <a:spcBef>
+                  <a:spcPct val="0"/>
+                </a:spcBef>
+                <a:spcAft>
+                  <a:spcPct val="0"/>
+                </a:spcAft>
+                <a:defRPr kern="1200">
+                  <a:solidFill>
+                    <a:schemeClr val="lt1"/>
+                  </a:solidFill>
+                  <a:latin typeface="+mn-lt"/>
+                  <a:ea typeface="+mn-ea"/>
+                  <a:cs typeface="+mn-cs"/>
+                </a:defRPr>
+              </a:lvl4pPr>
+              <a:lvl5pPr marL="1828800" algn="l" rtl="0" eaLnBrk="0" fontAlgn="base" hangingPunct="0">
+                <a:spcBef>
+                  <a:spcPct val="0"/>
+                </a:spcBef>
+                <a:spcAft>
+                  <a:spcPct val="0"/>
+                </a:spcAft>
+                <a:defRPr kern="1200">
+                  <a:solidFill>
+                    <a:schemeClr val="lt1"/>
+                  </a:solidFill>
+                  <a:latin typeface="+mn-lt"/>
+                  <a:ea typeface="+mn-ea"/>
+                  <a:cs typeface="+mn-cs"/>
+                </a:defRPr>
+              </a:lvl5pPr>
+              <a:lvl6pPr marL="2286000" algn="l" defTabSz="914400" rtl="0" eaLnBrk="1" latinLnBrk="0" hangingPunct="1">
+                <a:defRPr kern="1200">
+                  <a:solidFill>
+                    <a:schemeClr val="lt1"/>
+                  </a:solidFill>
+                  <a:latin typeface="+mn-lt"/>
+                  <a:ea typeface="+mn-ea"/>
+                  <a:cs typeface="+mn-cs"/>
+                </a:defRPr>
+              </a:lvl6pPr>
+              <a:lvl7pPr marL="2743200" algn="l" defTabSz="914400" rtl="0" eaLnBrk="1" latinLnBrk="0" hangingPunct="1">
+                <a:defRPr kern="1200">
+                  <a:solidFill>
+                    <a:schemeClr val="lt1"/>
+                  </a:solidFill>
+                  <a:latin typeface="+mn-lt"/>
+                  <a:ea typeface="+mn-ea"/>
+                  <a:cs typeface="+mn-cs"/>
+                </a:defRPr>
+              </a:lvl7pPr>
+              <a:lvl8pPr marL="3200400" algn="l" defTabSz="914400" rtl="0" eaLnBrk="1" latinLnBrk="0" hangingPunct="1">
+                <a:defRPr kern="1200">
+                  <a:solidFill>
+                    <a:schemeClr val="lt1"/>
+                  </a:solidFill>
+                  <a:latin typeface="+mn-lt"/>
+                  <a:ea typeface="+mn-ea"/>
+                  <a:cs typeface="+mn-cs"/>
+                </a:defRPr>
+              </a:lvl8pPr>
+              <a:lvl9pPr marL="3657600" algn="l" defTabSz="914400" rtl="0" eaLnBrk="1" latinLnBrk="0" hangingPunct="1">
+                <a:defRPr kern="1200">
+                  <a:solidFill>
+                    <a:schemeClr val="lt1"/>
+                  </a:solidFill>
+                  <a:latin typeface="+mn-lt"/>
+                  <a:ea typeface="+mn-ea"/>
+                  <a:cs typeface="+mn-cs"/>
+                </a:defRPr>
+              </a:lvl9pPr>
+            </a:lstStyle>
+            <a:p>
+              <a:pPr algn="ctr" eaLnBrk="1" fontAlgn="auto" hangingPunct="1">
+                <a:spcBef>
+                  <a:spcPts val="0"/>
+                </a:spcBef>
+                <a:spcAft>
+                  <a:spcPts val="0"/>
+                </a:spcAft>
+                <a:defRPr/>
+              </a:pPr>
+              <a:endParaRPr lang="zh-CN" altLang="en-US" sz="1799" dirty="0">
+                <a:solidFill>
+                  <a:srgbClr val="FFFFFF"/>
+                </a:solidFill>
+                <a:latin typeface="微软雅黑" panose="020B0503020204020204" pitchFamily="34" charset="-122"/>
+                <a:ea typeface="微软雅黑" panose="020B0503020204020204" pitchFamily="34" charset="-122"/>
+                <a:sym typeface="Source Han Serif SC" panose="02020400000000000000" pitchFamily="18" charset="-122"/>
+              </a:endParaRPr>
+            </a:p>
+          </p:txBody>
+        </p:sp>
+        <p:sp>
+          <p:nvSpPr>
+            <p:cNvPr id="30" name="文本框 2">
+              <a:extLst>
+                <a:ext uri="{FF2B5EF4-FFF2-40B4-BE49-F238E27FC236}">
+                  <a16:creationId xmlns:a16="http://schemas.microsoft.com/office/drawing/2014/main" id="{63435F3A-CE3C-4372-AF6D-D929162E4A12}"/>
+                </a:ext>
+              </a:extLst>
+            </p:cNvPr>
+            <p:cNvSpPr txBox="1"/>
+            <p:nvPr/>
+          </p:nvSpPr>
+          <p:spPr>
+            <a:xfrm>
+              <a:off x="1283900" y="419918"/>
+              <a:ext cx="3607696" cy="519486"/>
+            </a:xfrm>
+            <a:prstGeom prst="rect">
+              <a:avLst/>
+            </a:prstGeom>
+            <a:noFill/>
+          </p:spPr>
+          <p:txBody>
+            <a:bodyPr wrap="square" lIns="87741" tIns="43871" rIns="87741" bIns="43871" rtlCol="0">
+              <a:spAutoFit/>
+            </a:bodyPr>
+            <a:lstStyle>
+              <a:defPPr>
+                <a:defRPr lang="zh-CN"/>
+              </a:defPPr>
+              <a:lvl1pPr algn="ctr">
+                <a:defRPr sz="2400" spc="300">
+                  <a:solidFill>
+                    <a:schemeClr val="tx2"/>
+                  </a:solidFill>
+                  <a:latin typeface="思源黑体 CN Bold" pitchFamily="34" charset="-122"/>
+                  <a:ea typeface="思源黑体 CN Bold" pitchFamily="34" charset="-122"/>
+                </a:defRPr>
+              </a:lvl1pPr>
+            </a:lstStyle>
+            <a:p>
+              <a:pPr algn="l" defTabSz="914126" fontAlgn="base">
+                <a:spcBef>
+                  <a:spcPct val="0"/>
+                </a:spcBef>
+                <a:spcAft>
+                  <a:spcPct val="0"/>
+                </a:spcAft>
+              </a:pPr>
+              <a:r>
+                <a:rPr lang="zh-TW" altLang="en-US" sz="2800" dirty="0"/>
+                <a:t>彈性與使用效率</a:t>
+              </a:r>
+              <a:endParaRPr lang="en-US" altLang="zh-CN" sz="2800" dirty="0">
+                <a:solidFill>
+                  <a:schemeClr val="accent2"/>
+                </a:solidFill>
+                <a:latin typeface="微软雅黑" panose="020B0503020204020204" pitchFamily="34" charset="-122"/>
+                <a:ea typeface="微软雅黑" panose="020B0503020204020204" pitchFamily="34" charset="-122"/>
+                <a:sym typeface="Source Han Serif SC" panose="02020400000000000000" pitchFamily="18" charset="-122"/>
+              </a:endParaRPr>
+            </a:p>
+          </p:txBody>
+        </p:sp>
+      </p:grpSp>
+      <p:sp>
+        <p:nvSpPr>
+          <p:cNvPr id="25" name="文字方塊 24">
+            <a:extLst>
+              <a:ext uri="{FF2B5EF4-FFF2-40B4-BE49-F238E27FC236}">
+                <a16:creationId xmlns:a16="http://schemas.microsoft.com/office/drawing/2014/main" id="{9970EC2F-D62D-4E8B-942E-E1DADF57D979}"/>
+              </a:ext>
+            </a:extLst>
+          </p:cNvPr>
+          <p:cNvSpPr txBox="1"/>
+          <p:nvPr/>
+        </p:nvSpPr>
+        <p:spPr>
+          <a:xfrm>
+            <a:off x="887848" y="1547187"/>
+            <a:ext cx="10700365" cy="2554545"/>
+          </a:xfrm>
+          <a:prstGeom prst="rect">
+            <a:avLst/>
+          </a:prstGeom>
+          <a:noFill/>
+        </p:spPr>
+        <p:txBody>
+          <a:bodyPr wrap="none" rtlCol="0">
+            <a:spAutoFit/>
+          </a:bodyPr>
+          <a:lstStyle/>
+          <a:p>
+            <a:pPr>
+              <a:buSzPct val="100000"/>
+            </a:pPr>
+            <a:r>
+              <a:rPr lang="zh-TW" altLang="en-US" sz="2000" b="1" dirty="0">
+                <a:latin typeface="微軟正黑體" panose="020B0604030504040204" pitchFamily="34" charset="-120"/>
+                <a:ea typeface="微軟正黑體" panose="020B0604030504040204" pitchFamily="34" charset="-120"/>
+              </a:rPr>
+              <a:t>問題：</a:t>
+            </a:r>
+            <a:r>
+              <a:rPr lang="zh-TW" altLang="en-US" sz="2000" dirty="0"/>
+              <a:t>瀏覽頁面時，操作系統都在網頁最上方，在使用上會導致需要切換介面都要拉到最上方</a:t>
+            </a:r>
+            <a:endParaRPr lang="en-US" altLang="zh-TW" sz="2000" b="1" dirty="0"/>
+          </a:p>
+          <a:p>
+            <a:pPr>
+              <a:buSzPct val="100000"/>
+            </a:pPr>
+            <a:endParaRPr lang="en-US" altLang="zh-TW" sz="2000" b="1" dirty="0"/>
+          </a:p>
+          <a:p>
+            <a:pPr>
+              <a:buSzPct val="100000"/>
+            </a:pPr>
+            <a:endParaRPr lang="en-US" altLang="zh-TW" sz="2000" b="1" dirty="0"/>
+          </a:p>
+          <a:p>
+            <a:pPr>
+              <a:buSzPct val="100000"/>
+            </a:pPr>
+            <a:endParaRPr lang="en-US" altLang="zh-TW" sz="2000" b="1" dirty="0"/>
+          </a:p>
+          <a:p>
+            <a:pPr>
+              <a:buSzPct val="100000"/>
+            </a:pPr>
+            <a:endParaRPr lang="en-US" altLang="zh-TW" sz="2000" b="1" dirty="0"/>
+          </a:p>
+          <a:p>
+            <a:pPr>
+              <a:buSzPct val="100000"/>
+            </a:pPr>
+            <a:endParaRPr lang="en-US" altLang="zh-TW" sz="2000" b="1" dirty="0">
+              <a:latin typeface="微軟正黑體" panose="020B0604030504040204" pitchFamily="34" charset="-120"/>
+              <a:ea typeface="微軟正黑體" panose="020B0604030504040204" pitchFamily="34" charset="-120"/>
+            </a:endParaRPr>
+          </a:p>
+          <a:p>
+            <a:pPr>
+              <a:buSzPct val="100000"/>
+            </a:pPr>
+            <a:endParaRPr lang="en-US" altLang="zh-TW" sz="2000" b="1" dirty="0">
+              <a:latin typeface="微軟正黑體" panose="020B0604030504040204" pitchFamily="34" charset="-120"/>
+              <a:ea typeface="微軟正黑體" panose="020B0604030504040204" pitchFamily="34" charset="-120"/>
+            </a:endParaRPr>
+          </a:p>
+          <a:p>
+            <a:pPr>
+              <a:buSzPct val="100000"/>
+            </a:pPr>
+            <a:r>
+              <a:rPr lang="zh-TW" altLang="en-US" sz="2000" b="1" dirty="0">
+                <a:latin typeface="微軟正黑體" panose="020B0604030504040204" pitchFamily="34" charset="-120"/>
+                <a:ea typeface="微軟正黑體" panose="020B0604030504040204" pitchFamily="34" charset="-120"/>
+              </a:rPr>
+              <a:t>解決方法：</a:t>
+            </a:r>
+            <a:r>
+              <a:rPr lang="zh-TW" altLang="en-US" sz="2000" dirty="0"/>
+              <a:t>使最上方是使用浮動的，讓使用者可以隨時都可以使用操作介面</a:t>
+            </a:r>
+            <a:endParaRPr lang="en-US" altLang="zh-TW" sz="2000" dirty="0">
+              <a:latin typeface="微軟正黑體" panose="020B0604030504040204" pitchFamily="34" charset="-120"/>
+              <a:ea typeface="微軟正黑體" panose="020B0604030504040204" pitchFamily="34" charset="-120"/>
+            </a:endParaRPr>
+          </a:p>
+        </p:txBody>
+      </p:sp>
+    </p:spTree>
+    <p:extLst>
+      <p:ext uri="{BB962C8B-B14F-4D97-AF65-F5344CB8AC3E}">
+        <p14:creationId xmlns:p14="http://schemas.microsoft.com/office/powerpoint/2010/main" val="2152029110"/>
+      </p:ext>
+    </p:extLst>
+  </p:cSld>
+  <p:clrMapOvr>
+    <a:masterClrMapping/>
+  </p:clrMapOvr>
+  <mc:AlternateContent xmlns:mc="http://schemas.openxmlformats.org/markup-compatibility/2006" xmlns:p14="http://schemas.microsoft.com/office/powerpoint/2010/main">
+    <mc:Choice Requires="p14">
+      <p:transition spd="slow" p14:dur="1250">
+        <p:split orient="vert"/>
+      </p:transition>
+    </mc:Choice>
+    <mc:Fallback xmlns="">
+      <p:transition spd="slow">
+        <p:split orient="vert"/>
+      </p:transition>
+    </mc:Fallback>
+  </mc:AlternateContent>
+</p:sld>
+</file>
+
+<file path=ppt/slides/slide22.xml><?xml version="1.0" encoding="utf-8"?>
+<p:sld xmlns:a="http://schemas.openxmlformats.org/drawingml/2006/main" xmlns:r="http://schemas.openxmlformats.org/officeDocument/2006/relationships" xmlns:p="http://schemas.openxmlformats.org/presentationml/2006/main">
+  <p:cSld>
+    <p:spTree>
+      <p:nvGrpSpPr>
+        <p:cNvPr id="1" name=""/>
+        <p:cNvGrpSpPr/>
+        <p:nvPr/>
+      </p:nvGrpSpPr>
+      <p:grpSpPr>
+        <a:xfrm>
+          <a:off x="0" y="0"/>
+          <a:ext cx="0" cy="0"/>
+          <a:chOff x="0" y="0"/>
+          <a:chExt cx="0" cy="0"/>
+        </a:xfrm>
+      </p:grpSpPr>
+      <p:grpSp>
+        <p:nvGrpSpPr>
+          <p:cNvPr id="2" name="组合 27">
+            <a:extLst>
+              <a:ext uri="{FF2B5EF4-FFF2-40B4-BE49-F238E27FC236}">
+                <a16:creationId xmlns:a16="http://schemas.microsoft.com/office/drawing/2014/main" id="{340C48DD-2B08-4F95-8320-B923DAD399D6}"/>
+              </a:ext>
+            </a:extLst>
+          </p:cNvPr>
+          <p:cNvGrpSpPr/>
+          <p:nvPr/>
+        </p:nvGrpSpPr>
+        <p:grpSpPr>
+          <a:xfrm>
+            <a:off x="670943" y="419918"/>
+            <a:ext cx="6861073" cy="519486"/>
+            <a:chOff x="670943" y="419918"/>
+            <a:chExt cx="4220653" cy="519486"/>
+          </a:xfrm>
+        </p:grpSpPr>
+        <p:sp>
+          <p:nvSpPr>
+            <p:cNvPr id="3" name="KSO_Shape">
+              <a:extLst>
+                <a:ext uri="{FF2B5EF4-FFF2-40B4-BE49-F238E27FC236}">
+                  <a16:creationId xmlns:a16="http://schemas.microsoft.com/office/drawing/2014/main" id="{1C476181-D54F-4897-BF55-47A23498FF57}"/>
+                </a:ext>
+              </a:extLst>
+            </p:cNvPr>
+            <p:cNvSpPr>
+              <a:spLocks noChangeAspect="1"/>
+            </p:cNvSpPr>
+            <p:nvPr/>
+          </p:nvSpPr>
+          <p:spPr>
+            <a:xfrm rot="5400000">
+              <a:off x="647826" y="539879"/>
+              <a:ext cx="334159" cy="287925"/>
+            </a:xfrm>
+            <a:custGeom>
+              <a:avLst/>
+              <a:gdLst/>
+              <a:ahLst/>
+              <a:cxnLst/>
+              <a:rect l="l" t="t" r="r" b="b"/>
+              <a:pathLst>
+                <a:path w="751403" h="647761">
+                  <a:moveTo>
+                    <a:pt x="375702" y="0"/>
+                  </a:moveTo>
+                  <a:lnTo>
+                    <a:pt x="751403" y="647761"/>
+                  </a:lnTo>
+                  <a:lnTo>
+                    <a:pt x="745416" y="647761"/>
+                  </a:lnTo>
+                  <a:lnTo>
+                    <a:pt x="375702" y="432047"/>
+                  </a:lnTo>
+                  <a:lnTo>
+                    <a:pt x="5987" y="647761"/>
+                  </a:lnTo>
+                  <a:lnTo>
+                    <a:pt x="0" y="647761"/>
+                  </a:lnTo>
+                  <a:close/>
+                </a:path>
+              </a:pathLst>
+            </a:custGeom>
+            <a:solidFill>
+              <a:schemeClr val="accent6"/>
+            </a:solidFill>
+            <a:ln>
+              <a:noFill/>
+            </a:ln>
+          </p:spPr>
+          <p:style>
+            <a:lnRef idx="2">
+              <a:schemeClr val="accent1">
+                <a:shade val="50000"/>
+              </a:schemeClr>
+            </a:lnRef>
+            <a:fillRef idx="1">
+              <a:schemeClr val="accent1"/>
+            </a:fillRef>
+            <a:effectRef idx="0">
+              <a:schemeClr val="accent1"/>
+            </a:effectRef>
+            <a:fontRef idx="minor">
+              <a:schemeClr val="lt1"/>
+            </a:fontRef>
+          </p:style>
+          <p:txBody>
+            <a:bodyPr anchor="ctr"/>
+            <a:lstStyle>
+              <a:defPPr>
+                <a:defRPr lang="zh-CN"/>
+              </a:defPPr>
+              <a:lvl1pPr algn="l" rtl="0" eaLnBrk="0" fontAlgn="base" hangingPunct="0">
+                <a:spcBef>
+                  <a:spcPct val="0"/>
+                </a:spcBef>
+                <a:spcAft>
+                  <a:spcPct val="0"/>
+                </a:spcAft>
+                <a:defRPr kern="1200">
+                  <a:solidFill>
+                    <a:schemeClr val="lt1"/>
+                  </a:solidFill>
+                  <a:latin typeface="+mn-lt"/>
+                  <a:ea typeface="+mn-ea"/>
+                  <a:cs typeface="+mn-cs"/>
+                </a:defRPr>
+              </a:lvl1pPr>
+              <a:lvl2pPr marL="457200" algn="l" rtl="0" eaLnBrk="0" fontAlgn="base" hangingPunct="0">
+                <a:spcBef>
+                  <a:spcPct val="0"/>
+                </a:spcBef>
+                <a:spcAft>
+                  <a:spcPct val="0"/>
+                </a:spcAft>
+                <a:defRPr kern="1200">
+                  <a:solidFill>
+                    <a:schemeClr val="lt1"/>
+                  </a:solidFill>
+                  <a:latin typeface="+mn-lt"/>
+                  <a:ea typeface="+mn-ea"/>
+                  <a:cs typeface="+mn-cs"/>
+                </a:defRPr>
+              </a:lvl2pPr>
+              <a:lvl3pPr marL="914400" algn="l" rtl="0" eaLnBrk="0" fontAlgn="base" hangingPunct="0">
+                <a:spcBef>
+                  <a:spcPct val="0"/>
+                </a:spcBef>
+                <a:spcAft>
+                  <a:spcPct val="0"/>
+                </a:spcAft>
+                <a:defRPr kern="1200">
+                  <a:solidFill>
+                    <a:schemeClr val="lt1"/>
+                  </a:solidFill>
+                  <a:latin typeface="+mn-lt"/>
+                  <a:ea typeface="+mn-ea"/>
+                  <a:cs typeface="+mn-cs"/>
+                </a:defRPr>
+              </a:lvl3pPr>
+              <a:lvl4pPr marL="1371600" algn="l" rtl="0" eaLnBrk="0" fontAlgn="base" hangingPunct="0">
+                <a:spcBef>
+                  <a:spcPct val="0"/>
+                </a:spcBef>
+                <a:spcAft>
+                  <a:spcPct val="0"/>
+                </a:spcAft>
+                <a:defRPr kern="1200">
+                  <a:solidFill>
+                    <a:schemeClr val="lt1"/>
+                  </a:solidFill>
+                  <a:latin typeface="+mn-lt"/>
+                  <a:ea typeface="+mn-ea"/>
+                  <a:cs typeface="+mn-cs"/>
+                </a:defRPr>
+              </a:lvl4pPr>
+              <a:lvl5pPr marL="1828800" algn="l" rtl="0" eaLnBrk="0" fontAlgn="base" hangingPunct="0">
+                <a:spcBef>
+                  <a:spcPct val="0"/>
+                </a:spcBef>
+                <a:spcAft>
+                  <a:spcPct val="0"/>
+                </a:spcAft>
+                <a:defRPr kern="1200">
+                  <a:solidFill>
+                    <a:schemeClr val="lt1"/>
+                  </a:solidFill>
+                  <a:latin typeface="+mn-lt"/>
+                  <a:ea typeface="+mn-ea"/>
+                  <a:cs typeface="+mn-cs"/>
+                </a:defRPr>
+              </a:lvl5pPr>
+              <a:lvl6pPr marL="2286000" algn="l" defTabSz="914400" rtl="0" eaLnBrk="1" latinLnBrk="0" hangingPunct="1">
+                <a:defRPr kern="1200">
+                  <a:solidFill>
+                    <a:schemeClr val="lt1"/>
+                  </a:solidFill>
+                  <a:latin typeface="+mn-lt"/>
+                  <a:ea typeface="+mn-ea"/>
+                  <a:cs typeface="+mn-cs"/>
+                </a:defRPr>
+              </a:lvl6pPr>
+              <a:lvl7pPr marL="2743200" algn="l" defTabSz="914400" rtl="0" eaLnBrk="1" latinLnBrk="0" hangingPunct="1">
+                <a:defRPr kern="1200">
+                  <a:solidFill>
+                    <a:schemeClr val="lt1"/>
+                  </a:solidFill>
+                  <a:latin typeface="+mn-lt"/>
+                  <a:ea typeface="+mn-ea"/>
+                  <a:cs typeface="+mn-cs"/>
+                </a:defRPr>
+              </a:lvl7pPr>
+              <a:lvl8pPr marL="3200400" algn="l" defTabSz="914400" rtl="0" eaLnBrk="1" latinLnBrk="0" hangingPunct="1">
+                <a:defRPr kern="1200">
+                  <a:solidFill>
+                    <a:schemeClr val="lt1"/>
+                  </a:solidFill>
+                  <a:latin typeface="+mn-lt"/>
+                  <a:ea typeface="+mn-ea"/>
+                  <a:cs typeface="+mn-cs"/>
+                </a:defRPr>
+              </a:lvl8pPr>
+              <a:lvl9pPr marL="3657600" algn="l" defTabSz="914400" rtl="0" eaLnBrk="1" latinLnBrk="0" hangingPunct="1">
+                <a:defRPr kern="1200">
+                  <a:solidFill>
+                    <a:schemeClr val="lt1"/>
+                  </a:solidFill>
+                  <a:latin typeface="+mn-lt"/>
+                  <a:ea typeface="+mn-ea"/>
+                  <a:cs typeface="+mn-cs"/>
+                </a:defRPr>
+              </a:lvl9pPr>
+            </a:lstStyle>
+            <a:p>
+              <a:pPr algn="ctr" eaLnBrk="1" fontAlgn="auto" hangingPunct="1">
+                <a:spcBef>
+                  <a:spcPts val="0"/>
+                </a:spcBef>
+                <a:spcAft>
+                  <a:spcPts val="0"/>
+                </a:spcAft>
+                <a:defRPr/>
+              </a:pPr>
+              <a:endParaRPr lang="zh-CN" altLang="en-US" sz="1799" dirty="0">
+                <a:solidFill>
+                  <a:srgbClr val="FFFFFF"/>
+                </a:solidFill>
+                <a:latin typeface="微软雅黑" panose="020B0503020204020204" pitchFamily="34" charset="-122"/>
+                <a:ea typeface="微软雅黑" panose="020B0503020204020204" pitchFamily="34" charset="-122"/>
+                <a:sym typeface="Source Han Serif SC" panose="02020400000000000000" pitchFamily="18" charset="-122"/>
+              </a:endParaRPr>
+            </a:p>
+          </p:txBody>
+        </p:sp>
+        <p:sp>
+          <p:nvSpPr>
+            <p:cNvPr id="4" name="文本框 2">
+              <a:extLst>
+                <a:ext uri="{FF2B5EF4-FFF2-40B4-BE49-F238E27FC236}">
+                  <a16:creationId xmlns:a16="http://schemas.microsoft.com/office/drawing/2014/main" id="{46BB5C7A-4518-4934-9EA4-7D3098910FA7}"/>
+                </a:ext>
+              </a:extLst>
+            </p:cNvPr>
+            <p:cNvSpPr txBox="1"/>
+            <p:nvPr/>
+          </p:nvSpPr>
+          <p:spPr>
+            <a:xfrm>
+              <a:off x="1283900" y="419918"/>
+              <a:ext cx="3607696" cy="519486"/>
+            </a:xfrm>
+            <a:prstGeom prst="rect">
+              <a:avLst/>
+            </a:prstGeom>
+            <a:noFill/>
+          </p:spPr>
+          <p:txBody>
+            <a:bodyPr wrap="square" lIns="87741" tIns="43871" rIns="87741" bIns="43871" rtlCol="0">
+              <a:spAutoFit/>
+            </a:bodyPr>
+            <a:lstStyle>
+              <a:defPPr>
+                <a:defRPr lang="zh-CN"/>
+              </a:defPPr>
+              <a:lvl1pPr algn="ctr">
+                <a:defRPr sz="2400" spc="300">
+                  <a:solidFill>
+                    <a:schemeClr val="tx2"/>
+                  </a:solidFill>
+                  <a:latin typeface="思源黑体 CN Bold" pitchFamily="34" charset="-122"/>
+                  <a:ea typeface="思源黑体 CN Bold" pitchFamily="34" charset="-122"/>
+                </a:defRPr>
+              </a:lvl1pPr>
+            </a:lstStyle>
+            <a:p>
+              <a:pPr algn="l" defTabSz="914126" fontAlgn="base">
+                <a:spcBef>
+                  <a:spcPct val="0"/>
+                </a:spcBef>
+                <a:spcAft>
+                  <a:spcPct val="0"/>
+                </a:spcAft>
+              </a:pPr>
+              <a:r>
+                <a:rPr lang="zh-TW" altLang="en-US" sz="2800" dirty="0">
+                  <a:solidFill>
+                    <a:schemeClr val="accent2"/>
+                  </a:solidFill>
+                  <a:latin typeface="微软雅黑" panose="020B0503020204020204" pitchFamily="34" charset="-122"/>
+                  <a:ea typeface="微软雅黑" panose="020B0503020204020204" pitchFamily="34" charset="-122"/>
+                  <a:sym typeface="Source Han Serif SC" panose="02020400000000000000" pitchFamily="18" charset="-122"/>
+                </a:rPr>
+                <a:t>使用不同裝置瀏覽跑版</a:t>
+              </a:r>
+              <a:endParaRPr lang="en-US" altLang="zh-CN" sz="2800" dirty="0">
+                <a:solidFill>
+                  <a:schemeClr val="accent2"/>
+                </a:solidFill>
+                <a:latin typeface="微软雅黑" panose="020B0503020204020204" pitchFamily="34" charset="-122"/>
+                <a:ea typeface="微软雅黑" panose="020B0503020204020204" pitchFamily="34" charset="-122"/>
+                <a:sym typeface="Source Han Serif SC" panose="02020400000000000000" pitchFamily="18" charset="-122"/>
+              </a:endParaRPr>
+            </a:p>
+          </p:txBody>
+        </p:sp>
+      </p:grpSp>
+      <p:sp>
+        <p:nvSpPr>
+          <p:cNvPr id="5" name="文字方塊 4">
+            <a:extLst>
+              <a:ext uri="{FF2B5EF4-FFF2-40B4-BE49-F238E27FC236}">
+                <a16:creationId xmlns:a16="http://schemas.microsoft.com/office/drawing/2014/main" id="{F292914C-B097-49DF-94CF-EEA832984825}"/>
+              </a:ext>
+            </a:extLst>
+          </p:cNvPr>
+          <p:cNvSpPr txBox="1"/>
+          <p:nvPr/>
+        </p:nvSpPr>
+        <p:spPr>
+          <a:xfrm>
+            <a:off x="887848" y="1547187"/>
+            <a:ext cx="11078674" cy="2554545"/>
+          </a:xfrm>
+          <a:prstGeom prst="rect">
+            <a:avLst/>
+          </a:prstGeom>
+          <a:noFill/>
+        </p:spPr>
+        <p:txBody>
+          <a:bodyPr wrap="none" rtlCol="0">
+            <a:spAutoFit/>
+          </a:bodyPr>
+          <a:lstStyle/>
+          <a:p>
+            <a:pPr>
+              <a:buSzPct val="100000"/>
+            </a:pPr>
+            <a:r>
+              <a:rPr lang="zh-TW" altLang="en-US" sz="2000" b="1" dirty="0">
+                <a:latin typeface="微軟正黑體" panose="020B0604030504040204" pitchFamily="34" charset="-120"/>
+                <a:ea typeface="微軟正黑體" panose="020B0604030504040204" pitchFamily="34" charset="-120"/>
+              </a:rPr>
+              <a:t>問題：</a:t>
+            </a:r>
+            <a:r>
+              <a:rPr lang="zh-TW" altLang="en-US" sz="2000" dirty="0"/>
+              <a:t>使用不同裝置瀏覽此網頁時，會出現圖片與文字交錯或顯示在錯誤位置</a:t>
+            </a:r>
+            <a:endParaRPr lang="en-US" altLang="zh-TW" sz="2000" b="1" dirty="0"/>
+          </a:p>
+          <a:p>
+            <a:pPr>
+              <a:buSzPct val="100000"/>
+            </a:pPr>
+            <a:endParaRPr lang="en-US" altLang="zh-TW" sz="2000" b="1" dirty="0"/>
+          </a:p>
+          <a:p>
+            <a:pPr>
+              <a:buSzPct val="100000"/>
+            </a:pPr>
+            <a:endParaRPr lang="en-US" altLang="zh-TW" sz="2000" b="1" dirty="0"/>
+          </a:p>
+          <a:p>
+            <a:pPr>
+              <a:buSzPct val="100000"/>
+            </a:pPr>
+            <a:endParaRPr lang="en-US" altLang="zh-TW" sz="2000" b="1" dirty="0"/>
+          </a:p>
+          <a:p>
+            <a:pPr>
+              <a:buSzPct val="100000"/>
+            </a:pPr>
+            <a:endParaRPr lang="en-US" altLang="zh-TW" sz="2000" b="1" dirty="0"/>
+          </a:p>
+          <a:p>
+            <a:pPr>
+              <a:buSzPct val="100000"/>
+            </a:pPr>
+            <a:endParaRPr lang="en-US" altLang="zh-TW" sz="2000" b="1" dirty="0">
+              <a:latin typeface="微軟正黑體" panose="020B0604030504040204" pitchFamily="34" charset="-120"/>
+              <a:ea typeface="微軟正黑體" panose="020B0604030504040204" pitchFamily="34" charset="-120"/>
+            </a:endParaRPr>
+          </a:p>
+          <a:p>
+            <a:pPr>
+              <a:buSzPct val="100000"/>
+            </a:pPr>
+            <a:endParaRPr lang="en-US" altLang="zh-TW" sz="2000" b="1" dirty="0">
+              <a:latin typeface="微軟正黑體" panose="020B0604030504040204" pitchFamily="34" charset="-120"/>
+              <a:ea typeface="微軟正黑體" panose="020B0604030504040204" pitchFamily="34" charset="-120"/>
+            </a:endParaRPr>
+          </a:p>
+          <a:p>
+            <a:pPr>
+              <a:buSzPct val="100000"/>
+            </a:pPr>
+            <a:r>
+              <a:rPr lang="zh-TW" altLang="en-US" sz="2000" b="1" dirty="0">
+                <a:latin typeface="微軟正黑體" panose="020B0604030504040204" pitchFamily="34" charset="-120"/>
+                <a:ea typeface="微軟正黑體" panose="020B0604030504040204" pitchFamily="34" charset="-120"/>
+              </a:rPr>
+              <a:t>解決方法：</a:t>
+            </a:r>
+            <a:r>
+              <a:rPr lang="zh-TW" altLang="en-US" sz="2000" dirty="0"/>
+              <a:t>使用</a:t>
+            </a:r>
+            <a:r>
+              <a:rPr lang="en-US" altLang="zh-TW" sz="2000" dirty="0"/>
+              <a:t>RWD</a:t>
+            </a:r>
+            <a:r>
+              <a:rPr lang="zh-TW" altLang="en-US" sz="2000" dirty="0"/>
+              <a:t>寫法，對不同裝置的畫面重新設計，讓使用者用任何裝置都能清楚的瀏覽</a:t>
+            </a:r>
+            <a:endParaRPr lang="en-US" altLang="zh-TW" sz="2000" dirty="0"/>
+          </a:p>
+        </p:txBody>
+      </p:sp>
+    </p:spTree>
+    <p:extLst>
+      <p:ext uri="{BB962C8B-B14F-4D97-AF65-F5344CB8AC3E}">
+        <p14:creationId xmlns:p14="http://schemas.microsoft.com/office/powerpoint/2010/main" val="960578776"/>
+      </p:ext>
+    </p:extLst>
+  </p:cSld>
+  <p:clrMapOvr>
+    <a:masterClrMapping/>
+  </p:clrMapOvr>
+  <mc:AlternateContent xmlns:mc="http://schemas.openxmlformats.org/markup-compatibility/2006" xmlns:p14="http://schemas.microsoft.com/office/powerpoint/2010/main">
+    <mc:Choice Requires="p14">
+      <p:transition spd="slow" p14:dur="1250" advClick="0" advTm="0">
+        <p:split orient="vert"/>
+      </p:transition>
+    </mc:Choice>
+    <mc:Fallback xmlns="">
+      <p:transition spd="slow" advClick="0" advTm="0">
+        <p:split orient="vert"/>
+      </p:transition>
+    </mc:Fallback>
+  </mc:AlternateContent>
+</p:sld>
+</file>
+
+<file path=ppt/slides/slide23.xml><?xml version="1.0" encoding="utf-8"?>
+<p:sld xmlns:a="http://schemas.openxmlformats.org/drawingml/2006/main" xmlns:r="http://schemas.openxmlformats.org/officeDocument/2006/relationships" xmlns:p="http://schemas.openxmlformats.org/presentationml/2006/main">
+  <p:cSld>
+    <p:spTree>
+      <p:nvGrpSpPr>
+        <p:cNvPr id="1" name=""/>
+        <p:cNvGrpSpPr/>
+        <p:nvPr/>
+      </p:nvGrpSpPr>
+      <p:grpSpPr>
+        <a:xfrm>
+          <a:off x="0" y="0"/>
+          <a:ext cx="0" cy="0"/>
+          <a:chOff x="0" y="0"/>
+          <a:chExt cx="0" cy="0"/>
+        </a:xfrm>
+      </p:grpSpPr>
+      <p:grpSp>
+        <p:nvGrpSpPr>
+          <p:cNvPr id="28" name="组合 27">
+            <a:extLst>
+              <a:ext uri="{FF2B5EF4-FFF2-40B4-BE49-F238E27FC236}">
+                <a16:creationId xmlns:a16="http://schemas.microsoft.com/office/drawing/2014/main" id="{9A6519C1-592C-4F41-8FF6-5B21345A0303}"/>
+              </a:ext>
+            </a:extLst>
+          </p:cNvPr>
+          <p:cNvGrpSpPr/>
+          <p:nvPr/>
+        </p:nvGrpSpPr>
+        <p:grpSpPr>
+          <a:xfrm>
+            <a:off x="670943" y="419918"/>
+            <a:ext cx="7576241" cy="519486"/>
+            <a:chOff x="670943" y="419918"/>
+            <a:chExt cx="7576241" cy="519486"/>
+          </a:xfrm>
+        </p:grpSpPr>
+        <p:sp>
+          <p:nvSpPr>
+            <p:cNvPr id="29" name="KSO_Shape">
+              <a:extLst>
+                <a:ext uri="{FF2B5EF4-FFF2-40B4-BE49-F238E27FC236}">
+                  <a16:creationId xmlns:a16="http://schemas.microsoft.com/office/drawing/2014/main" id="{EDD638DD-2B45-488B-B26D-B153EBD1D659}"/>
+                </a:ext>
+              </a:extLst>
+            </p:cNvPr>
+            <p:cNvSpPr>
+              <a:spLocks noChangeAspect="1"/>
+            </p:cNvSpPr>
+            <p:nvPr/>
+          </p:nvSpPr>
+          <p:spPr>
+            <a:xfrm rot="5400000">
+              <a:off x="647826" y="539879"/>
+              <a:ext cx="334159" cy="287925"/>
+            </a:xfrm>
+            <a:custGeom>
+              <a:avLst/>
+              <a:gdLst/>
+              <a:ahLst/>
+              <a:cxnLst/>
+              <a:rect l="l" t="t" r="r" b="b"/>
+              <a:pathLst>
+                <a:path w="751403" h="647761">
+                  <a:moveTo>
+                    <a:pt x="375702" y="0"/>
+                  </a:moveTo>
+                  <a:lnTo>
+                    <a:pt x="751403" y="647761"/>
+                  </a:lnTo>
+                  <a:lnTo>
+                    <a:pt x="745416" y="647761"/>
+                  </a:lnTo>
+                  <a:lnTo>
+                    <a:pt x="375702" y="432047"/>
+                  </a:lnTo>
+                  <a:lnTo>
+                    <a:pt x="5987" y="647761"/>
+                  </a:lnTo>
+                  <a:lnTo>
+                    <a:pt x="0" y="647761"/>
+                  </a:lnTo>
+                  <a:close/>
+                </a:path>
+              </a:pathLst>
+            </a:custGeom>
+            <a:solidFill>
+              <a:schemeClr val="accent6"/>
+            </a:solidFill>
+            <a:ln>
+              <a:noFill/>
+            </a:ln>
+          </p:spPr>
+          <p:style>
+            <a:lnRef idx="2">
+              <a:schemeClr val="accent1">
+                <a:shade val="50000"/>
+              </a:schemeClr>
+            </a:lnRef>
+            <a:fillRef idx="1">
+              <a:schemeClr val="accent1"/>
+            </a:fillRef>
+            <a:effectRef idx="0">
+              <a:schemeClr val="accent1"/>
+            </a:effectRef>
+            <a:fontRef idx="minor">
+              <a:schemeClr val="lt1"/>
+            </a:fontRef>
+          </p:style>
+          <p:txBody>
+            <a:bodyPr anchor="ctr"/>
+            <a:lstStyle>
+              <a:defPPr>
+                <a:defRPr lang="zh-CN"/>
+              </a:defPPr>
+              <a:lvl1pPr algn="l" rtl="0" eaLnBrk="0" fontAlgn="base" hangingPunct="0">
+                <a:spcBef>
+                  <a:spcPct val="0"/>
+                </a:spcBef>
+                <a:spcAft>
+                  <a:spcPct val="0"/>
+                </a:spcAft>
+                <a:defRPr kern="1200">
+                  <a:solidFill>
+                    <a:schemeClr val="lt1"/>
+                  </a:solidFill>
+                  <a:latin typeface="+mn-lt"/>
+                  <a:ea typeface="+mn-ea"/>
+                  <a:cs typeface="+mn-cs"/>
+                </a:defRPr>
+              </a:lvl1pPr>
+              <a:lvl2pPr marL="457200" algn="l" rtl="0" eaLnBrk="0" fontAlgn="base" hangingPunct="0">
+                <a:spcBef>
+                  <a:spcPct val="0"/>
+                </a:spcBef>
+                <a:spcAft>
+                  <a:spcPct val="0"/>
+                </a:spcAft>
+                <a:defRPr kern="1200">
+                  <a:solidFill>
+                    <a:schemeClr val="lt1"/>
+                  </a:solidFill>
+                  <a:latin typeface="+mn-lt"/>
+                  <a:ea typeface="+mn-ea"/>
+                  <a:cs typeface="+mn-cs"/>
+                </a:defRPr>
+              </a:lvl2pPr>
+              <a:lvl3pPr marL="914400" algn="l" rtl="0" eaLnBrk="0" fontAlgn="base" hangingPunct="0">
+                <a:spcBef>
+                  <a:spcPct val="0"/>
+                </a:spcBef>
+                <a:spcAft>
+                  <a:spcPct val="0"/>
+                </a:spcAft>
+                <a:defRPr kern="1200">
+                  <a:solidFill>
+                    <a:schemeClr val="lt1"/>
+                  </a:solidFill>
+                  <a:latin typeface="+mn-lt"/>
+                  <a:ea typeface="+mn-ea"/>
+                  <a:cs typeface="+mn-cs"/>
+                </a:defRPr>
+              </a:lvl3pPr>
+              <a:lvl4pPr marL="1371600" algn="l" rtl="0" eaLnBrk="0" fontAlgn="base" hangingPunct="0">
+                <a:spcBef>
+                  <a:spcPct val="0"/>
+                </a:spcBef>
+                <a:spcAft>
+                  <a:spcPct val="0"/>
+                </a:spcAft>
+                <a:defRPr kern="1200">
+                  <a:solidFill>
+                    <a:schemeClr val="lt1"/>
+                  </a:solidFill>
+                  <a:latin typeface="+mn-lt"/>
+                  <a:ea typeface="+mn-ea"/>
+                  <a:cs typeface="+mn-cs"/>
+                </a:defRPr>
+              </a:lvl4pPr>
+              <a:lvl5pPr marL="1828800" algn="l" rtl="0" eaLnBrk="0" fontAlgn="base" hangingPunct="0">
+                <a:spcBef>
+                  <a:spcPct val="0"/>
+                </a:spcBef>
+                <a:spcAft>
+                  <a:spcPct val="0"/>
+                </a:spcAft>
+                <a:defRPr kern="1200">
+                  <a:solidFill>
+                    <a:schemeClr val="lt1"/>
+                  </a:solidFill>
+                  <a:latin typeface="+mn-lt"/>
+                  <a:ea typeface="+mn-ea"/>
+                  <a:cs typeface="+mn-cs"/>
+                </a:defRPr>
+              </a:lvl5pPr>
+              <a:lvl6pPr marL="2286000" algn="l" defTabSz="914400" rtl="0" eaLnBrk="1" latinLnBrk="0" hangingPunct="1">
+                <a:defRPr kern="1200">
+                  <a:solidFill>
+                    <a:schemeClr val="lt1"/>
+                  </a:solidFill>
+                  <a:latin typeface="+mn-lt"/>
+                  <a:ea typeface="+mn-ea"/>
+                  <a:cs typeface="+mn-cs"/>
+                </a:defRPr>
+              </a:lvl6pPr>
+              <a:lvl7pPr marL="2743200" algn="l" defTabSz="914400" rtl="0" eaLnBrk="1" latinLnBrk="0" hangingPunct="1">
+                <a:defRPr kern="1200">
+                  <a:solidFill>
+                    <a:schemeClr val="lt1"/>
+                  </a:solidFill>
+                  <a:latin typeface="+mn-lt"/>
+                  <a:ea typeface="+mn-ea"/>
+                  <a:cs typeface="+mn-cs"/>
+                </a:defRPr>
+              </a:lvl7pPr>
+              <a:lvl8pPr marL="3200400" algn="l" defTabSz="914400" rtl="0" eaLnBrk="1" latinLnBrk="0" hangingPunct="1">
+                <a:defRPr kern="1200">
+                  <a:solidFill>
+                    <a:schemeClr val="lt1"/>
+                  </a:solidFill>
+                  <a:latin typeface="+mn-lt"/>
+                  <a:ea typeface="+mn-ea"/>
+                  <a:cs typeface="+mn-cs"/>
+                </a:defRPr>
+              </a:lvl8pPr>
+              <a:lvl9pPr marL="3657600" algn="l" defTabSz="914400" rtl="0" eaLnBrk="1" latinLnBrk="0" hangingPunct="1">
+                <a:defRPr kern="1200">
+                  <a:solidFill>
+                    <a:schemeClr val="lt1"/>
+                  </a:solidFill>
+                  <a:latin typeface="+mn-lt"/>
+                  <a:ea typeface="+mn-ea"/>
+                  <a:cs typeface="+mn-cs"/>
+                </a:defRPr>
+              </a:lvl9pPr>
+            </a:lstStyle>
+            <a:p>
+              <a:pPr algn="ctr" eaLnBrk="1" fontAlgn="auto" hangingPunct="1">
+                <a:spcBef>
+                  <a:spcPts val="0"/>
+                </a:spcBef>
+                <a:spcAft>
+                  <a:spcPts val="0"/>
+                </a:spcAft>
+                <a:defRPr/>
+              </a:pPr>
+              <a:endParaRPr lang="zh-CN" altLang="en-US" sz="1799" dirty="0">
+                <a:solidFill>
+                  <a:srgbClr val="FFFFFF"/>
+                </a:solidFill>
+                <a:latin typeface="微软雅黑" panose="020B0503020204020204" pitchFamily="34" charset="-122"/>
+                <a:ea typeface="微软雅黑" panose="020B0503020204020204" pitchFamily="34" charset="-122"/>
+                <a:sym typeface="Source Han Serif SC" panose="02020400000000000000" pitchFamily="18" charset="-122"/>
+              </a:endParaRPr>
+            </a:p>
+          </p:txBody>
+        </p:sp>
+        <p:sp>
+          <p:nvSpPr>
+            <p:cNvPr id="30" name="文本框 2">
+              <a:extLst>
+                <a:ext uri="{FF2B5EF4-FFF2-40B4-BE49-F238E27FC236}">
+                  <a16:creationId xmlns:a16="http://schemas.microsoft.com/office/drawing/2014/main" id="{63435F3A-CE3C-4372-AF6D-D929162E4A12}"/>
+                </a:ext>
+              </a:extLst>
+            </p:cNvPr>
+            <p:cNvSpPr txBox="1"/>
+            <p:nvPr/>
+          </p:nvSpPr>
+          <p:spPr>
+            <a:xfrm>
+              <a:off x="1283899" y="419918"/>
+              <a:ext cx="6963285" cy="519486"/>
+            </a:xfrm>
+            <a:prstGeom prst="rect">
+              <a:avLst/>
+            </a:prstGeom>
+            <a:noFill/>
+          </p:spPr>
+          <p:txBody>
+            <a:bodyPr wrap="square" lIns="87741" tIns="43871" rIns="87741" bIns="43871" rtlCol="0">
+              <a:spAutoFit/>
+            </a:bodyPr>
+            <a:lstStyle>
+              <a:defPPr>
+                <a:defRPr lang="zh-CN"/>
+              </a:defPPr>
+              <a:lvl1pPr algn="ctr">
+                <a:defRPr sz="2400" spc="300">
+                  <a:solidFill>
+                    <a:schemeClr val="tx2"/>
+                  </a:solidFill>
+                  <a:latin typeface="思源黑体 CN Bold" pitchFamily="34" charset="-122"/>
+                  <a:ea typeface="思源黑体 CN Bold" pitchFamily="34" charset="-122"/>
+                </a:defRPr>
+              </a:lvl1pPr>
+            </a:lstStyle>
+            <a:p>
+              <a:pPr algn="l" defTabSz="914126" fontAlgn="base">
+                <a:spcBef>
+                  <a:spcPct val="0"/>
+                </a:spcBef>
+                <a:spcAft>
+                  <a:spcPct val="0"/>
+                </a:spcAft>
+              </a:pPr>
+              <a:r>
+                <a:rPr lang="zh-TW" altLang="en-US" sz="2800" dirty="0"/>
+                <a:t>協助使用者辨識、偵錯並從錯誤中恢復 </a:t>
+              </a:r>
+              <a:endParaRPr lang="en-US" altLang="zh-CN" sz="2800" dirty="0">
+                <a:solidFill>
+                  <a:schemeClr val="accent2"/>
+                </a:solidFill>
+                <a:latin typeface="微软雅黑" panose="020B0503020204020204" pitchFamily="34" charset="-122"/>
+                <a:ea typeface="微软雅黑" panose="020B0503020204020204" pitchFamily="34" charset="-122"/>
+                <a:sym typeface="Source Han Serif SC" panose="02020400000000000000" pitchFamily="18" charset="-122"/>
+              </a:endParaRPr>
+            </a:p>
+          </p:txBody>
+        </p:sp>
+      </p:grpSp>
+      <p:sp>
+        <p:nvSpPr>
+          <p:cNvPr id="25" name="文字方塊 24">
+            <a:extLst>
+              <a:ext uri="{FF2B5EF4-FFF2-40B4-BE49-F238E27FC236}">
+                <a16:creationId xmlns:a16="http://schemas.microsoft.com/office/drawing/2014/main" id="{9970EC2F-D62D-4E8B-942E-E1DADF57D979}"/>
+              </a:ext>
+            </a:extLst>
+          </p:cNvPr>
+          <p:cNvSpPr txBox="1"/>
+          <p:nvPr/>
+        </p:nvSpPr>
+        <p:spPr>
+          <a:xfrm>
+            <a:off x="1221956" y="2602264"/>
+            <a:ext cx="9930924" cy="1015663"/>
+          </a:xfrm>
+          <a:prstGeom prst="rect">
+            <a:avLst/>
+          </a:prstGeom>
+          <a:noFill/>
+        </p:spPr>
+        <p:txBody>
+          <a:bodyPr wrap="none" rtlCol="0">
+            <a:spAutoFit/>
+          </a:bodyPr>
+          <a:lstStyle/>
+          <a:p>
+            <a:pPr>
+              <a:buSzPct val="100000"/>
+            </a:pPr>
+            <a:r>
+              <a:rPr lang="zh-TW" altLang="en-US" sz="2000" dirty="0"/>
+              <a:t>在購買階段當輸入資料都打好，按下按鈕已經要儲值的時候，</a:t>
+            </a:r>
+            <a:endParaRPr lang="en-US" altLang="zh-TW" sz="2000" dirty="0"/>
+          </a:p>
+          <a:p>
+            <a:pPr>
+              <a:buSzPct val="100000"/>
+            </a:pPr>
+            <a:r>
+              <a:rPr lang="zh-TW" altLang="en-US" sz="2000" dirty="0"/>
+              <a:t>會跳出一個小視窗顯示購買的數量以及確認使用者購買意願，</a:t>
+            </a:r>
+            <a:endParaRPr lang="en-US" altLang="zh-TW" sz="2000" dirty="0"/>
+          </a:p>
+          <a:p>
+            <a:pPr>
+              <a:buSzPct val="100000"/>
+            </a:pPr>
+            <a:r>
+              <a:rPr lang="zh-TW" altLang="en-US" sz="2000" dirty="0"/>
+              <a:t>讓購買者可以確認資料是否正確及可以有機會重新檢視自己是否真的想真的想購買。</a:t>
+            </a:r>
+            <a:endParaRPr lang="en-US" altLang="zh-TW" sz="2000" dirty="0">
+              <a:latin typeface="微軟正黑體" panose="020B0604030504040204" pitchFamily="34" charset="-120"/>
+              <a:ea typeface="微軟正黑體" panose="020B0604030504040204" pitchFamily="34" charset="-120"/>
+            </a:endParaRPr>
+          </a:p>
+        </p:txBody>
+      </p:sp>
+    </p:spTree>
+    <p:extLst>
+      <p:ext uri="{BB962C8B-B14F-4D97-AF65-F5344CB8AC3E}">
+        <p14:creationId xmlns:p14="http://schemas.microsoft.com/office/powerpoint/2010/main" val="1101599339"/>
+      </p:ext>
+    </p:extLst>
+  </p:cSld>
+  <p:clrMapOvr>
+    <a:masterClrMapping/>
+  </p:clrMapOvr>
+  <mc:AlternateContent xmlns:mc="http://schemas.openxmlformats.org/markup-compatibility/2006" xmlns:p14="http://schemas.microsoft.com/office/powerpoint/2010/main">
+    <mc:Choice Requires="p14">
+      <p:transition spd="slow" p14:dur="1250">
+        <p:split orient="vert"/>
+      </p:transition>
+    </mc:Choice>
+    <mc:Fallback xmlns="">
+      <p:transition spd="slow">
+        <p:split orient="vert"/>
+      </p:transition>
+    </mc:Fallback>
+  </mc:AlternateContent>
+</p:sld>
+</file>
+
+<file path=ppt/slides/slide24.xml><?xml version="1.0" encoding="utf-8"?>
+<p:sld xmlns:a="http://schemas.openxmlformats.org/drawingml/2006/main" xmlns:r="http://schemas.openxmlformats.org/officeDocument/2006/relationships" xmlns:p="http://schemas.openxmlformats.org/presentationml/2006/main">
+  <p:cSld>
+    <p:spTree>
+      <p:nvGrpSpPr>
+        <p:cNvPr id="1" name=""/>
+        <p:cNvGrpSpPr/>
+        <p:nvPr/>
+      </p:nvGrpSpPr>
+      <p:grpSpPr>
+        <a:xfrm>
+          <a:off x="0" y="0"/>
+          <a:ext cx="0" cy="0"/>
+          <a:chOff x="0" y="0"/>
+          <a:chExt cx="0" cy="0"/>
+        </a:xfrm>
+      </p:grpSpPr>
+      <p:grpSp>
+        <p:nvGrpSpPr>
+          <p:cNvPr id="11" name="组合 10">
+            <a:extLst>
+              <a:ext uri="{FF2B5EF4-FFF2-40B4-BE49-F238E27FC236}">
+                <a16:creationId xmlns:a16="http://schemas.microsoft.com/office/drawing/2014/main" id="{9A853C84-0981-4C91-9A36-5C7A93E82A21}"/>
+              </a:ext>
+            </a:extLst>
+          </p:cNvPr>
+          <p:cNvGrpSpPr/>
+          <p:nvPr/>
+        </p:nvGrpSpPr>
+        <p:grpSpPr>
+          <a:xfrm>
+            <a:off x="0" y="-2356"/>
+            <a:ext cx="12192002" cy="6860355"/>
+            <a:chOff x="0" y="-2356"/>
+            <a:chExt cx="12192002" cy="6860355"/>
+          </a:xfrm>
+        </p:grpSpPr>
+        <p:pic>
+          <p:nvPicPr>
+            <p:cNvPr id="13" name="图片 12">
+              <a:extLst>
+                <a:ext uri="{FF2B5EF4-FFF2-40B4-BE49-F238E27FC236}">
+                  <a16:creationId xmlns:a16="http://schemas.microsoft.com/office/drawing/2014/main" id="{021810BD-0B92-4787-8ACC-2BBD7F6B8E37}"/>
+                </a:ext>
+              </a:extLst>
+            </p:cNvPr>
+            <p:cNvPicPr>
+              <a:picLocks noChangeAspect="1"/>
+            </p:cNvPicPr>
+            <p:nvPr/>
+          </p:nvPicPr>
+          <p:blipFill rotWithShape="1">
+            <a:blip r:embed="rId3" cstate="email">
+              <a:extLst>
+                <a:ext uri="{28A0092B-C50C-407E-A947-70E740481C1C}">
+                  <a14:useLocalDpi xmlns:a14="http://schemas.microsoft.com/office/drawing/2010/main"/>
+                </a:ext>
+              </a:extLst>
+            </a:blip>
+            <a:srcRect/>
+            <a:stretch/>
+          </p:blipFill>
+          <p:spPr>
+            <a:xfrm rot="16200000">
+              <a:off x="4381502" y="-952501"/>
+              <a:ext cx="3429000" cy="12192000"/>
+            </a:xfrm>
+            <a:prstGeom prst="rect">
+              <a:avLst/>
+            </a:prstGeom>
+          </p:spPr>
+        </p:pic>
+        <p:pic>
+          <p:nvPicPr>
+            <p:cNvPr id="17" name="图片 16">
+              <a:extLst>
+                <a:ext uri="{FF2B5EF4-FFF2-40B4-BE49-F238E27FC236}">
+                  <a16:creationId xmlns:a16="http://schemas.microsoft.com/office/drawing/2014/main" id="{62A56F52-34CB-412B-A867-7F86E3F077CF}"/>
+                </a:ext>
+              </a:extLst>
+            </p:cNvPr>
+            <p:cNvPicPr>
+              <a:picLocks noChangeAspect="1"/>
+            </p:cNvPicPr>
+            <p:nvPr/>
+          </p:nvPicPr>
+          <p:blipFill rotWithShape="1">
+            <a:blip r:embed="rId3" cstate="email">
+              <a:extLst>
+                <a:ext uri="{28A0092B-C50C-407E-A947-70E740481C1C}">
+                  <a14:useLocalDpi xmlns:a14="http://schemas.microsoft.com/office/drawing/2010/main"/>
+                </a:ext>
+              </a:extLst>
+            </a:blip>
+            <a:srcRect/>
+            <a:stretch/>
+          </p:blipFill>
+          <p:spPr>
+            <a:xfrm rot="5400000" flipV="1">
+              <a:off x="4381500" y="-4383856"/>
+              <a:ext cx="3429000" cy="12192000"/>
+            </a:xfrm>
+            <a:prstGeom prst="rect">
+              <a:avLst/>
+            </a:prstGeom>
+          </p:spPr>
+        </p:pic>
+      </p:grpSp>
+      <p:grpSp>
+        <p:nvGrpSpPr>
+          <p:cNvPr id="2" name="组合 1">
+            <a:extLst>
+              <a:ext uri="{FF2B5EF4-FFF2-40B4-BE49-F238E27FC236}">
+                <a16:creationId xmlns:a16="http://schemas.microsoft.com/office/drawing/2014/main" id="{A2C0FBEF-DFC6-4397-995F-C06129D495B8}"/>
+              </a:ext>
+            </a:extLst>
+          </p:cNvPr>
+          <p:cNvGrpSpPr/>
+          <p:nvPr/>
+        </p:nvGrpSpPr>
+        <p:grpSpPr>
+          <a:xfrm>
+            <a:off x="1534886" y="1180193"/>
+            <a:ext cx="8182532" cy="4153807"/>
+            <a:chOff x="1534886" y="1180193"/>
+            <a:chExt cx="8182532" cy="4153807"/>
+          </a:xfrm>
+        </p:grpSpPr>
+        <p:sp>
+          <p:nvSpPr>
+            <p:cNvPr id="8" name="任意多边形: 形状 7">
+              <a:extLst>
+                <a:ext uri="{FF2B5EF4-FFF2-40B4-BE49-F238E27FC236}">
+                  <a16:creationId xmlns:a16="http://schemas.microsoft.com/office/drawing/2014/main" id="{09E26A54-1AEE-4421-8E82-83AEBE0137FA}"/>
+                </a:ext>
+              </a:extLst>
+            </p:cNvPr>
+            <p:cNvSpPr/>
+            <p:nvPr/>
+          </p:nvSpPr>
+          <p:spPr>
+            <a:xfrm flipH="1" flipV="1">
+              <a:off x="2474582" y="1180193"/>
+              <a:ext cx="7242836" cy="4153807"/>
+            </a:xfrm>
+            <a:custGeom>
+              <a:avLst/>
+              <a:gdLst>
+                <a:gd name="connsiteX0" fmla="*/ 8984343 w 8984343"/>
+                <a:gd name="connsiteY0" fmla="*/ 2206171 h 5152571"/>
+                <a:gd name="connsiteX1" fmla="*/ 8984343 w 8984343"/>
+                <a:gd name="connsiteY1" fmla="*/ 0 h 5152571"/>
+                <a:gd name="connsiteX2" fmla="*/ 0 w 8984343"/>
+                <a:gd name="connsiteY2" fmla="*/ 0 h 5152571"/>
+                <a:gd name="connsiteX3" fmla="*/ 0 w 8984343"/>
+                <a:gd name="connsiteY3" fmla="*/ 5152571 h 5152571"/>
+                <a:gd name="connsiteX4" fmla="*/ 8984343 w 8984343"/>
+                <a:gd name="connsiteY4" fmla="*/ 5152571 h 5152571"/>
+                <a:gd name="connsiteX5" fmla="*/ 8984343 w 8984343"/>
+                <a:gd name="connsiteY5" fmla="*/ 3468914 h 5152571"/>
+                <a:gd name="connsiteX6" fmla="*/ 8911771 w 8984343"/>
+                <a:gd name="connsiteY6" fmla="*/ 3468914 h 5152571"/>
+              </a:gdLst>
+              <a:ahLst/>
+              <a:cxnLst>
+                <a:cxn ang="0">
+                  <a:pos x="connsiteX0" y="connsiteY0"/>
+                </a:cxn>
+                <a:cxn ang="0">
+                  <a:pos x="connsiteX1" y="connsiteY1"/>
+                </a:cxn>
+                <a:cxn ang="0">
+                  <a:pos x="connsiteX2" y="connsiteY2"/>
+                </a:cxn>
+                <a:cxn ang="0">
+                  <a:pos x="connsiteX3" y="connsiteY3"/>
+                </a:cxn>
+                <a:cxn ang="0">
+                  <a:pos x="connsiteX4" y="connsiteY4"/>
+                </a:cxn>
+                <a:cxn ang="0">
+                  <a:pos x="connsiteX5" y="connsiteY5"/>
+                </a:cxn>
+                <a:cxn ang="0">
+                  <a:pos x="connsiteX6" y="connsiteY6"/>
+                </a:cxn>
+              </a:cxnLst>
+              <a:rect l="l" t="t" r="r" b="b"/>
+              <a:pathLst>
+                <a:path w="8984343" h="5152571">
+                  <a:moveTo>
+                    <a:pt x="8984343" y="2206171"/>
+                  </a:moveTo>
+                  <a:lnTo>
+                    <a:pt x="8984343" y="0"/>
+                  </a:lnTo>
+                  <a:lnTo>
+                    <a:pt x="0" y="0"/>
+                  </a:lnTo>
+                  <a:lnTo>
+                    <a:pt x="0" y="5152571"/>
+                  </a:lnTo>
+                  <a:lnTo>
+                    <a:pt x="8984343" y="5152571"/>
+                  </a:lnTo>
+                  <a:lnTo>
+                    <a:pt x="8984343" y="3468914"/>
+                  </a:lnTo>
+                  <a:lnTo>
+                    <a:pt x="8911771" y="3468914"/>
+                  </a:lnTo>
+                </a:path>
+              </a:pathLst>
+            </a:custGeom>
+            <a:noFill/>
+            <a:ln w="57150">
+              <a:solidFill>
+                <a:srgbClr val="0C3273"/>
+              </a:solidFill>
+            </a:ln>
+          </p:spPr>
+          <p:style>
+            <a:lnRef idx="2">
+              <a:schemeClr val="accent1">
+                <a:shade val="50000"/>
+              </a:schemeClr>
+            </a:lnRef>
+            <a:fillRef idx="1">
+              <a:schemeClr val="accent1"/>
+            </a:fillRef>
+            <a:effectRef idx="0">
+              <a:schemeClr val="accent1"/>
+            </a:effectRef>
+            <a:fontRef idx="minor">
+              <a:schemeClr val="lt1"/>
+            </a:fontRef>
+          </p:style>
+          <p:txBody>
+            <a:bodyPr rtlCol="0" anchor="ctr"/>
+            <a:lstStyle/>
+            <a:p>
+              <a:pPr marL="0" marR="0" lvl="0" indent="0" algn="ctr" defTabSz="914400" rtl="0" eaLnBrk="1" fontAlgn="auto" latinLnBrk="0" hangingPunct="1">
+                <a:lnSpc>
+                  <a:spcPct val="100000"/>
+                </a:lnSpc>
+                <a:spcBef>
+                  <a:spcPts val="0"/>
+                </a:spcBef>
+                <a:spcAft>
+                  <a:spcPts val="0"/>
+                </a:spcAft>
+                <a:buClrTx/>
+                <a:buSzTx/>
+                <a:buFontTx/>
+                <a:buNone/>
+                <a:tabLst/>
+                <a:defRPr/>
+              </a:pPr>
+              <a:endParaRPr kumimoji="0" lang="zh-CN" altLang="en-US" sz="1800" b="0" i="0" u="none" strike="noStrike" kern="1200" cap="none" spc="0" normalizeH="0" baseline="0" noProof="0" dirty="0">
+                <a:ln>
+                  <a:noFill/>
+                </a:ln>
+                <a:solidFill>
+                  <a:prstClr val="white"/>
+                </a:solidFill>
+                <a:effectLst/>
+                <a:uLnTx/>
+                <a:uFillTx/>
+                <a:latin typeface="微软雅黑" panose="020B0503020204020204" pitchFamily="34" charset="-122"/>
+                <a:ea typeface="微软雅黑" panose="020B0503020204020204" pitchFamily="34" charset="-122"/>
+                <a:sym typeface="Source Han Serif SC" panose="02020400000000000000" pitchFamily="18" charset="-122"/>
+              </a:endParaRPr>
+            </a:p>
+          </p:txBody>
+        </p:sp>
+        <p:cxnSp>
+          <p:nvCxnSpPr>
+            <p:cNvPr id="9" name="直接连接符 8">
+              <a:extLst>
+                <a:ext uri="{FF2B5EF4-FFF2-40B4-BE49-F238E27FC236}">
+                  <a16:creationId xmlns:a16="http://schemas.microsoft.com/office/drawing/2014/main" id="{1DE9CE57-CE90-4BFD-8900-77CF1AB404C0}"/>
+                </a:ext>
+              </a:extLst>
+            </p:cNvPr>
+            <p:cNvCxnSpPr>
+              <a:cxnSpLocks/>
+            </p:cNvCxnSpPr>
+            <p:nvPr/>
+          </p:nvCxnSpPr>
+          <p:spPr>
+            <a:xfrm flipV="1">
+              <a:off x="1534886" y="3364685"/>
+              <a:ext cx="936069" cy="190139"/>
+            </a:xfrm>
+            <a:prstGeom prst="line">
+              <a:avLst/>
+            </a:prstGeom>
+            <a:noFill/>
+            <a:ln w="38100">
+              <a:solidFill>
+                <a:srgbClr val="D30F1B"/>
+              </a:solidFill>
+            </a:ln>
+          </p:spPr>
+          <p:style>
+            <a:lnRef idx="2">
+              <a:schemeClr val="accent1">
+                <a:shade val="50000"/>
+              </a:schemeClr>
+            </a:lnRef>
+            <a:fillRef idx="1">
+              <a:schemeClr val="accent1"/>
+            </a:fillRef>
+            <a:effectRef idx="0">
+              <a:schemeClr val="accent1"/>
+            </a:effectRef>
+            <a:fontRef idx="minor">
+              <a:schemeClr val="lt1"/>
+            </a:fontRef>
+          </p:style>
+        </p:cxnSp>
+        <p:cxnSp>
+          <p:nvCxnSpPr>
+            <p:cNvPr id="10" name="直接连接符 9">
+              <a:extLst>
+                <a:ext uri="{FF2B5EF4-FFF2-40B4-BE49-F238E27FC236}">
+                  <a16:creationId xmlns:a16="http://schemas.microsoft.com/office/drawing/2014/main" id="{861D2381-9965-4F46-97FB-C60AC6BF4B7F}"/>
+                </a:ext>
+              </a:extLst>
+            </p:cNvPr>
+            <p:cNvCxnSpPr>
+              <a:cxnSpLocks/>
+            </p:cNvCxnSpPr>
+            <p:nvPr/>
+          </p:nvCxnSpPr>
+          <p:spPr>
+            <a:xfrm flipV="1">
+              <a:off x="2154464" y="2674334"/>
+              <a:ext cx="936069" cy="190139"/>
+            </a:xfrm>
+            <a:prstGeom prst="line">
+              <a:avLst/>
+            </a:prstGeom>
+            <a:noFill/>
+            <a:ln w="38100">
+              <a:solidFill>
+                <a:srgbClr val="D30F1B"/>
+              </a:solidFill>
+            </a:ln>
+          </p:spPr>
+          <p:style>
+            <a:lnRef idx="2">
+              <a:schemeClr val="accent1">
+                <a:shade val="50000"/>
+              </a:schemeClr>
+            </a:lnRef>
+            <a:fillRef idx="1">
+              <a:schemeClr val="accent1"/>
+            </a:fillRef>
+            <a:effectRef idx="0">
+              <a:schemeClr val="accent1"/>
+            </a:effectRef>
+            <a:fontRef idx="minor">
+              <a:schemeClr val="lt1"/>
+            </a:fontRef>
+          </p:style>
+        </p:cxnSp>
+        <p:sp>
+          <p:nvSpPr>
+            <p:cNvPr id="14" name="文本框 13">
+              <a:extLst>
+                <a:ext uri="{FF2B5EF4-FFF2-40B4-BE49-F238E27FC236}">
+                  <a16:creationId xmlns:a16="http://schemas.microsoft.com/office/drawing/2014/main" id="{84F2F553-12CB-48EA-8691-660F5AAEC6FF}"/>
+                </a:ext>
+              </a:extLst>
+            </p:cNvPr>
+            <p:cNvSpPr txBox="1"/>
+            <p:nvPr/>
+          </p:nvSpPr>
+          <p:spPr>
+            <a:xfrm>
+              <a:off x="3997086" y="1756335"/>
+              <a:ext cx="4197831" cy="1200329"/>
+            </a:xfrm>
+            <a:prstGeom prst="rect">
+              <a:avLst/>
+            </a:prstGeom>
+            <a:noFill/>
+          </p:spPr>
+          <p:txBody>
+            <a:bodyPr wrap="square" rtlCol="0">
+              <a:spAutoFit/>
+            </a:bodyPr>
+            <a:lstStyle/>
+            <a:p>
+              <a:pPr marL="0" marR="0" lvl="0" indent="0" algn="ctr" defTabSz="914400" rtl="0" eaLnBrk="1" fontAlgn="auto" latinLnBrk="0" hangingPunct="1">
+                <a:lnSpc>
+                  <a:spcPct val="100000"/>
+                </a:lnSpc>
+                <a:spcBef>
+                  <a:spcPts val="0"/>
+                </a:spcBef>
+                <a:spcAft>
+                  <a:spcPts val="0"/>
+                </a:spcAft>
+                <a:buClrTx/>
+                <a:buSzTx/>
+                <a:buFontTx/>
+                <a:buNone/>
+                <a:tabLst/>
+                <a:defRPr/>
+              </a:pPr>
+              <a:r>
+                <a:rPr kumimoji="0" lang="en-US" altLang="zh-CN" sz="7200" b="1" u="none" strike="noStrike" kern="1200" cap="none" spc="0" normalizeH="0" baseline="0" noProof="0" dirty="0">
+                  <a:ln>
+                    <a:noFill/>
+                  </a:ln>
+                  <a:solidFill>
+                    <a:srgbClr val="D30F1B"/>
+                  </a:solidFill>
+                  <a:effectLst/>
+                  <a:uLnTx/>
+                  <a:uFillTx/>
+                  <a:latin typeface="微软雅黑" panose="020B0503020204020204" pitchFamily="34" charset="-122"/>
+                  <a:ea typeface="微软雅黑" panose="020B0503020204020204" pitchFamily="34" charset="-122"/>
+                  <a:sym typeface="Source Han Serif SC" panose="02020400000000000000" pitchFamily="18" charset="-122"/>
+                </a:rPr>
+                <a:t>PART 0</a:t>
+              </a:r>
+              <a:r>
+                <a:rPr kumimoji="0" lang="en-US" altLang="zh-TW" sz="7200" b="1" u="none" strike="noStrike" kern="1200" cap="none" spc="0" normalizeH="0" baseline="0" noProof="0" dirty="0">
+                  <a:ln>
+                    <a:noFill/>
+                  </a:ln>
+                  <a:solidFill>
+                    <a:srgbClr val="D30F1B"/>
+                  </a:solidFill>
+                  <a:effectLst/>
+                  <a:uLnTx/>
+                  <a:uFillTx/>
+                  <a:latin typeface="微软雅黑" panose="020B0503020204020204" pitchFamily="34" charset="-122"/>
+                  <a:ea typeface="微软雅黑" panose="020B0503020204020204" pitchFamily="34" charset="-122"/>
+                  <a:sym typeface="Source Han Serif SC" panose="02020400000000000000" pitchFamily="18" charset="-122"/>
+                </a:rPr>
+                <a:t>4</a:t>
+              </a:r>
+              <a:endParaRPr kumimoji="0" lang="zh-CN" altLang="en-US" sz="7200" b="1" u="none" strike="noStrike" kern="1200" cap="none" spc="0" normalizeH="0" baseline="0" noProof="0" dirty="0">
+                <a:ln>
+                  <a:noFill/>
+                </a:ln>
+                <a:solidFill>
+                  <a:srgbClr val="D30F1B"/>
+                </a:solidFill>
+                <a:effectLst/>
+                <a:uLnTx/>
+                <a:uFillTx/>
+                <a:latin typeface="微软雅黑" panose="020B0503020204020204" pitchFamily="34" charset="-122"/>
+                <a:ea typeface="微软雅黑" panose="020B0503020204020204" pitchFamily="34" charset="-122"/>
+                <a:sym typeface="Source Han Serif SC" panose="02020400000000000000" pitchFamily="18" charset="-122"/>
+              </a:endParaRPr>
+            </a:p>
+          </p:txBody>
+        </p:sp>
+        <p:sp>
+          <p:nvSpPr>
+            <p:cNvPr id="12" name="文本框 11">
+              <a:extLst>
+                <a:ext uri="{FF2B5EF4-FFF2-40B4-BE49-F238E27FC236}">
+                  <a16:creationId xmlns:a16="http://schemas.microsoft.com/office/drawing/2014/main" id="{39B546B5-5404-46B4-A47F-A3F5A7773AC7}"/>
+                </a:ext>
+              </a:extLst>
+            </p:cNvPr>
+            <p:cNvSpPr txBox="1"/>
+            <p:nvPr/>
+          </p:nvSpPr>
+          <p:spPr>
+            <a:xfrm>
+              <a:off x="3641207" y="3554824"/>
+              <a:ext cx="4875668" cy="538032"/>
+            </a:xfrm>
+            <a:prstGeom prst="rect">
+              <a:avLst/>
+            </a:prstGeom>
+            <a:noFill/>
+          </p:spPr>
+          <p:txBody>
+            <a:bodyPr wrap="square" rtlCol="0">
+              <a:spAutoFit/>
+            </a:bodyPr>
+            <a:lstStyle>
+              <a:defPPr>
+                <a:defRPr lang="zh-CN"/>
+              </a:defPPr>
+              <a:lvl1pPr algn="ctr">
+                <a:lnSpc>
+                  <a:spcPct val="70000"/>
+                </a:lnSpc>
+                <a:defRPr sz="5400" b="0" spc="800">
+                  <a:latin typeface="庞门正道标题体" panose="02010600030101010101" pitchFamily="2" charset="-122"/>
+                  <a:ea typeface="庞门正道标题体" panose="02010600030101010101" pitchFamily="2" charset="-122"/>
+                </a:defRPr>
+              </a:lvl1pPr>
+              <a:lvl2pPr>
+                <a:defRPr/>
+              </a:lvl2pPr>
+              <a:lvl3pPr>
+                <a:defRPr/>
+              </a:lvl3pPr>
+              <a:lvl4pPr>
+                <a:defRPr/>
+              </a:lvl4pPr>
+              <a:lvl5pPr>
+                <a:defRPr/>
+              </a:lvl5pPr>
+              <a:lvl6pPr>
+                <a:defRPr/>
+              </a:lvl6pPr>
+              <a:lvl7pPr>
+                <a:defRPr/>
+              </a:lvl7pPr>
+              <a:lvl8pPr>
+                <a:defRPr/>
+              </a:lvl8pPr>
+              <a:lvl9pPr>
+                <a:defRPr/>
+              </a:lvl9pPr>
+            </a:lstStyle>
+            <a:p>
+              <a:pPr marL="0" marR="0" lvl="0" indent="0" algn="ctr" defTabSz="914400" rtl="0" eaLnBrk="1" fontAlgn="auto" latinLnBrk="0" hangingPunct="1">
+                <a:lnSpc>
+                  <a:spcPct val="70000"/>
+                </a:lnSpc>
+                <a:spcBef>
+                  <a:spcPts val="0"/>
+                </a:spcBef>
+                <a:spcAft>
+                  <a:spcPts val="0"/>
+                </a:spcAft>
+                <a:buClrTx/>
+                <a:buSzTx/>
+                <a:buFontTx/>
+                <a:buNone/>
+                <a:tabLst/>
+                <a:defRPr/>
+              </a:pPr>
+              <a:r>
+                <a:rPr lang="zh-TW" altLang="en-US" sz="4000" dirty="0">
+                  <a:solidFill>
+                    <a:srgbClr val="0C3273"/>
+                  </a:solidFill>
+                  <a:latin typeface="微软雅黑" panose="020B0503020204020204" pitchFamily="34" charset="-122"/>
+                  <a:ea typeface="微软雅黑" panose="020B0503020204020204" pitchFamily="34" charset="-122"/>
+                  <a:sym typeface="Source Han Serif SC" panose="02020400000000000000" pitchFamily="18" charset="-122"/>
+                </a:rPr>
+                <a:t>未來規劃</a:t>
+              </a:r>
+              <a:endParaRPr kumimoji="0" lang="zh-CN" altLang="en-US" sz="4000" b="0" i="0" u="none" strike="noStrike" kern="1200" cap="none" spc="800" normalizeH="0" baseline="0" noProof="0" dirty="0">
+                <a:ln>
+                  <a:noFill/>
+                </a:ln>
+                <a:solidFill>
+                  <a:srgbClr val="0C3273"/>
+                </a:solidFill>
+                <a:effectLst/>
+                <a:uLnTx/>
+                <a:uFillTx/>
+                <a:latin typeface="微软雅黑" panose="020B0503020204020204" pitchFamily="34" charset="-122"/>
+                <a:ea typeface="微软雅黑" panose="020B0503020204020204" pitchFamily="34" charset="-122"/>
+                <a:sym typeface="Source Han Serif SC" panose="02020400000000000000" pitchFamily="18" charset="-122"/>
+              </a:endParaRPr>
+            </a:p>
+          </p:txBody>
+        </p:sp>
+      </p:grpSp>
+    </p:spTree>
+    <p:extLst>
+      <p:ext uri="{BB962C8B-B14F-4D97-AF65-F5344CB8AC3E}">
+        <p14:creationId xmlns:p14="http://schemas.microsoft.com/office/powerpoint/2010/main" val="1816044223"/>
+      </p:ext>
+    </p:extLst>
+  </p:cSld>
+  <p:clrMapOvr>
+    <a:masterClrMapping/>
+  </p:clrMapOvr>
+  <mc:AlternateContent xmlns:mc="http://schemas.openxmlformats.org/markup-compatibility/2006" xmlns:p14="http://schemas.microsoft.com/office/powerpoint/2010/main">
+    <mc:Choice Requires="p14">
+      <p:transition spd="slow" p14:dur="1250">
+        <p:split orient="vert"/>
+      </p:transition>
+    </mc:Choice>
+    <mc:Fallback xmlns="">
+      <p:transition spd="slow">
+        <p:split orient="vert"/>
+      </p:transition>
+    </mc:Fallback>
+  </mc:AlternateContent>
+  <p:timing>
+    <p:tnLst>
+      <p:par>
+        <p:cTn id="1" dur="indefinite" restart="never" nodeType="tmRoot">
+          <p:childTnLst>
+            <p:seq concurrent="1" nextAc="seek">
+              <p:cTn id="2" dur="indefinite" nodeType="mainSeq">
+                <p:childTnLst>
+                  <p:par>
+                    <p:cTn id="3" fill="hold">
+                      <p:stCondLst>
+                        <p:cond delay="indefinite"/>
+                        <p:cond evt="onBegin" delay="0">
+                          <p:tn val="2"/>
+                        </p:cond>
+                      </p:stCondLst>
+                      <p:childTnLst>
+                        <p:par>
+                          <p:cTn id="4" fill="hold">
+                            <p:stCondLst>
+                              <p:cond delay="0"/>
+                            </p:stCondLst>
+                            <p:childTnLst>
+                              <p:par>
+                                <p:cTn id="5" presetID="22" presetClass="entr" presetSubtype="4" fill="hold" nodeType="afterEffect">
+                                  <p:stCondLst>
+                                    <p:cond delay="0"/>
+                                  </p:stCondLst>
+                                  <p:childTnLst>
+                                    <p:set>
+                                      <p:cBhvr>
+                                        <p:cTn id="6" dur="1" fill="hold">
+                                          <p:stCondLst>
+                                            <p:cond delay="0"/>
+                                          </p:stCondLst>
+                                        </p:cTn>
+                                        <p:tgtEl>
+                                          <p:spTgt spid="11"/>
+                                        </p:tgtEl>
+                                        <p:attrNameLst>
+                                          <p:attrName>style.visibility</p:attrName>
+                                        </p:attrNameLst>
+                                      </p:cBhvr>
+                                      <p:to>
+                                        <p:strVal val="visible"/>
+                                      </p:to>
+                                    </p:set>
+                                    <p:animEffect transition="in" filter="wipe(down)">
+                                      <p:cBhvr>
+                                        <p:cTn id="7" dur="500"/>
+                                        <p:tgtEl>
+                                          <p:spTgt spid="11"/>
+                                        </p:tgtEl>
+                                      </p:cBhvr>
+                                    </p:animEffect>
+                                  </p:childTnLst>
+                                </p:cTn>
+                              </p:par>
+                            </p:childTnLst>
+                          </p:cTn>
+                        </p:par>
+                        <p:par>
+                          <p:cTn id="8" fill="hold">
+                            <p:stCondLst>
+                              <p:cond delay="500"/>
+                            </p:stCondLst>
+                            <p:childTnLst>
+                              <p:par>
+                                <p:cTn id="9" presetID="22" presetClass="entr" presetSubtype="4" fill="hold" nodeType="afterEffect">
+                                  <p:stCondLst>
+                                    <p:cond delay="0"/>
+                                  </p:stCondLst>
+                                  <p:childTnLst>
+                                    <p:set>
+                                      <p:cBhvr>
+                                        <p:cTn id="10" dur="1" fill="hold">
+                                          <p:stCondLst>
+                                            <p:cond delay="0"/>
+                                          </p:stCondLst>
+                                        </p:cTn>
+                                        <p:tgtEl>
+                                          <p:spTgt spid="2"/>
+                                        </p:tgtEl>
+                                        <p:attrNameLst>
+                                          <p:attrName>style.visibility</p:attrName>
+                                        </p:attrNameLst>
+                                      </p:cBhvr>
+                                      <p:to>
+                                        <p:strVal val="visible"/>
+                                      </p:to>
+                                    </p:set>
+                                    <p:animEffect transition="in" filter="wipe(down)">
+                                      <p:cBhvr>
+                                        <p:cTn id="11" dur="500"/>
+                                        <p:tgtEl>
+                                          <p:spTgt spid="2"/>
+                                        </p:tgtEl>
+                                      </p:cBhvr>
+                                    </p:animEffect>
+                                  </p:childTnLst>
+                                </p:cTn>
+                              </p:par>
+                            </p:childTnLst>
+                          </p:cTn>
+                        </p:par>
+                      </p:childTnLst>
+                    </p:cTn>
+                  </p:par>
+                </p:childTnLst>
+              </p:cTn>
+              <p:prevCondLst>
+                <p:cond evt="onPrev" delay="0">
+                  <p:tgtEl>
+                    <p:sldTgt/>
+                  </p:tgtEl>
+                </p:cond>
+              </p:prevCondLst>
+              <p:nextCondLst>
+                <p:cond evt="onNext" delay="0">
+                  <p:tgtEl>
+                    <p:sldTgt/>
+                  </p:tgtEl>
+                </p:cond>
+              </p:nextCondLst>
+            </p:seq>
+          </p:childTnLst>
+        </p:cTn>
+      </p:par>
+    </p:tnLst>
+  </p:timing>
+</p:sld>
+</file>
+
+<file path=ppt/slides/slide25.xml><?xml version="1.0" encoding="utf-8"?>
+<p:sld xmlns:a="http://schemas.openxmlformats.org/drawingml/2006/main" xmlns:r="http://schemas.openxmlformats.org/officeDocument/2006/relationships" xmlns:p="http://schemas.openxmlformats.org/presentationml/2006/main">
+  <p:cSld>
+    <p:spTree>
+      <p:nvGrpSpPr>
+        <p:cNvPr id="1" name=""/>
+        <p:cNvGrpSpPr/>
+        <p:nvPr/>
+      </p:nvGrpSpPr>
+      <p:grpSpPr>
+        <a:xfrm>
+          <a:off x="0" y="0"/>
+          <a:ext cx="0" cy="0"/>
+          <a:chOff x="0" y="0"/>
+          <a:chExt cx="0" cy="0"/>
+        </a:xfrm>
+      </p:grpSpPr>
+      <p:grpSp>
+        <p:nvGrpSpPr>
+          <p:cNvPr id="80" name="组合 64">
+            <a:extLst>
+              <a:ext uri="{FF2B5EF4-FFF2-40B4-BE49-F238E27FC236}">
+                <a16:creationId xmlns:a16="http://schemas.microsoft.com/office/drawing/2014/main" id="{E8A064E9-4A1B-41FA-A12E-94A54AD9325E}"/>
+              </a:ext>
+            </a:extLst>
+          </p:cNvPr>
+          <p:cNvGrpSpPr/>
+          <p:nvPr/>
+        </p:nvGrpSpPr>
+        <p:grpSpPr>
+          <a:xfrm>
+            <a:off x="670943" y="424098"/>
+            <a:ext cx="3297162" cy="519486"/>
+            <a:chOff x="670943" y="424098"/>
+            <a:chExt cx="3297162" cy="519486"/>
+          </a:xfrm>
+        </p:grpSpPr>
+        <p:sp>
+          <p:nvSpPr>
+            <p:cNvPr id="81" name="KSO_Shape">
+              <a:extLst>
+                <a:ext uri="{FF2B5EF4-FFF2-40B4-BE49-F238E27FC236}">
+                  <a16:creationId xmlns:a16="http://schemas.microsoft.com/office/drawing/2014/main" id="{1D21A2EC-1CEB-4E4D-A5F5-0719F04D8E88}"/>
+                </a:ext>
+              </a:extLst>
+            </p:cNvPr>
+            <p:cNvSpPr>
+              <a:spLocks noChangeAspect="1"/>
+            </p:cNvSpPr>
+            <p:nvPr/>
+          </p:nvSpPr>
+          <p:spPr>
+            <a:xfrm rot="5400000">
+              <a:off x="647826" y="539879"/>
+              <a:ext cx="334159" cy="287925"/>
+            </a:xfrm>
+            <a:custGeom>
+              <a:avLst/>
+              <a:gdLst/>
+              <a:ahLst/>
+              <a:cxnLst/>
+              <a:rect l="l" t="t" r="r" b="b"/>
+              <a:pathLst>
+                <a:path w="751403" h="647761">
+                  <a:moveTo>
+                    <a:pt x="375702" y="0"/>
+                  </a:moveTo>
+                  <a:lnTo>
+                    <a:pt x="751403" y="647761"/>
+                  </a:lnTo>
+                  <a:lnTo>
+                    <a:pt x="745416" y="647761"/>
+                  </a:lnTo>
+                  <a:lnTo>
+                    <a:pt x="375702" y="432047"/>
+                  </a:lnTo>
+                  <a:lnTo>
+                    <a:pt x="5987" y="647761"/>
+                  </a:lnTo>
+                  <a:lnTo>
+                    <a:pt x="0" y="647761"/>
+                  </a:lnTo>
+                  <a:close/>
+                </a:path>
+              </a:pathLst>
+            </a:custGeom>
+            <a:solidFill>
+              <a:schemeClr val="accent6"/>
+            </a:solidFill>
+            <a:ln>
+              <a:noFill/>
+            </a:ln>
+          </p:spPr>
+          <p:style>
+            <a:lnRef idx="2">
+              <a:schemeClr val="accent1">
+                <a:shade val="50000"/>
+              </a:schemeClr>
+            </a:lnRef>
+            <a:fillRef idx="1">
+              <a:schemeClr val="accent1"/>
+            </a:fillRef>
+            <a:effectRef idx="0">
+              <a:schemeClr val="accent1"/>
+            </a:effectRef>
+            <a:fontRef idx="minor">
+              <a:schemeClr val="lt1"/>
+            </a:fontRef>
+          </p:style>
+          <p:txBody>
+            <a:bodyPr anchor="ctr"/>
+            <a:lstStyle>
+              <a:defPPr>
+                <a:defRPr lang="zh-CN"/>
+              </a:defPPr>
+              <a:lvl1pPr algn="l" rtl="0" eaLnBrk="0" fontAlgn="base" hangingPunct="0">
+                <a:spcBef>
+                  <a:spcPct val="0"/>
+                </a:spcBef>
+                <a:spcAft>
+                  <a:spcPct val="0"/>
+                </a:spcAft>
+                <a:defRPr kern="1200">
+                  <a:solidFill>
+                    <a:schemeClr val="lt1"/>
+                  </a:solidFill>
+                  <a:latin typeface="+mn-lt"/>
+                  <a:ea typeface="+mn-ea"/>
+                  <a:cs typeface="+mn-cs"/>
+                </a:defRPr>
+              </a:lvl1pPr>
+              <a:lvl2pPr marL="457200" algn="l" rtl="0" eaLnBrk="0" fontAlgn="base" hangingPunct="0">
+                <a:spcBef>
+                  <a:spcPct val="0"/>
+                </a:spcBef>
+                <a:spcAft>
+                  <a:spcPct val="0"/>
+                </a:spcAft>
+                <a:defRPr kern="1200">
+                  <a:solidFill>
+                    <a:schemeClr val="lt1"/>
+                  </a:solidFill>
+                  <a:latin typeface="+mn-lt"/>
+                  <a:ea typeface="+mn-ea"/>
+                  <a:cs typeface="+mn-cs"/>
+                </a:defRPr>
+              </a:lvl2pPr>
+              <a:lvl3pPr marL="914400" algn="l" rtl="0" eaLnBrk="0" fontAlgn="base" hangingPunct="0">
+                <a:spcBef>
+                  <a:spcPct val="0"/>
+                </a:spcBef>
+                <a:spcAft>
+                  <a:spcPct val="0"/>
+                </a:spcAft>
+                <a:defRPr kern="1200">
+                  <a:solidFill>
+                    <a:schemeClr val="lt1"/>
+                  </a:solidFill>
+                  <a:latin typeface="+mn-lt"/>
+                  <a:ea typeface="+mn-ea"/>
+                  <a:cs typeface="+mn-cs"/>
+                </a:defRPr>
+              </a:lvl3pPr>
+              <a:lvl4pPr marL="1371600" algn="l" rtl="0" eaLnBrk="0" fontAlgn="base" hangingPunct="0">
+                <a:spcBef>
+                  <a:spcPct val="0"/>
+                </a:spcBef>
+                <a:spcAft>
+                  <a:spcPct val="0"/>
+                </a:spcAft>
+                <a:defRPr kern="1200">
+                  <a:solidFill>
+                    <a:schemeClr val="lt1"/>
+                  </a:solidFill>
+                  <a:latin typeface="+mn-lt"/>
+                  <a:ea typeface="+mn-ea"/>
+                  <a:cs typeface="+mn-cs"/>
+                </a:defRPr>
+              </a:lvl4pPr>
+              <a:lvl5pPr marL="1828800" algn="l" rtl="0" eaLnBrk="0" fontAlgn="base" hangingPunct="0">
+                <a:spcBef>
+                  <a:spcPct val="0"/>
+                </a:spcBef>
+                <a:spcAft>
+                  <a:spcPct val="0"/>
+                </a:spcAft>
+                <a:defRPr kern="1200">
+                  <a:solidFill>
+                    <a:schemeClr val="lt1"/>
+                  </a:solidFill>
+                  <a:latin typeface="+mn-lt"/>
+                  <a:ea typeface="+mn-ea"/>
+                  <a:cs typeface="+mn-cs"/>
+                </a:defRPr>
+              </a:lvl5pPr>
+              <a:lvl6pPr marL="2286000" algn="l" defTabSz="914400" rtl="0" eaLnBrk="1" latinLnBrk="0" hangingPunct="1">
+                <a:defRPr kern="1200">
+                  <a:solidFill>
+                    <a:schemeClr val="lt1"/>
+                  </a:solidFill>
+                  <a:latin typeface="+mn-lt"/>
+                  <a:ea typeface="+mn-ea"/>
+                  <a:cs typeface="+mn-cs"/>
+                </a:defRPr>
+              </a:lvl6pPr>
+              <a:lvl7pPr marL="2743200" algn="l" defTabSz="914400" rtl="0" eaLnBrk="1" latinLnBrk="0" hangingPunct="1">
+                <a:defRPr kern="1200">
+                  <a:solidFill>
+                    <a:schemeClr val="lt1"/>
+                  </a:solidFill>
+                  <a:latin typeface="+mn-lt"/>
+                  <a:ea typeface="+mn-ea"/>
+                  <a:cs typeface="+mn-cs"/>
+                </a:defRPr>
+              </a:lvl7pPr>
+              <a:lvl8pPr marL="3200400" algn="l" defTabSz="914400" rtl="0" eaLnBrk="1" latinLnBrk="0" hangingPunct="1">
+                <a:defRPr kern="1200">
+                  <a:solidFill>
+                    <a:schemeClr val="lt1"/>
+                  </a:solidFill>
+                  <a:latin typeface="+mn-lt"/>
+                  <a:ea typeface="+mn-ea"/>
+                  <a:cs typeface="+mn-cs"/>
+                </a:defRPr>
+              </a:lvl8pPr>
+              <a:lvl9pPr marL="3657600" algn="l" defTabSz="914400" rtl="0" eaLnBrk="1" latinLnBrk="0" hangingPunct="1">
+                <a:defRPr kern="1200">
+                  <a:solidFill>
+                    <a:schemeClr val="lt1"/>
+                  </a:solidFill>
+                  <a:latin typeface="+mn-lt"/>
+                  <a:ea typeface="+mn-ea"/>
+                  <a:cs typeface="+mn-cs"/>
+                </a:defRPr>
+              </a:lvl9pPr>
+            </a:lstStyle>
+            <a:p>
+              <a:pPr algn="ctr" eaLnBrk="1" fontAlgn="auto" hangingPunct="1">
+                <a:spcBef>
+                  <a:spcPts val="0"/>
+                </a:spcBef>
+                <a:spcAft>
+                  <a:spcPts val="0"/>
+                </a:spcAft>
+                <a:defRPr/>
+              </a:pPr>
+              <a:endParaRPr lang="zh-CN" altLang="en-US" sz="1799" dirty="0">
+                <a:solidFill>
+                  <a:srgbClr val="FFFFFF"/>
+                </a:solidFill>
+                <a:latin typeface="微软雅黑" panose="020B0503020204020204" pitchFamily="34" charset="-122"/>
+                <a:ea typeface="微软雅黑" panose="020B0503020204020204" pitchFamily="34" charset="-122"/>
+                <a:sym typeface="Source Han Serif SC" panose="02020400000000000000" pitchFamily="18" charset="-122"/>
+              </a:endParaRPr>
+            </a:p>
+          </p:txBody>
+        </p:sp>
+        <p:sp>
+          <p:nvSpPr>
+            <p:cNvPr id="82" name="文本框 2">
+              <a:extLst>
+                <a:ext uri="{FF2B5EF4-FFF2-40B4-BE49-F238E27FC236}">
+                  <a16:creationId xmlns:a16="http://schemas.microsoft.com/office/drawing/2014/main" id="{87F653AE-AADA-495F-9B49-F4536794BBC2}"/>
+                </a:ext>
+              </a:extLst>
+            </p:cNvPr>
+            <p:cNvSpPr txBox="1"/>
+            <p:nvPr/>
+          </p:nvSpPr>
+          <p:spPr>
+            <a:xfrm>
+              <a:off x="1234077" y="424098"/>
+              <a:ext cx="2734028" cy="519486"/>
+            </a:xfrm>
+            <a:prstGeom prst="rect">
+              <a:avLst/>
+            </a:prstGeom>
+            <a:noFill/>
+          </p:spPr>
+          <p:txBody>
+            <a:bodyPr wrap="square" lIns="87741" tIns="43871" rIns="87741" bIns="43871" rtlCol="0">
+              <a:spAutoFit/>
+            </a:bodyPr>
+            <a:lstStyle>
+              <a:defPPr>
+                <a:defRPr lang="zh-CN"/>
+              </a:defPPr>
+              <a:lvl1pPr algn="ctr">
+                <a:defRPr sz="2400" spc="300">
+                  <a:solidFill>
+                    <a:schemeClr val="tx2"/>
+                  </a:solidFill>
+                  <a:latin typeface="思源黑体 CN Bold" pitchFamily="34" charset="-122"/>
+                  <a:ea typeface="思源黑体 CN Bold" pitchFamily="34" charset="-122"/>
+                </a:defRPr>
+              </a:lvl1pPr>
+            </a:lstStyle>
+            <a:p>
+              <a:pPr algn="l" defTabSz="914126" fontAlgn="base">
+                <a:spcBef>
+                  <a:spcPct val="0"/>
+                </a:spcBef>
+                <a:spcAft>
+                  <a:spcPct val="0"/>
+                </a:spcAft>
+              </a:pPr>
+              <a:r>
+                <a:rPr lang="zh-TW" altLang="en-US" sz="2800" dirty="0">
+                  <a:solidFill>
+                    <a:schemeClr val="accent2"/>
+                  </a:solidFill>
+                  <a:latin typeface="微软雅黑" panose="020B0503020204020204" pitchFamily="34" charset="-122"/>
+                  <a:ea typeface="微软雅黑" panose="020B0503020204020204" pitchFamily="34" charset="-122"/>
+                  <a:sym typeface="Source Han Serif SC" panose="02020400000000000000" pitchFamily="18" charset="-122"/>
+                </a:rPr>
+                <a:t>後續發展</a:t>
+              </a:r>
+              <a:endParaRPr lang="en-US" altLang="zh-CN" sz="2800" dirty="0">
+                <a:solidFill>
+                  <a:schemeClr val="accent2"/>
+                </a:solidFill>
+                <a:latin typeface="微软雅黑" panose="020B0503020204020204" pitchFamily="34" charset="-122"/>
+                <a:ea typeface="微软雅黑" panose="020B0503020204020204" pitchFamily="34" charset="-122"/>
+                <a:sym typeface="Source Han Serif SC" panose="02020400000000000000" pitchFamily="18" charset="-122"/>
+              </a:endParaRPr>
+            </a:p>
+          </p:txBody>
+        </p:sp>
+      </p:grpSp>
+      <p:sp>
+        <p:nvSpPr>
+          <p:cNvPr id="7" name="文字方塊 6">
+            <a:extLst>
+              <a:ext uri="{FF2B5EF4-FFF2-40B4-BE49-F238E27FC236}">
+                <a16:creationId xmlns:a16="http://schemas.microsoft.com/office/drawing/2014/main" id="{6BF6CFA6-F810-403A-9F4D-18DA1D67A2C3}"/>
+              </a:ext>
+            </a:extLst>
+          </p:cNvPr>
+          <p:cNvSpPr txBox="1"/>
+          <p:nvPr/>
+        </p:nvSpPr>
+        <p:spPr>
+          <a:xfrm>
+            <a:off x="887848" y="1547187"/>
+            <a:ext cx="11110734" cy="2862322"/>
+          </a:xfrm>
+          <a:prstGeom prst="rect">
+            <a:avLst/>
+          </a:prstGeom>
+          <a:noFill/>
+        </p:spPr>
+        <p:txBody>
+          <a:bodyPr wrap="none" rtlCol="0">
+            <a:spAutoFit/>
+          </a:bodyPr>
+          <a:lstStyle/>
+          <a:p>
+            <a:pPr>
+              <a:buSzPct val="100000"/>
+            </a:pPr>
+            <a:r>
+              <a:rPr lang="zh-TW" altLang="en-US" sz="2000" b="1" dirty="0">
+                <a:latin typeface="微軟正黑體" panose="020B0604030504040204" pitchFamily="34" charset="-120"/>
+                <a:ea typeface="微軟正黑體" panose="020B0604030504040204" pitchFamily="34" charset="-120"/>
+              </a:rPr>
+              <a:t>一、細節完善化：</a:t>
+            </a:r>
+            <a:endParaRPr lang="en-US" altLang="zh-TW" sz="2000" b="1" dirty="0">
+              <a:latin typeface="微軟正黑體" panose="020B0604030504040204" pitchFamily="34" charset="-120"/>
+              <a:ea typeface="微軟正黑體" panose="020B0604030504040204" pitchFamily="34" charset="-120"/>
+            </a:endParaRPr>
+          </a:p>
+          <a:p>
+            <a:pPr>
+              <a:buSzPct val="100000"/>
+            </a:pPr>
+            <a:r>
+              <a:rPr lang="en-US" altLang="zh-TW" sz="2000" b="1" dirty="0">
+                <a:latin typeface="微軟正黑體" panose="020B0604030504040204" pitchFamily="34" charset="-120"/>
+                <a:ea typeface="微軟正黑體" panose="020B0604030504040204" pitchFamily="34" charset="-120"/>
+              </a:rPr>
+              <a:t>	</a:t>
+            </a:r>
+            <a:r>
+              <a:rPr lang="zh-TW" altLang="en-US" sz="2000" dirty="0">
+                <a:latin typeface="微軟正黑體" panose="020B0604030504040204" pitchFamily="34" charset="-120"/>
+                <a:ea typeface="微軟正黑體" panose="020B0604030504040204" pitchFamily="34" charset="-120"/>
+              </a:rPr>
+              <a:t>將各細節部分優化，讓操作者能獲得更棒的手感及觀感，也會定期更新網頁圖片，讓顧客</a:t>
+            </a:r>
+            <a:endParaRPr lang="en-US" altLang="zh-TW" sz="2000" dirty="0">
+              <a:latin typeface="微軟正黑體" panose="020B0604030504040204" pitchFamily="34" charset="-120"/>
+              <a:ea typeface="微軟正黑體" panose="020B0604030504040204" pitchFamily="34" charset="-120"/>
+            </a:endParaRPr>
+          </a:p>
+          <a:p>
+            <a:pPr>
+              <a:buSzPct val="100000"/>
+            </a:pPr>
+            <a:r>
+              <a:rPr lang="zh-TW" altLang="en-US" sz="2000" dirty="0">
+                <a:latin typeface="微軟正黑體" panose="020B0604030504040204" pitchFamily="34" charset="-120"/>
+                <a:ea typeface="微軟正黑體" panose="020B0604030504040204" pitchFamily="34" charset="-120"/>
+              </a:rPr>
+              <a:t>永遠擁有新鮮感</a:t>
+            </a:r>
+            <a:endParaRPr lang="en-US" altLang="zh-TW" sz="2000" dirty="0">
+              <a:latin typeface="微軟正黑體" panose="020B0604030504040204" pitchFamily="34" charset="-120"/>
+              <a:ea typeface="微軟正黑體" panose="020B0604030504040204" pitchFamily="34" charset="-120"/>
+            </a:endParaRPr>
+          </a:p>
+          <a:p>
+            <a:pPr>
+              <a:buSzPct val="100000"/>
+            </a:pPr>
+            <a:endParaRPr lang="en-US" altLang="zh-TW" sz="2000" dirty="0">
+              <a:latin typeface="微軟正黑體" panose="020B0604030504040204" pitchFamily="34" charset="-120"/>
+              <a:ea typeface="微軟正黑體" panose="020B0604030504040204" pitchFamily="34" charset="-120"/>
+            </a:endParaRPr>
+          </a:p>
+          <a:p>
+            <a:pPr>
+              <a:buSzPct val="100000"/>
+            </a:pPr>
+            <a:r>
+              <a:rPr lang="zh-TW" altLang="en-US" sz="2000" b="1" dirty="0">
+                <a:latin typeface="微軟正黑體" panose="020B0604030504040204" pitchFamily="34" charset="-120"/>
+                <a:ea typeface="微軟正黑體" panose="020B0604030504040204" pitchFamily="34" charset="-120"/>
+              </a:rPr>
+              <a:t>二、參考潮流：</a:t>
+            </a:r>
+            <a:endParaRPr lang="en-US" altLang="zh-TW" sz="2000" b="1" dirty="0">
+              <a:latin typeface="微軟正黑體" panose="020B0604030504040204" pitchFamily="34" charset="-120"/>
+              <a:ea typeface="微軟正黑體" panose="020B0604030504040204" pitchFamily="34" charset="-120"/>
+            </a:endParaRPr>
+          </a:p>
+          <a:p>
+            <a:pPr lvl="1">
+              <a:buSzPct val="100000"/>
+            </a:pPr>
+            <a:r>
+              <a:rPr lang="en-US" altLang="zh-TW" sz="2000" dirty="0">
+                <a:latin typeface="微軟正黑體" panose="020B0604030504040204" pitchFamily="34" charset="-120"/>
+                <a:ea typeface="微軟正黑體" panose="020B0604030504040204" pitchFamily="34" charset="-120"/>
+              </a:rPr>
+              <a:t>	</a:t>
+            </a:r>
+            <a:r>
+              <a:rPr lang="zh-TW" altLang="en-US" sz="2000" dirty="0">
+                <a:latin typeface="微軟正黑體" panose="020B0604030504040204" pitchFamily="34" charset="-120"/>
+                <a:ea typeface="微軟正黑體" panose="020B0604030504040204" pitchFamily="34" charset="-120"/>
+              </a:rPr>
+              <a:t>依照最新型的潮流與時俱進自己的網頁架構及營運模式，例如：</a:t>
+            </a:r>
+            <a:endParaRPr lang="en-US" altLang="zh-TW" sz="2000" dirty="0">
+              <a:latin typeface="微軟正黑體" panose="020B0604030504040204" pitchFamily="34" charset="-120"/>
+              <a:ea typeface="微軟正黑體" panose="020B0604030504040204" pitchFamily="34" charset="-120"/>
+            </a:endParaRPr>
+          </a:p>
+          <a:p>
+            <a:pPr lvl="1">
+              <a:buSzPct val="100000"/>
+            </a:pPr>
+            <a:r>
+              <a:rPr lang="en-US" altLang="zh-TW" sz="2000" dirty="0">
+                <a:latin typeface="微軟正黑體" panose="020B0604030504040204" pitchFamily="34" charset="-120"/>
+                <a:ea typeface="微軟正黑體" panose="020B0604030504040204" pitchFamily="34" charset="-120"/>
+              </a:rPr>
+              <a:t>1.</a:t>
+            </a:r>
+            <a:r>
+              <a:rPr lang="zh-TW" altLang="en-US" sz="2000" dirty="0">
+                <a:latin typeface="微軟正黑體" panose="020B0604030504040204" pitchFamily="34" charset="-120"/>
+                <a:ea typeface="微軟正黑體" panose="020B0604030504040204" pitchFamily="34" charset="-120"/>
+              </a:rPr>
+              <a:t>與</a:t>
+            </a:r>
+            <a:r>
+              <a:rPr lang="en-US" altLang="zh-TW" sz="2000" dirty="0" err="1">
+                <a:latin typeface="微軟正黑體" panose="020B0604030504040204" pitchFamily="34" charset="-120"/>
+                <a:ea typeface="微軟正黑體" panose="020B0604030504040204" pitchFamily="34" charset="-120"/>
+              </a:rPr>
+              <a:t>UberEats</a:t>
+            </a:r>
+            <a:r>
+              <a:rPr lang="zh-TW" altLang="en-US" sz="2000" dirty="0">
+                <a:latin typeface="微軟正黑體" panose="020B0604030504040204" pitchFamily="34" charset="-120"/>
+                <a:ea typeface="微軟正黑體" panose="020B0604030504040204" pitchFamily="34" charset="-120"/>
+              </a:rPr>
+              <a:t>合作增加外送服務</a:t>
+            </a:r>
+            <a:endParaRPr lang="en-US" altLang="zh-TW" sz="2000" dirty="0">
+              <a:latin typeface="微軟正黑體" panose="020B0604030504040204" pitchFamily="34" charset="-120"/>
+              <a:ea typeface="微軟正黑體" panose="020B0604030504040204" pitchFamily="34" charset="-120"/>
+            </a:endParaRPr>
+          </a:p>
+          <a:p>
+            <a:pPr lvl="1">
+              <a:buSzPct val="100000"/>
+            </a:pPr>
+            <a:r>
+              <a:rPr lang="en-US" altLang="zh-TW" sz="2000" dirty="0">
+                <a:latin typeface="微軟正黑體" panose="020B0604030504040204" pitchFamily="34" charset="-120"/>
+                <a:ea typeface="微軟正黑體" panose="020B0604030504040204" pitchFamily="34" charset="-120"/>
+              </a:rPr>
+              <a:t>2.</a:t>
+            </a:r>
+            <a:r>
+              <a:rPr lang="zh-TW" altLang="en-US" sz="2000" dirty="0">
+                <a:latin typeface="微軟正黑體" panose="020B0604030504040204" pitchFamily="34" charset="-120"/>
+                <a:ea typeface="微軟正黑體" panose="020B0604030504040204" pitchFamily="34" charset="-120"/>
+              </a:rPr>
+              <a:t>客製化蛋糕</a:t>
+            </a:r>
+            <a:endParaRPr lang="en-US" altLang="zh-TW" sz="2000" dirty="0">
+              <a:latin typeface="微軟正黑體" panose="020B0604030504040204" pitchFamily="34" charset="-120"/>
+              <a:ea typeface="微軟正黑體" panose="020B0604030504040204" pitchFamily="34" charset="-120"/>
+            </a:endParaRPr>
+          </a:p>
+          <a:p>
+            <a:pPr lvl="1">
+              <a:buSzPct val="100000"/>
+            </a:pPr>
+            <a:r>
+              <a:rPr lang="en-US" altLang="zh-TW" sz="2000" dirty="0">
+                <a:latin typeface="微軟正黑體" panose="020B0604030504040204" pitchFamily="34" charset="-120"/>
+                <a:ea typeface="微軟正黑體" panose="020B0604030504040204" pitchFamily="34" charset="-120"/>
+              </a:rPr>
+              <a:t>3.</a:t>
+            </a:r>
+            <a:r>
+              <a:rPr lang="zh-TW" altLang="en-US" sz="2000" dirty="0">
+                <a:latin typeface="微軟正黑體" panose="020B0604030504040204" pitchFamily="34" charset="-120"/>
+                <a:ea typeface="微軟正黑體" panose="020B0604030504040204" pitchFamily="34" charset="-120"/>
+              </a:rPr>
+              <a:t>行動支付</a:t>
+            </a:r>
+            <a:endParaRPr lang="en-US" altLang="zh-TW" sz="2000" dirty="0">
+              <a:latin typeface="微軟正黑體" panose="020B0604030504040204" pitchFamily="34" charset="-120"/>
+              <a:ea typeface="微軟正黑體" panose="020B0604030504040204" pitchFamily="34" charset="-120"/>
+            </a:endParaRPr>
+          </a:p>
+        </p:txBody>
+      </p:sp>
+    </p:spTree>
+    <p:extLst>
+      <p:ext uri="{BB962C8B-B14F-4D97-AF65-F5344CB8AC3E}">
+        <p14:creationId xmlns:p14="http://schemas.microsoft.com/office/powerpoint/2010/main" val="3009180717"/>
+      </p:ext>
+    </p:extLst>
+  </p:cSld>
+  <p:clrMapOvr>
+    <a:masterClrMapping/>
+  </p:clrMapOvr>
+  <mc:AlternateContent xmlns:mc="http://schemas.openxmlformats.org/markup-compatibility/2006" xmlns:p14="http://schemas.microsoft.com/office/powerpoint/2010/main">
+    <mc:Choice Requires="p14">
+      <p:transition spd="slow" p14:dur="1250">
+        <p:split orient="vert"/>
+      </p:transition>
+    </mc:Choice>
+    <mc:Fallback xmlns="">
+      <p:transition spd="slow">
+        <p:split orient="vert"/>
+      </p:transition>
+    </mc:Fallback>
+  </mc:AlternateContent>
+</p:sld>
+</file>
+
+<file path=ppt/slides/slide26.xml><?xml version="1.0" encoding="utf-8"?>
+<p:sld xmlns:a="http://schemas.openxmlformats.org/drawingml/2006/main" xmlns:r="http://schemas.openxmlformats.org/officeDocument/2006/relationships" xmlns:p="http://schemas.openxmlformats.org/presentationml/2006/main">
+  <p:cSld>
+    <p:spTree>
+      <p:nvGrpSpPr>
+        <p:cNvPr id="1" name=""/>
+        <p:cNvGrpSpPr/>
+        <p:nvPr/>
+      </p:nvGrpSpPr>
+      <p:grpSpPr>
+        <a:xfrm>
+          <a:off x="0" y="0"/>
+          <a:ext cx="0" cy="0"/>
+          <a:chOff x="0" y="0"/>
+          <a:chExt cx="0" cy="0"/>
+        </a:xfrm>
+      </p:grpSpPr>
+      <p:grpSp>
+        <p:nvGrpSpPr>
+          <p:cNvPr id="29" name="组合 28">
+            <a:extLst>
+              <a:ext uri="{FF2B5EF4-FFF2-40B4-BE49-F238E27FC236}">
+                <a16:creationId xmlns:a16="http://schemas.microsoft.com/office/drawing/2014/main" id="{830BB4F5-72B3-4093-A48E-B46C6BF0CD75}"/>
+              </a:ext>
+            </a:extLst>
+          </p:cNvPr>
+          <p:cNvGrpSpPr/>
+          <p:nvPr/>
+        </p:nvGrpSpPr>
+        <p:grpSpPr>
+          <a:xfrm>
+            <a:off x="670943" y="424098"/>
+            <a:ext cx="3846466" cy="519486"/>
+            <a:chOff x="670943" y="424098"/>
+            <a:chExt cx="3846466" cy="519486"/>
+          </a:xfrm>
+        </p:grpSpPr>
+        <p:sp>
+          <p:nvSpPr>
+            <p:cNvPr id="32" name="KSO_Shape">
+              <a:extLst>
+                <a:ext uri="{FF2B5EF4-FFF2-40B4-BE49-F238E27FC236}">
+                  <a16:creationId xmlns:a16="http://schemas.microsoft.com/office/drawing/2014/main" id="{A082B060-542B-4F05-8F9B-D6BBFFB1B4B4}"/>
+                </a:ext>
+              </a:extLst>
+            </p:cNvPr>
+            <p:cNvSpPr>
+              <a:spLocks noChangeAspect="1"/>
+            </p:cNvSpPr>
+            <p:nvPr/>
+          </p:nvSpPr>
+          <p:spPr>
+            <a:xfrm rot="5400000">
+              <a:off x="647826" y="539879"/>
+              <a:ext cx="334159" cy="287925"/>
+            </a:xfrm>
+            <a:custGeom>
+              <a:avLst/>
+              <a:gdLst/>
+              <a:ahLst/>
+              <a:cxnLst/>
+              <a:rect l="l" t="t" r="r" b="b"/>
+              <a:pathLst>
+                <a:path w="751403" h="647761">
+                  <a:moveTo>
+                    <a:pt x="375702" y="0"/>
+                  </a:moveTo>
+                  <a:lnTo>
+                    <a:pt x="751403" y="647761"/>
+                  </a:lnTo>
+                  <a:lnTo>
+                    <a:pt x="745416" y="647761"/>
+                  </a:lnTo>
+                  <a:lnTo>
+                    <a:pt x="375702" y="432047"/>
+                  </a:lnTo>
+                  <a:lnTo>
+                    <a:pt x="5987" y="647761"/>
+                  </a:lnTo>
+                  <a:lnTo>
+                    <a:pt x="0" y="647761"/>
+                  </a:lnTo>
+                  <a:close/>
+                </a:path>
+              </a:pathLst>
+            </a:custGeom>
+            <a:solidFill>
+              <a:schemeClr val="accent6"/>
+            </a:solidFill>
+            <a:ln>
+              <a:noFill/>
+            </a:ln>
+          </p:spPr>
+          <p:style>
+            <a:lnRef idx="2">
+              <a:schemeClr val="accent1">
+                <a:shade val="50000"/>
+              </a:schemeClr>
+            </a:lnRef>
+            <a:fillRef idx="1">
+              <a:schemeClr val="accent1"/>
+            </a:fillRef>
+            <a:effectRef idx="0">
+              <a:schemeClr val="accent1"/>
+            </a:effectRef>
+            <a:fontRef idx="minor">
+              <a:schemeClr val="lt1"/>
+            </a:fontRef>
+          </p:style>
+          <p:txBody>
+            <a:bodyPr anchor="ctr"/>
+            <a:lstStyle>
+              <a:defPPr>
+                <a:defRPr lang="zh-CN"/>
+              </a:defPPr>
+              <a:lvl1pPr algn="l" rtl="0" eaLnBrk="0" fontAlgn="base" hangingPunct="0">
+                <a:spcBef>
+                  <a:spcPct val="0"/>
+                </a:spcBef>
+                <a:spcAft>
+                  <a:spcPct val="0"/>
+                </a:spcAft>
+                <a:defRPr kern="1200">
+                  <a:solidFill>
+                    <a:schemeClr val="lt1"/>
+                  </a:solidFill>
+                  <a:latin typeface="+mn-lt"/>
+                  <a:ea typeface="+mn-ea"/>
+                  <a:cs typeface="+mn-cs"/>
+                </a:defRPr>
+              </a:lvl1pPr>
+              <a:lvl2pPr marL="457200" algn="l" rtl="0" eaLnBrk="0" fontAlgn="base" hangingPunct="0">
+                <a:spcBef>
+                  <a:spcPct val="0"/>
+                </a:spcBef>
+                <a:spcAft>
+                  <a:spcPct val="0"/>
+                </a:spcAft>
+                <a:defRPr kern="1200">
+                  <a:solidFill>
+                    <a:schemeClr val="lt1"/>
+                  </a:solidFill>
+                  <a:latin typeface="+mn-lt"/>
+                  <a:ea typeface="+mn-ea"/>
+                  <a:cs typeface="+mn-cs"/>
+                </a:defRPr>
+              </a:lvl2pPr>
+              <a:lvl3pPr marL="914400" algn="l" rtl="0" eaLnBrk="0" fontAlgn="base" hangingPunct="0">
+                <a:spcBef>
+                  <a:spcPct val="0"/>
+                </a:spcBef>
+                <a:spcAft>
+                  <a:spcPct val="0"/>
+                </a:spcAft>
+                <a:defRPr kern="1200">
+                  <a:solidFill>
+                    <a:schemeClr val="lt1"/>
+                  </a:solidFill>
+                  <a:latin typeface="+mn-lt"/>
+                  <a:ea typeface="+mn-ea"/>
+                  <a:cs typeface="+mn-cs"/>
+                </a:defRPr>
+              </a:lvl3pPr>
+              <a:lvl4pPr marL="1371600" algn="l" rtl="0" eaLnBrk="0" fontAlgn="base" hangingPunct="0">
+                <a:spcBef>
+                  <a:spcPct val="0"/>
+                </a:spcBef>
+                <a:spcAft>
+                  <a:spcPct val="0"/>
+                </a:spcAft>
+                <a:defRPr kern="1200">
+                  <a:solidFill>
+                    <a:schemeClr val="lt1"/>
+                  </a:solidFill>
+                  <a:latin typeface="+mn-lt"/>
+                  <a:ea typeface="+mn-ea"/>
+                  <a:cs typeface="+mn-cs"/>
+                </a:defRPr>
+              </a:lvl4pPr>
+              <a:lvl5pPr marL="1828800" algn="l" rtl="0" eaLnBrk="0" fontAlgn="base" hangingPunct="0">
+                <a:spcBef>
+                  <a:spcPct val="0"/>
+                </a:spcBef>
+                <a:spcAft>
+                  <a:spcPct val="0"/>
+                </a:spcAft>
+                <a:defRPr kern="1200">
+                  <a:solidFill>
+                    <a:schemeClr val="lt1"/>
+                  </a:solidFill>
+                  <a:latin typeface="+mn-lt"/>
+                  <a:ea typeface="+mn-ea"/>
+                  <a:cs typeface="+mn-cs"/>
+                </a:defRPr>
+              </a:lvl5pPr>
+              <a:lvl6pPr marL="2286000" algn="l" defTabSz="914400" rtl="0" eaLnBrk="1" latinLnBrk="0" hangingPunct="1">
+                <a:defRPr kern="1200">
+                  <a:solidFill>
+                    <a:schemeClr val="lt1"/>
+                  </a:solidFill>
+                  <a:latin typeface="+mn-lt"/>
+                  <a:ea typeface="+mn-ea"/>
+                  <a:cs typeface="+mn-cs"/>
+                </a:defRPr>
+              </a:lvl6pPr>
+              <a:lvl7pPr marL="2743200" algn="l" defTabSz="914400" rtl="0" eaLnBrk="1" latinLnBrk="0" hangingPunct="1">
+                <a:defRPr kern="1200">
+                  <a:solidFill>
+                    <a:schemeClr val="lt1"/>
+                  </a:solidFill>
+                  <a:latin typeface="+mn-lt"/>
+                  <a:ea typeface="+mn-ea"/>
+                  <a:cs typeface="+mn-cs"/>
+                </a:defRPr>
+              </a:lvl7pPr>
+              <a:lvl8pPr marL="3200400" algn="l" defTabSz="914400" rtl="0" eaLnBrk="1" latinLnBrk="0" hangingPunct="1">
+                <a:defRPr kern="1200">
+                  <a:solidFill>
+                    <a:schemeClr val="lt1"/>
+                  </a:solidFill>
+                  <a:latin typeface="+mn-lt"/>
+                  <a:ea typeface="+mn-ea"/>
+                  <a:cs typeface="+mn-cs"/>
+                </a:defRPr>
+              </a:lvl8pPr>
+              <a:lvl9pPr marL="3657600" algn="l" defTabSz="914400" rtl="0" eaLnBrk="1" latinLnBrk="0" hangingPunct="1">
+                <a:defRPr kern="1200">
+                  <a:solidFill>
+                    <a:schemeClr val="lt1"/>
+                  </a:solidFill>
+                  <a:latin typeface="+mn-lt"/>
+                  <a:ea typeface="+mn-ea"/>
+                  <a:cs typeface="+mn-cs"/>
+                </a:defRPr>
+              </a:lvl9pPr>
+            </a:lstStyle>
+            <a:p>
+              <a:pPr algn="ctr" eaLnBrk="1" fontAlgn="auto" hangingPunct="1">
+                <a:spcBef>
+                  <a:spcPts val="0"/>
+                </a:spcBef>
+                <a:spcAft>
+                  <a:spcPts val="0"/>
+                </a:spcAft>
+                <a:defRPr/>
+              </a:pPr>
+              <a:endParaRPr lang="zh-CN" altLang="en-US" sz="1799" dirty="0">
+                <a:solidFill>
+                  <a:srgbClr val="FFFFFF"/>
+                </a:solidFill>
+                <a:latin typeface="微软雅黑" panose="020B0503020204020204" pitchFamily="34" charset="-122"/>
+                <a:ea typeface="微软雅黑" panose="020B0503020204020204" pitchFamily="34" charset="-122"/>
+                <a:sym typeface="Source Han Serif SC" panose="02020400000000000000" pitchFamily="18" charset="-122"/>
+              </a:endParaRPr>
+            </a:p>
+          </p:txBody>
+        </p:sp>
+        <p:sp>
+          <p:nvSpPr>
+            <p:cNvPr id="35" name="文本框 2">
+              <a:extLst>
+                <a:ext uri="{FF2B5EF4-FFF2-40B4-BE49-F238E27FC236}">
+                  <a16:creationId xmlns:a16="http://schemas.microsoft.com/office/drawing/2014/main" id="{89BEB4D1-54CB-46EF-93E3-36FF12A293AE}"/>
+                </a:ext>
+              </a:extLst>
+            </p:cNvPr>
+            <p:cNvSpPr txBox="1"/>
+            <p:nvPr/>
+          </p:nvSpPr>
+          <p:spPr>
+            <a:xfrm>
+              <a:off x="1259673" y="424098"/>
+              <a:ext cx="3257736" cy="519486"/>
+            </a:xfrm>
+            <a:prstGeom prst="rect">
+              <a:avLst/>
+            </a:prstGeom>
+            <a:noFill/>
+          </p:spPr>
+          <p:txBody>
+            <a:bodyPr wrap="square" lIns="87741" tIns="43871" rIns="87741" bIns="43871" rtlCol="0">
+              <a:spAutoFit/>
+            </a:bodyPr>
+            <a:lstStyle>
+              <a:defPPr>
+                <a:defRPr lang="zh-CN"/>
+              </a:defPPr>
+              <a:lvl1pPr algn="ctr">
+                <a:defRPr sz="2400" spc="300">
+                  <a:solidFill>
+                    <a:schemeClr val="tx2"/>
+                  </a:solidFill>
+                  <a:latin typeface="思源黑体 CN Bold" pitchFamily="34" charset="-122"/>
+                  <a:ea typeface="思源黑体 CN Bold" pitchFamily="34" charset="-122"/>
+                </a:defRPr>
+              </a:lvl1pPr>
+            </a:lstStyle>
+            <a:p>
+              <a:pPr algn="l" defTabSz="914126" fontAlgn="base">
+                <a:spcBef>
+                  <a:spcPct val="0"/>
+                </a:spcBef>
+                <a:spcAft>
+                  <a:spcPct val="0"/>
+                </a:spcAft>
+              </a:pPr>
+              <a:r>
+                <a:rPr lang="en-US" altLang="zh-CN" sz="2800" dirty="0">
+                  <a:solidFill>
+                    <a:schemeClr val="accent2"/>
+                  </a:solidFill>
+                  <a:latin typeface="微软雅黑" panose="020B0503020204020204" pitchFamily="34" charset="-122"/>
+                  <a:ea typeface="微软雅黑" panose="020B0503020204020204" pitchFamily="34" charset="-122"/>
+                  <a:sym typeface="Source Han Serif SC" panose="02020400000000000000" pitchFamily="18" charset="-122"/>
+                </a:rPr>
+                <a:t>GIT</a:t>
+              </a:r>
+              <a:r>
+                <a:rPr lang="zh-TW" altLang="en-US" sz="2800" dirty="0">
+                  <a:solidFill>
+                    <a:schemeClr val="accent2"/>
+                  </a:solidFill>
+                  <a:latin typeface="微软雅黑" panose="020B0503020204020204" pitchFamily="34" charset="-122"/>
+                  <a:ea typeface="微软雅黑" panose="020B0503020204020204" pitchFamily="34" charset="-122"/>
+                  <a:sym typeface="Source Han Serif SC" panose="02020400000000000000" pitchFamily="18" charset="-122"/>
+                </a:rPr>
+                <a:t>管理程式版本</a:t>
+              </a:r>
+              <a:endParaRPr lang="en-US" altLang="zh-CN" sz="2800" dirty="0">
+                <a:solidFill>
+                  <a:schemeClr val="accent2"/>
+                </a:solidFill>
+                <a:latin typeface="微软雅黑" panose="020B0503020204020204" pitchFamily="34" charset="-122"/>
+                <a:ea typeface="微软雅黑" panose="020B0503020204020204" pitchFamily="34" charset="-122"/>
+                <a:sym typeface="Source Han Serif SC" panose="02020400000000000000" pitchFamily="18" charset="-122"/>
+              </a:endParaRPr>
+            </a:p>
+          </p:txBody>
+        </p:sp>
+      </p:grpSp>
+      <p:pic>
+        <p:nvPicPr>
+          <p:cNvPr id="7" name="圖片 6">
+            <a:extLst>
+              <a:ext uri="{FF2B5EF4-FFF2-40B4-BE49-F238E27FC236}">
+                <a16:creationId xmlns:a16="http://schemas.microsoft.com/office/drawing/2014/main" id="{DFE658BB-2015-4E67-A343-B8BB319D7739}"/>
+              </a:ext>
+            </a:extLst>
+          </p:cNvPr>
+          <p:cNvPicPr>
+            <a:picLocks noChangeAspect="1"/>
+          </p:cNvPicPr>
+          <p:nvPr/>
+        </p:nvPicPr>
+        <p:blipFill>
+          <a:blip r:embed="rId3">
+            <a:extLst>
+              <a:ext uri="{28A0092B-C50C-407E-A947-70E740481C1C}">
+                <a14:useLocalDpi xmlns:a14="http://schemas.microsoft.com/office/drawing/2010/main" val="0"/>
+              </a:ext>
+            </a:extLst>
+          </a:blip>
+          <a:srcRect/>
+          <a:stretch/>
+        </p:blipFill>
+        <p:spPr>
+          <a:xfrm>
+            <a:off x="5316768" y="3496560"/>
+            <a:ext cx="6268591" cy="2844732"/>
+          </a:xfrm>
+          <a:prstGeom prst="rect">
+            <a:avLst/>
+          </a:prstGeom>
+        </p:spPr>
+      </p:pic>
+      <p:pic>
+        <p:nvPicPr>
+          <p:cNvPr id="9" name="圖片 8">
+            <a:extLst>
+              <a:ext uri="{FF2B5EF4-FFF2-40B4-BE49-F238E27FC236}">
+                <a16:creationId xmlns:a16="http://schemas.microsoft.com/office/drawing/2014/main" id="{532E3DF4-97C5-4D04-BA01-7EBFFDEAD4AF}"/>
+              </a:ext>
+            </a:extLst>
+          </p:cNvPr>
+          <p:cNvPicPr>
+            <a:picLocks noChangeAspect="1"/>
+          </p:cNvPicPr>
+          <p:nvPr/>
+        </p:nvPicPr>
+        <p:blipFill>
+          <a:blip r:embed="rId4">
+            <a:extLst>
+              <a:ext uri="{28A0092B-C50C-407E-A947-70E740481C1C}">
+                <a14:useLocalDpi xmlns:a14="http://schemas.microsoft.com/office/drawing/2010/main" val="0"/>
+              </a:ext>
+            </a:extLst>
+          </a:blip>
+          <a:stretch>
+            <a:fillRect/>
+          </a:stretch>
+        </p:blipFill>
+        <p:spPr>
+          <a:xfrm>
+            <a:off x="1259673" y="943584"/>
+            <a:ext cx="6657032" cy="2454507"/>
+          </a:xfrm>
+          <a:prstGeom prst="rect">
+            <a:avLst/>
+          </a:prstGeom>
+        </p:spPr>
+      </p:pic>
+      <p:sp>
+        <p:nvSpPr>
+          <p:cNvPr id="37" name="矩形 36">
+            <a:extLst>
+              <a:ext uri="{FF2B5EF4-FFF2-40B4-BE49-F238E27FC236}">
+                <a16:creationId xmlns:a16="http://schemas.microsoft.com/office/drawing/2014/main" id="{DC03F0F6-5634-4E9C-BBFB-BF85C70B98F3}"/>
+              </a:ext>
+            </a:extLst>
+          </p:cNvPr>
+          <p:cNvSpPr/>
+          <p:nvPr/>
+        </p:nvSpPr>
+        <p:spPr>
+          <a:xfrm>
+            <a:off x="5327603" y="4150916"/>
+            <a:ext cx="1536793" cy="2190376"/>
+          </a:xfrm>
+          <a:prstGeom prst="rect">
+            <a:avLst/>
+          </a:prstGeom>
+          <a:noFill/>
+          <a:ln w="76200">
+            <a:solidFill>
+              <a:schemeClr val="accent1"/>
+            </a:solidFill>
+          </a:ln>
+        </p:spPr>
+        <p:style>
+          <a:lnRef idx="2">
+            <a:schemeClr val="accent1">
+              <a:shade val="50000"/>
+            </a:schemeClr>
+          </a:lnRef>
+          <a:fillRef idx="1">
+            <a:schemeClr val="accent1"/>
+          </a:fillRef>
+          <a:effectRef idx="0">
+            <a:schemeClr val="accent1"/>
+          </a:effectRef>
+          <a:fontRef idx="minor">
+            <a:schemeClr val="lt1"/>
+          </a:fontRef>
+        </p:style>
+        <p:txBody>
+          <a:bodyPr rtlCol="0" anchor="ctr"/>
+          <a:lstStyle/>
+          <a:p>
+            <a:pPr algn="ctr"/>
+            <a:endParaRPr lang="zh-TW" altLang="en-US"/>
+          </a:p>
+        </p:txBody>
+      </p:sp>
+      <p:sp>
+        <p:nvSpPr>
+          <p:cNvPr id="38" name="矩形 37">
+            <a:extLst>
+              <a:ext uri="{FF2B5EF4-FFF2-40B4-BE49-F238E27FC236}">
+                <a16:creationId xmlns:a16="http://schemas.microsoft.com/office/drawing/2014/main" id="{8B74E923-6107-46F4-9B41-37C37A7771FC}"/>
+              </a:ext>
+            </a:extLst>
+          </p:cNvPr>
+          <p:cNvSpPr/>
+          <p:nvPr/>
+        </p:nvSpPr>
+        <p:spPr>
+          <a:xfrm>
+            <a:off x="1188652" y="1207715"/>
+            <a:ext cx="3569779" cy="2190376"/>
+          </a:xfrm>
+          <a:prstGeom prst="rect">
+            <a:avLst/>
+          </a:prstGeom>
+          <a:noFill/>
+          <a:ln w="76200">
+            <a:solidFill>
+              <a:schemeClr val="accent1"/>
+            </a:solidFill>
+          </a:ln>
+        </p:spPr>
+        <p:style>
+          <a:lnRef idx="2">
+            <a:schemeClr val="accent1">
+              <a:shade val="50000"/>
+            </a:schemeClr>
+          </a:lnRef>
+          <a:fillRef idx="1">
+            <a:schemeClr val="accent1"/>
+          </a:fillRef>
+          <a:effectRef idx="0">
+            <a:schemeClr val="accent1"/>
+          </a:effectRef>
+          <a:fontRef idx="minor">
+            <a:schemeClr val="lt1"/>
+          </a:fontRef>
+        </p:style>
+        <p:txBody>
+          <a:bodyPr rtlCol="0" anchor="ctr"/>
+          <a:lstStyle/>
+          <a:p>
+            <a:pPr algn="ctr"/>
+            <a:endParaRPr lang="zh-TW" altLang="en-US"/>
+          </a:p>
+        </p:txBody>
+      </p:sp>
+      <p:cxnSp>
+        <p:nvCxnSpPr>
+          <p:cNvPr id="40" name="直線單箭頭接點 39">
+            <a:extLst>
+              <a:ext uri="{FF2B5EF4-FFF2-40B4-BE49-F238E27FC236}">
+                <a16:creationId xmlns:a16="http://schemas.microsoft.com/office/drawing/2014/main" id="{D35878AC-A5FE-4140-A6A8-6A485CA76C0F}"/>
+              </a:ext>
+            </a:extLst>
+          </p:cNvPr>
+          <p:cNvCxnSpPr/>
+          <p:nvPr/>
+        </p:nvCxnSpPr>
+        <p:spPr>
+          <a:xfrm>
+            <a:off x="4758431" y="2024109"/>
+            <a:ext cx="3781887" cy="0"/>
+          </a:xfrm>
+          <a:prstGeom prst="straightConnector1">
+            <a:avLst/>
+          </a:prstGeom>
+          <a:ln w="57150">
+            <a:solidFill>
+              <a:schemeClr val="tx1"/>
+            </a:solidFill>
+            <a:headEnd type="oval" w="med" len="med"/>
+            <a:tailEnd type="triangle" w="med" len="med"/>
+          </a:ln>
+        </p:spPr>
+        <p:style>
+          <a:lnRef idx="1">
+            <a:schemeClr val="accent1"/>
+          </a:lnRef>
+          <a:fillRef idx="0">
+            <a:schemeClr val="accent1"/>
+          </a:fillRef>
+          <a:effectRef idx="0">
+            <a:schemeClr val="accent1"/>
+          </a:effectRef>
+          <a:fontRef idx="minor">
+            <a:schemeClr val="tx1"/>
+          </a:fontRef>
+        </p:style>
+      </p:cxnSp>
+      <p:sp>
+        <p:nvSpPr>
+          <p:cNvPr id="42" name="文字方塊 41">
+            <a:extLst>
+              <a:ext uri="{FF2B5EF4-FFF2-40B4-BE49-F238E27FC236}">
+                <a16:creationId xmlns:a16="http://schemas.microsoft.com/office/drawing/2014/main" id="{8C0F7EAF-D090-464A-863E-F67C3F094366}"/>
+              </a:ext>
+            </a:extLst>
+          </p:cNvPr>
+          <p:cNvSpPr txBox="1"/>
+          <p:nvPr/>
+        </p:nvSpPr>
+        <p:spPr>
+          <a:xfrm>
+            <a:off x="8797771" y="1855433"/>
+            <a:ext cx="2454518" cy="369332"/>
+          </a:xfrm>
+          <a:prstGeom prst="rect">
+            <a:avLst/>
+          </a:prstGeom>
+          <a:noFill/>
+        </p:spPr>
+        <p:txBody>
+          <a:bodyPr wrap="none" rtlCol="0">
+            <a:spAutoFit/>
+          </a:bodyPr>
+          <a:lstStyle/>
+          <a:p>
+            <a:r>
+              <a:rPr lang="en-US" altLang="zh-TW" b="1" dirty="0">
+                <a:solidFill>
+                  <a:srgbClr val="FF0000"/>
+                </a:solidFill>
+                <a:latin typeface="微軟正黑體" panose="020B0604030504040204" pitchFamily="34" charset="-120"/>
+                <a:ea typeface="微軟正黑體" panose="020B0604030504040204" pitchFamily="34" charset="-120"/>
+              </a:rPr>
+              <a:t>GITHUB</a:t>
+            </a:r>
+            <a:r>
+              <a:rPr lang="zh-TW" altLang="en-US" b="1" dirty="0">
+                <a:solidFill>
+                  <a:srgbClr val="FF0000"/>
+                </a:solidFill>
+                <a:latin typeface="微軟正黑體" panose="020B0604030504040204" pitchFamily="34" charset="-120"/>
+                <a:ea typeface="微軟正黑體" panose="020B0604030504040204" pitchFamily="34" charset="-120"/>
+              </a:rPr>
+              <a:t>管理程式版本</a:t>
+            </a:r>
+          </a:p>
+        </p:txBody>
+      </p:sp>
+      <p:cxnSp>
+        <p:nvCxnSpPr>
+          <p:cNvPr id="45" name="直線單箭頭接點 44">
+            <a:extLst>
+              <a:ext uri="{FF2B5EF4-FFF2-40B4-BE49-F238E27FC236}">
+                <a16:creationId xmlns:a16="http://schemas.microsoft.com/office/drawing/2014/main" id="{867FC62C-ECEF-4DB2-84CA-BFFAE843812C}"/>
+              </a:ext>
+            </a:extLst>
+          </p:cNvPr>
+          <p:cNvCxnSpPr>
+            <a:cxnSpLocks/>
+          </p:cNvCxnSpPr>
+          <p:nvPr/>
+        </p:nvCxnSpPr>
+        <p:spPr>
+          <a:xfrm flipH="1">
+            <a:off x="3098307" y="5379868"/>
+            <a:ext cx="2229296" cy="0"/>
+          </a:xfrm>
+          <a:prstGeom prst="straightConnector1">
+            <a:avLst/>
+          </a:prstGeom>
+          <a:ln w="57150">
+            <a:solidFill>
+              <a:schemeClr val="tx1"/>
+            </a:solidFill>
+            <a:headEnd type="oval" w="med" len="med"/>
+            <a:tailEnd type="triangle" w="med" len="med"/>
+          </a:ln>
+        </p:spPr>
+        <p:style>
+          <a:lnRef idx="1">
+            <a:schemeClr val="accent1"/>
+          </a:lnRef>
+          <a:fillRef idx="0">
+            <a:schemeClr val="accent1"/>
+          </a:fillRef>
+          <a:effectRef idx="0">
+            <a:schemeClr val="accent1"/>
+          </a:effectRef>
+          <a:fontRef idx="minor">
+            <a:schemeClr val="tx1"/>
+          </a:fontRef>
+        </p:style>
+      </p:cxnSp>
+      <p:sp>
+        <p:nvSpPr>
+          <p:cNvPr id="47" name="文字方塊 46">
+            <a:extLst>
+              <a:ext uri="{FF2B5EF4-FFF2-40B4-BE49-F238E27FC236}">
+                <a16:creationId xmlns:a16="http://schemas.microsoft.com/office/drawing/2014/main" id="{4D3644BE-4EA7-4E59-927E-5AC2EFC7A1E2}"/>
+              </a:ext>
+            </a:extLst>
+          </p:cNvPr>
+          <p:cNvSpPr txBox="1"/>
+          <p:nvPr/>
+        </p:nvSpPr>
+        <p:spPr>
+          <a:xfrm>
+            <a:off x="1188652" y="5195202"/>
+            <a:ext cx="1992853" cy="369332"/>
+          </a:xfrm>
+          <a:prstGeom prst="rect">
+            <a:avLst/>
+          </a:prstGeom>
+          <a:noFill/>
+        </p:spPr>
+        <p:txBody>
+          <a:bodyPr wrap="none" rtlCol="0">
+            <a:spAutoFit/>
+          </a:bodyPr>
+          <a:lstStyle/>
+          <a:p>
+            <a:r>
+              <a:rPr lang="en-US" altLang="zh-TW" b="1" dirty="0">
+                <a:solidFill>
+                  <a:srgbClr val="FF0000"/>
+                </a:solidFill>
+                <a:latin typeface="微軟正黑體" panose="020B0604030504040204" pitchFamily="34" charset="-120"/>
+                <a:ea typeface="微軟正黑體" panose="020B0604030504040204" pitchFamily="34" charset="-120"/>
+              </a:rPr>
+              <a:t>GITHUB</a:t>
+            </a:r>
+            <a:r>
+              <a:rPr lang="zh-TW" altLang="en-US" b="1" dirty="0">
+                <a:solidFill>
+                  <a:srgbClr val="FF0000"/>
+                </a:solidFill>
+                <a:latin typeface="微軟正黑體" panose="020B0604030504040204" pitchFamily="34" charset="-120"/>
+                <a:ea typeface="微軟正黑體" panose="020B0604030504040204" pitchFamily="34" charset="-120"/>
+              </a:rPr>
+              <a:t>統一管理</a:t>
+            </a:r>
+          </a:p>
+        </p:txBody>
+      </p:sp>
+    </p:spTree>
+    <p:extLst>
+      <p:ext uri="{BB962C8B-B14F-4D97-AF65-F5344CB8AC3E}">
+        <p14:creationId xmlns:p14="http://schemas.microsoft.com/office/powerpoint/2010/main" val="2557845207"/>
+      </p:ext>
+    </p:extLst>
+  </p:cSld>
+  <p:clrMapOvr>
+    <a:masterClrMapping/>
+  </p:clrMapOvr>
+  <mc:AlternateContent xmlns:mc="http://schemas.openxmlformats.org/markup-compatibility/2006" xmlns:p14="http://schemas.microsoft.com/office/powerpoint/2010/main">
+    <mc:Choice Requires="p14">
+      <p:transition spd="slow" p14:dur="1250">
+        <p:split orient="vert"/>
+      </p:transition>
+    </mc:Choice>
+    <mc:Fallback xmlns="">
+      <p:transition spd="slow">
+        <p:split orient="vert"/>
+      </p:transition>
+    </mc:Fallback>
+  </mc:AlternateContent>
+</p:sld>
+</file>
+
+<file path=ppt/slides/slide27.xml><?xml version="1.0" encoding="utf-8"?>
+<p:sld xmlns:a="http://schemas.openxmlformats.org/drawingml/2006/main" xmlns:r="http://schemas.openxmlformats.org/officeDocument/2006/relationships" xmlns:p="http://schemas.openxmlformats.org/presentationml/2006/main">
+  <p:cSld>
+    <p:spTree>
+      <p:nvGrpSpPr>
+        <p:cNvPr id="1" name=""/>
+        <p:cNvGrpSpPr/>
+        <p:nvPr/>
+      </p:nvGrpSpPr>
+      <p:grpSpPr>
+        <a:xfrm>
+          <a:off x="0" y="0"/>
+          <a:ext cx="0" cy="0"/>
+          <a:chOff x="0" y="0"/>
+          <a:chExt cx="0" cy="0"/>
+        </a:xfrm>
+      </p:grpSpPr>
+      <p:grpSp>
+        <p:nvGrpSpPr>
           <p:cNvPr id="4" name="组合 3">
             <a:extLst>
               <a:ext uri="{FF2B5EF4-FFF2-40B4-BE49-F238E27FC236}">
@@ -20973,7 +24680,7 @@
           <p:spPr>
             <a:xfrm>
               <a:off x="2010254" y="3844094"/>
-              <a:ext cx="8214506" cy="954107"/>
+              <a:ext cx="8214506" cy="523220"/>
             </a:xfrm>
             <a:prstGeom prst="rect">
               <a:avLst/>
@@ -21021,20 +24728,26 @@
                   <a:ea typeface="微软雅黑" panose="020B0503020204020204" pitchFamily="34" charset="-122"/>
                   <a:sym typeface="Source Han Serif SC" panose="02020400000000000000" pitchFamily="18" charset="-122"/>
                 </a:rPr>
-                <a:t>THANK YOU!</a:t>
+                <a:t>THANK </a:t>
               </a:r>
-            </a:p>
-            <a:p>
-              <a:pPr lvl="0" algn="ctr">
-                <a:defRPr/>
-              </a:pPr>
               <a:r>
-                <a:rPr lang="en-US" altLang="zh-TW" sz="2800" dirty="0">
-                  <a:hlinkClick r:id="rId4"/>
+                <a:rPr kumimoji="0" lang="en-US" altLang="zh-TW" sz="2800" b="0" i="0" u="none" strike="noStrike" kern="1200" cap="none" spc="0" normalizeH="0" baseline="0" noProof="0">
+                  <a:ln>
+                    <a:noFill/>
+                  </a:ln>
+                  <a:solidFill>
+                    <a:srgbClr val="0C3273"/>
+                  </a:solidFill>
+                  <a:effectLst/>
+                  <a:uLnTx/>
+                  <a:uFillTx/>
+                  <a:latin typeface="微软雅黑" panose="020B0503020204020204" pitchFamily="34" charset="-122"/>
+                  <a:ea typeface="微软雅黑" panose="020B0503020204020204" pitchFamily="34" charset="-122"/>
+                  <a:sym typeface="Source Han Serif SC" panose="02020400000000000000" pitchFamily="18" charset="-122"/>
                 </a:rPr>
-                <a:t>https://dnsdhcp.github.io/breadshop/index.html</a:t>
+                <a:t>YOU!</a:t>
               </a:r>
-              <a:endParaRPr kumimoji="0" lang="zh-CN" altLang="en-US" sz="2800" b="0" i="0" u="none" strike="noStrike" kern="1200" cap="none" spc="0" normalizeH="0" baseline="0" noProof="0" dirty="0">
+              <a:endParaRPr kumimoji="0" lang="en-US" altLang="zh-TW" sz="2800" b="0" i="0" u="none" strike="noStrike" kern="1200" cap="none" spc="0" normalizeH="0" baseline="0" noProof="0" dirty="0">
                 <a:ln>
                   <a:noFill/>
                 </a:ln>
@@ -21353,7 +25066,7 @@
           <p:nvPr/>
         </p:nvPicPr>
         <p:blipFill>
-          <a:blip r:embed="rId5">
+          <a:blip r:embed="rId4">
             <a:extLst>
               <a:ext uri="{28A0092B-C50C-407E-A947-70E740481C1C}">
                 <a14:useLocalDpi xmlns:a14="http://schemas.microsoft.com/office/drawing/2010/main" val="0"/>
